--- a/study-note/데이터베이스/2022-09-07 내용정리.pptx
+++ b/study-note/데이터베이스/2022-09-07 내용정리.pptx
@@ -5,7 +5,7 @@
     <p:sldMasterId id="2147483648" r:id="rId1"/>
   </p:sldMasterIdLst>
   <p:notesMasterIdLst>
-    <p:notesMasterId r:id="rId64"/>
+    <p:notesMasterId r:id="rId66"/>
   </p:notesMasterIdLst>
   <p:sldIdLst>
     <p:sldId id="256" r:id="rId2"/>
@@ -46,30 +46,32 @@
     <p:sldId id="385" r:id="rId37"/>
     <p:sldId id="434" r:id="rId38"/>
     <p:sldId id="386" r:id="rId39"/>
-    <p:sldId id="387" r:id="rId40"/>
-    <p:sldId id="388" r:id="rId41"/>
-    <p:sldId id="389" r:id="rId42"/>
-    <p:sldId id="390" r:id="rId43"/>
-    <p:sldId id="391" r:id="rId44"/>
-    <p:sldId id="392" r:id="rId45"/>
-    <p:sldId id="393" r:id="rId46"/>
-    <p:sldId id="394" r:id="rId47"/>
-    <p:sldId id="395" r:id="rId48"/>
-    <p:sldId id="396" r:id="rId49"/>
-    <p:sldId id="397" r:id="rId50"/>
-    <p:sldId id="398" r:id="rId51"/>
-    <p:sldId id="399" r:id="rId52"/>
-    <p:sldId id="400" r:id="rId53"/>
-    <p:sldId id="401" r:id="rId54"/>
-    <p:sldId id="402" r:id="rId55"/>
-    <p:sldId id="425" r:id="rId56"/>
-    <p:sldId id="426" r:id="rId57"/>
-    <p:sldId id="427" r:id="rId58"/>
-    <p:sldId id="428" r:id="rId59"/>
-    <p:sldId id="429" r:id="rId60"/>
-    <p:sldId id="430" r:id="rId61"/>
-    <p:sldId id="431" r:id="rId62"/>
-    <p:sldId id="432" r:id="rId63"/>
+    <p:sldId id="435" r:id="rId40"/>
+    <p:sldId id="436" r:id="rId41"/>
+    <p:sldId id="387" r:id="rId42"/>
+    <p:sldId id="388" r:id="rId43"/>
+    <p:sldId id="389" r:id="rId44"/>
+    <p:sldId id="390" r:id="rId45"/>
+    <p:sldId id="391" r:id="rId46"/>
+    <p:sldId id="392" r:id="rId47"/>
+    <p:sldId id="393" r:id="rId48"/>
+    <p:sldId id="394" r:id="rId49"/>
+    <p:sldId id="395" r:id="rId50"/>
+    <p:sldId id="396" r:id="rId51"/>
+    <p:sldId id="397" r:id="rId52"/>
+    <p:sldId id="398" r:id="rId53"/>
+    <p:sldId id="399" r:id="rId54"/>
+    <p:sldId id="400" r:id="rId55"/>
+    <p:sldId id="401" r:id="rId56"/>
+    <p:sldId id="402" r:id="rId57"/>
+    <p:sldId id="425" r:id="rId58"/>
+    <p:sldId id="426" r:id="rId59"/>
+    <p:sldId id="427" r:id="rId60"/>
+    <p:sldId id="428" r:id="rId61"/>
+    <p:sldId id="429" r:id="rId62"/>
+    <p:sldId id="430" r:id="rId63"/>
+    <p:sldId id="431" r:id="rId64"/>
+    <p:sldId id="432" r:id="rId65"/>
   </p:sldIdLst>
   <p:sldSz cx="12192000" cy="6858000"/>
   <p:notesSz cx="6858000" cy="9144000"/>
@@ -49022,6 +49024,1015 @@
           <a:chExt cx="0" cy="0"/>
         </a:xfrm>
       </p:grpSpPr>
+      <p:sp>
+        <p:nvSpPr>
+          <p:cNvPr id="2" name="직사각형 1">
+            <a:extLst>
+              <a:ext uri="{FF2B5EF4-FFF2-40B4-BE49-F238E27FC236}">
+                <a16:creationId xmlns:a16="http://schemas.microsoft.com/office/drawing/2014/main" id="{176B3AB1-20D9-5C20-CD2B-655559425DD9}"/>
+              </a:ext>
+            </a:extLst>
+          </p:cNvPr>
+          <p:cNvSpPr/>
+          <p:nvPr/>
+        </p:nvSpPr>
+        <p:spPr>
+          <a:xfrm>
+            <a:off x="240030" y="1245870"/>
+            <a:ext cx="1268730" cy="891540"/>
+          </a:xfrm>
+          <a:prstGeom prst="rect">
+            <a:avLst/>
+          </a:prstGeom>
+        </p:spPr>
+        <p:style>
+          <a:lnRef idx="2">
+            <a:schemeClr val="accent1">
+              <a:shade val="50000"/>
+            </a:schemeClr>
+          </a:lnRef>
+          <a:fillRef idx="1">
+            <a:schemeClr val="accent1"/>
+          </a:fillRef>
+          <a:effectRef idx="0">
+            <a:schemeClr val="accent1"/>
+          </a:effectRef>
+          <a:fontRef idx="minor">
+            <a:schemeClr val="lt1"/>
+          </a:fontRef>
+        </p:style>
+        <p:txBody>
+          <a:bodyPr rtlCol="0" anchor="ctr"/>
+          <a:lstStyle/>
+          <a:p>
+            <a:pPr algn="ctr"/>
+            <a:r>
+              <a:rPr kumimoji="1" lang="en-US" altLang="ko-Kore-KR" dirty="0"/>
+              <a:t>Client</a:t>
+            </a:r>
+          </a:p>
+          <a:p>
+            <a:pPr algn="ctr"/>
+            <a:r>
+              <a:rPr kumimoji="1" lang="en-US" altLang="ko-Kore-KR" dirty="0"/>
+              <a:t>App</a:t>
+            </a:r>
+            <a:endParaRPr kumimoji="1" lang="ko-Kore-KR" altLang="en-US" dirty="0"/>
+          </a:p>
+        </p:txBody>
+      </p:sp>
+      <p:sp>
+        <p:nvSpPr>
+          <p:cNvPr id="3" name="직사각형 2">
+            <a:extLst>
+              <a:ext uri="{FF2B5EF4-FFF2-40B4-BE49-F238E27FC236}">
+                <a16:creationId xmlns:a16="http://schemas.microsoft.com/office/drawing/2014/main" id="{2A70D3A1-A50B-7D85-0D16-3F63B6937B31}"/>
+              </a:ext>
+            </a:extLst>
+          </p:cNvPr>
+          <p:cNvSpPr/>
+          <p:nvPr/>
+        </p:nvSpPr>
+        <p:spPr>
+          <a:xfrm>
+            <a:off x="2392680" y="1245870"/>
+            <a:ext cx="1268730" cy="891540"/>
+          </a:xfrm>
+          <a:prstGeom prst="rect">
+            <a:avLst/>
+          </a:prstGeom>
+        </p:spPr>
+        <p:style>
+          <a:lnRef idx="2">
+            <a:schemeClr val="accent1">
+              <a:shade val="50000"/>
+            </a:schemeClr>
+          </a:lnRef>
+          <a:fillRef idx="1">
+            <a:schemeClr val="accent1"/>
+          </a:fillRef>
+          <a:effectRef idx="0">
+            <a:schemeClr val="accent1"/>
+          </a:effectRef>
+          <a:fontRef idx="minor">
+            <a:schemeClr val="lt1"/>
+          </a:fontRef>
+        </p:style>
+        <p:txBody>
+          <a:bodyPr rtlCol="0" anchor="ctr"/>
+          <a:lstStyle/>
+          <a:p>
+            <a:pPr algn="ctr"/>
+            <a:r>
+              <a:rPr kumimoji="1" lang="en-US" altLang="ko-Kore-KR" dirty="0"/>
+              <a:t>Board</a:t>
+            </a:r>
+          </a:p>
+          <a:p>
+            <a:pPr algn="ctr"/>
+            <a:r>
+              <a:rPr kumimoji="1" lang="en-US" altLang="ko-Kore-KR" dirty="0"/>
+              <a:t>Handler</a:t>
+            </a:r>
+            <a:endParaRPr kumimoji="1" lang="ko-Kore-KR" altLang="en-US" dirty="0"/>
+          </a:p>
+        </p:txBody>
+      </p:sp>
+      <p:sp>
+        <p:nvSpPr>
+          <p:cNvPr id="4" name="직사각형 3">
+            <a:extLst>
+              <a:ext uri="{FF2B5EF4-FFF2-40B4-BE49-F238E27FC236}">
+                <a16:creationId xmlns:a16="http://schemas.microsoft.com/office/drawing/2014/main" id="{15A839A3-4E12-5E9C-D70C-1FB9D4CCC452}"/>
+              </a:ext>
+            </a:extLst>
+          </p:cNvPr>
+          <p:cNvSpPr/>
+          <p:nvPr/>
+        </p:nvSpPr>
+        <p:spPr>
+          <a:xfrm>
+            <a:off x="2392680" y="3169920"/>
+            <a:ext cx="1268730" cy="891540"/>
+          </a:xfrm>
+          <a:prstGeom prst="rect">
+            <a:avLst/>
+          </a:prstGeom>
+        </p:spPr>
+        <p:style>
+          <a:lnRef idx="2">
+            <a:schemeClr val="accent1">
+              <a:shade val="50000"/>
+            </a:schemeClr>
+          </a:lnRef>
+          <a:fillRef idx="1">
+            <a:schemeClr val="accent1"/>
+          </a:fillRef>
+          <a:effectRef idx="0">
+            <a:schemeClr val="accent1"/>
+          </a:effectRef>
+          <a:fontRef idx="minor">
+            <a:schemeClr val="lt1"/>
+          </a:fontRef>
+        </p:style>
+        <p:txBody>
+          <a:bodyPr rtlCol="0" anchor="ctr"/>
+          <a:lstStyle/>
+          <a:p>
+            <a:pPr algn="ctr"/>
+            <a:r>
+              <a:rPr kumimoji="1" lang="en-US" altLang="ko-Kore-KR" dirty="0"/>
+              <a:t>Board</a:t>
+            </a:r>
+          </a:p>
+          <a:p>
+            <a:pPr algn="ctr"/>
+            <a:r>
+              <a:rPr kumimoji="1" lang="en-US" altLang="ko-Kore-KR" dirty="0"/>
+              <a:t>Proxy</a:t>
+            </a:r>
+            <a:endParaRPr kumimoji="1" lang="ko-Kore-KR" altLang="en-US" dirty="0"/>
+          </a:p>
+        </p:txBody>
+      </p:sp>
+      <p:sp>
+        <p:nvSpPr>
+          <p:cNvPr id="5" name="직사각형 4">
+            <a:extLst>
+              <a:ext uri="{FF2B5EF4-FFF2-40B4-BE49-F238E27FC236}">
+                <a16:creationId xmlns:a16="http://schemas.microsoft.com/office/drawing/2014/main" id="{E7BC48FF-49A3-F751-8825-16AC74DEEE20}"/>
+              </a:ext>
+            </a:extLst>
+          </p:cNvPr>
+          <p:cNvSpPr/>
+          <p:nvPr/>
+        </p:nvSpPr>
+        <p:spPr>
+          <a:xfrm>
+            <a:off x="5067300" y="1245870"/>
+            <a:ext cx="1268730" cy="891540"/>
+          </a:xfrm>
+          <a:prstGeom prst="rect">
+            <a:avLst/>
+          </a:prstGeom>
+        </p:spPr>
+        <p:style>
+          <a:lnRef idx="2">
+            <a:schemeClr val="accent1">
+              <a:shade val="50000"/>
+            </a:schemeClr>
+          </a:lnRef>
+          <a:fillRef idx="1">
+            <a:schemeClr val="accent1"/>
+          </a:fillRef>
+          <a:effectRef idx="0">
+            <a:schemeClr val="accent1"/>
+          </a:effectRef>
+          <a:fontRef idx="minor">
+            <a:schemeClr val="lt1"/>
+          </a:fontRef>
+        </p:style>
+        <p:txBody>
+          <a:bodyPr rtlCol="0" anchor="ctr"/>
+          <a:lstStyle/>
+          <a:p>
+            <a:pPr algn="ctr"/>
+            <a:r>
+              <a:rPr kumimoji="1" lang="en-US" altLang="ko-Kore-KR" dirty="0"/>
+              <a:t>Board</a:t>
+            </a:r>
+          </a:p>
+          <a:p>
+            <a:pPr algn="ctr"/>
+            <a:r>
+              <a:rPr kumimoji="1" lang="en-US" altLang="ko-Kore-KR" dirty="0"/>
+              <a:t>Dao</a:t>
+            </a:r>
+            <a:endParaRPr kumimoji="1" lang="ko-Kore-KR" altLang="en-US" dirty="0"/>
+          </a:p>
+        </p:txBody>
+      </p:sp>
+      <p:sp>
+        <p:nvSpPr>
+          <p:cNvPr id="6" name="직사각형 5">
+            <a:extLst>
+              <a:ext uri="{FF2B5EF4-FFF2-40B4-BE49-F238E27FC236}">
+                <a16:creationId xmlns:a16="http://schemas.microsoft.com/office/drawing/2014/main" id="{4AF1E6C3-63A6-24D6-A03C-ED913CE5BA77}"/>
+              </a:ext>
+            </a:extLst>
+          </p:cNvPr>
+          <p:cNvSpPr/>
+          <p:nvPr/>
+        </p:nvSpPr>
+        <p:spPr>
+          <a:xfrm>
+            <a:off x="5067300" y="3169920"/>
+            <a:ext cx="1268730" cy="891540"/>
+          </a:xfrm>
+          <a:prstGeom prst="rect">
+            <a:avLst/>
+          </a:prstGeom>
+        </p:spPr>
+        <p:style>
+          <a:lnRef idx="2">
+            <a:schemeClr val="accent1">
+              <a:shade val="50000"/>
+            </a:schemeClr>
+          </a:lnRef>
+          <a:fillRef idx="1">
+            <a:schemeClr val="accent1"/>
+          </a:fillRef>
+          <a:effectRef idx="0">
+            <a:schemeClr val="accent1"/>
+          </a:effectRef>
+          <a:fontRef idx="minor">
+            <a:schemeClr val="lt1"/>
+          </a:fontRef>
+        </p:style>
+        <p:txBody>
+          <a:bodyPr rtlCol="0" anchor="ctr"/>
+          <a:lstStyle/>
+          <a:p>
+            <a:pPr algn="ctr"/>
+            <a:r>
+              <a:rPr kumimoji="1" lang="en-US" altLang="ko-Kore-KR" dirty="0"/>
+              <a:t>Board</a:t>
+            </a:r>
+          </a:p>
+          <a:p>
+            <a:pPr algn="ctr"/>
+            <a:r>
+              <a:rPr kumimoji="1" lang="en-US" altLang="ko-Kore-KR" dirty="0"/>
+              <a:t>Servlet</a:t>
+            </a:r>
+            <a:endParaRPr kumimoji="1" lang="ko-Kore-KR" altLang="en-US" dirty="0"/>
+          </a:p>
+        </p:txBody>
+      </p:sp>
+      <p:sp>
+        <p:nvSpPr>
+          <p:cNvPr id="7" name="직사각형 6">
+            <a:extLst>
+              <a:ext uri="{FF2B5EF4-FFF2-40B4-BE49-F238E27FC236}">
+                <a16:creationId xmlns:a16="http://schemas.microsoft.com/office/drawing/2014/main" id="{5C50ACAE-766B-F4BD-4D7F-DA4BA4781081}"/>
+              </a:ext>
+            </a:extLst>
+          </p:cNvPr>
+          <p:cNvSpPr/>
+          <p:nvPr/>
+        </p:nvSpPr>
+        <p:spPr>
+          <a:xfrm>
+            <a:off x="7219950" y="1245870"/>
+            <a:ext cx="1268730" cy="891540"/>
+          </a:xfrm>
+          <a:prstGeom prst="rect">
+            <a:avLst/>
+          </a:prstGeom>
+        </p:spPr>
+        <p:style>
+          <a:lnRef idx="2">
+            <a:schemeClr val="accent1">
+              <a:shade val="50000"/>
+            </a:schemeClr>
+          </a:lnRef>
+          <a:fillRef idx="1">
+            <a:schemeClr val="accent1"/>
+          </a:fillRef>
+          <a:effectRef idx="0">
+            <a:schemeClr val="accent1"/>
+          </a:effectRef>
+          <a:fontRef idx="minor">
+            <a:schemeClr val="lt1"/>
+          </a:fontRef>
+        </p:style>
+        <p:txBody>
+          <a:bodyPr rtlCol="0" anchor="ctr"/>
+          <a:lstStyle/>
+          <a:p>
+            <a:pPr algn="ctr"/>
+            <a:r>
+              <a:rPr kumimoji="1" lang="en-US" altLang="ko-Kore-KR" dirty="0"/>
+              <a:t>List</a:t>
+            </a:r>
+            <a:endParaRPr kumimoji="1" lang="ko-Kore-KR" altLang="en-US" dirty="0"/>
+          </a:p>
+        </p:txBody>
+      </p:sp>
+      <p:sp>
+        <p:nvSpPr>
+          <p:cNvPr id="8" name="한쪽 모서리는 잘리고 다른 쪽 모서리는 둥근 사각형 7">
+            <a:extLst>
+              <a:ext uri="{FF2B5EF4-FFF2-40B4-BE49-F238E27FC236}">
+                <a16:creationId xmlns:a16="http://schemas.microsoft.com/office/drawing/2014/main" id="{315EE4D8-EFA6-CBAE-621A-E6D478766E2E}"/>
+              </a:ext>
+            </a:extLst>
+          </p:cNvPr>
+          <p:cNvSpPr/>
+          <p:nvPr/>
+        </p:nvSpPr>
+        <p:spPr>
+          <a:xfrm>
+            <a:off x="9843135" y="1051560"/>
+            <a:ext cx="994410" cy="1280160"/>
+          </a:xfrm>
+          <a:prstGeom prst="snipRoundRect">
+            <a:avLst/>
+          </a:prstGeom>
+        </p:spPr>
+        <p:style>
+          <a:lnRef idx="2">
+            <a:schemeClr val="accent1">
+              <a:shade val="50000"/>
+            </a:schemeClr>
+          </a:lnRef>
+          <a:fillRef idx="1">
+            <a:schemeClr val="accent1"/>
+          </a:fillRef>
+          <a:effectRef idx="0">
+            <a:schemeClr val="accent1"/>
+          </a:effectRef>
+          <a:fontRef idx="minor">
+            <a:schemeClr val="lt1"/>
+          </a:fontRef>
+        </p:style>
+        <p:txBody>
+          <a:bodyPr rtlCol="0" anchor="ctr"/>
+          <a:lstStyle/>
+          <a:p>
+            <a:pPr algn="ctr"/>
+            <a:r>
+              <a:rPr kumimoji="1" lang="en-US" altLang="ko-Kore-KR" dirty="0"/>
+              <a:t>.</a:t>
+            </a:r>
+            <a:r>
+              <a:rPr kumimoji="1" lang="en-US" altLang="ko-Kore-KR" dirty="0" err="1"/>
+              <a:t>json</a:t>
+            </a:r>
+            <a:endParaRPr kumimoji="1" lang="ko-Kore-KR" altLang="en-US" dirty="0"/>
+          </a:p>
+        </p:txBody>
+      </p:sp>
+      <p:cxnSp>
+        <p:nvCxnSpPr>
+          <p:cNvPr id="10" name="직선 화살표 연결선 9">
+            <a:extLst>
+              <a:ext uri="{FF2B5EF4-FFF2-40B4-BE49-F238E27FC236}">
+                <a16:creationId xmlns:a16="http://schemas.microsoft.com/office/drawing/2014/main" id="{422DCF71-B611-AE58-3C08-A7AA16E32601}"/>
+              </a:ext>
+            </a:extLst>
+          </p:cNvPr>
+          <p:cNvCxnSpPr>
+            <a:stCxn id="2" idx="3"/>
+            <a:endCxn id="3" idx="1"/>
+          </p:cNvCxnSpPr>
+          <p:nvPr/>
+        </p:nvCxnSpPr>
+        <p:spPr>
+          <a:xfrm>
+            <a:off x="1508760" y="1691640"/>
+            <a:ext cx="883920" cy="0"/>
+          </a:xfrm>
+          <a:prstGeom prst="straightConnector1">
+            <a:avLst/>
+          </a:prstGeom>
+          <a:ln>
+            <a:tailEnd type="triangle"/>
+          </a:ln>
+        </p:spPr>
+        <p:style>
+          <a:lnRef idx="3">
+            <a:schemeClr val="accent1"/>
+          </a:lnRef>
+          <a:fillRef idx="0">
+            <a:schemeClr val="accent1"/>
+          </a:fillRef>
+          <a:effectRef idx="2">
+            <a:schemeClr val="accent1"/>
+          </a:effectRef>
+          <a:fontRef idx="minor">
+            <a:schemeClr val="tx1"/>
+          </a:fontRef>
+        </p:style>
+      </p:cxnSp>
+      <p:cxnSp>
+        <p:nvCxnSpPr>
+          <p:cNvPr id="11" name="직선 화살표 연결선 10">
+            <a:extLst>
+              <a:ext uri="{FF2B5EF4-FFF2-40B4-BE49-F238E27FC236}">
+                <a16:creationId xmlns:a16="http://schemas.microsoft.com/office/drawing/2014/main" id="{318C1708-A403-A4AD-D27E-59E9D58F62FA}"/>
+              </a:ext>
+            </a:extLst>
+          </p:cNvPr>
+          <p:cNvCxnSpPr>
+            <a:cxnSpLocks/>
+            <a:stCxn id="3" idx="2"/>
+            <a:endCxn id="4" idx="0"/>
+          </p:cNvCxnSpPr>
+          <p:nvPr/>
+        </p:nvCxnSpPr>
+        <p:spPr>
+          <a:xfrm>
+            <a:off x="3027045" y="2137410"/>
+            <a:ext cx="0" cy="1032510"/>
+          </a:xfrm>
+          <a:prstGeom prst="straightConnector1">
+            <a:avLst/>
+          </a:prstGeom>
+          <a:ln>
+            <a:tailEnd type="triangle"/>
+          </a:ln>
+        </p:spPr>
+        <p:style>
+          <a:lnRef idx="3">
+            <a:schemeClr val="accent1"/>
+          </a:lnRef>
+          <a:fillRef idx="0">
+            <a:schemeClr val="accent1"/>
+          </a:fillRef>
+          <a:effectRef idx="2">
+            <a:schemeClr val="accent1"/>
+          </a:effectRef>
+          <a:fontRef idx="minor">
+            <a:schemeClr val="tx1"/>
+          </a:fontRef>
+        </p:style>
+      </p:cxnSp>
+      <p:cxnSp>
+        <p:nvCxnSpPr>
+          <p:cNvPr id="14" name="직선 화살표 연결선 13">
+            <a:extLst>
+              <a:ext uri="{FF2B5EF4-FFF2-40B4-BE49-F238E27FC236}">
+                <a16:creationId xmlns:a16="http://schemas.microsoft.com/office/drawing/2014/main" id="{7EC5477B-55A1-8D65-B31D-EAB23F4634AC}"/>
+              </a:ext>
+            </a:extLst>
+          </p:cNvPr>
+          <p:cNvCxnSpPr>
+            <a:cxnSpLocks/>
+            <a:stCxn id="6" idx="0"/>
+            <a:endCxn id="5" idx="2"/>
+          </p:cNvCxnSpPr>
+          <p:nvPr/>
+        </p:nvCxnSpPr>
+        <p:spPr>
+          <a:xfrm flipV="1">
+            <a:off x="5701665" y="2137410"/>
+            <a:ext cx="0" cy="1032510"/>
+          </a:xfrm>
+          <a:prstGeom prst="straightConnector1">
+            <a:avLst/>
+          </a:prstGeom>
+          <a:ln>
+            <a:tailEnd type="triangle"/>
+          </a:ln>
+        </p:spPr>
+        <p:style>
+          <a:lnRef idx="3">
+            <a:schemeClr val="accent1"/>
+          </a:lnRef>
+          <a:fillRef idx="0">
+            <a:schemeClr val="accent1"/>
+          </a:fillRef>
+          <a:effectRef idx="2">
+            <a:schemeClr val="accent1"/>
+          </a:effectRef>
+          <a:fontRef idx="minor">
+            <a:schemeClr val="tx1"/>
+          </a:fontRef>
+        </p:style>
+      </p:cxnSp>
+      <p:cxnSp>
+        <p:nvCxnSpPr>
+          <p:cNvPr id="18" name="직선 화살표 연결선 17">
+            <a:extLst>
+              <a:ext uri="{FF2B5EF4-FFF2-40B4-BE49-F238E27FC236}">
+                <a16:creationId xmlns:a16="http://schemas.microsoft.com/office/drawing/2014/main" id="{AF8008B2-1B4C-9FAD-AEB9-DE5DE97F2FA5}"/>
+              </a:ext>
+            </a:extLst>
+          </p:cNvPr>
+          <p:cNvCxnSpPr>
+            <a:stCxn id="4" idx="3"/>
+            <a:endCxn id="6" idx="1"/>
+          </p:cNvCxnSpPr>
+          <p:nvPr/>
+        </p:nvCxnSpPr>
+        <p:spPr>
+          <a:xfrm>
+            <a:off x="3661410" y="3615690"/>
+            <a:ext cx="1405890" cy="0"/>
+          </a:xfrm>
+          <a:prstGeom prst="straightConnector1">
+            <a:avLst/>
+          </a:prstGeom>
+          <a:ln>
+            <a:headEnd type="triangle"/>
+            <a:tailEnd type="triangle"/>
+          </a:ln>
+        </p:spPr>
+        <p:style>
+          <a:lnRef idx="3">
+            <a:schemeClr val="accent1"/>
+          </a:lnRef>
+          <a:fillRef idx="0">
+            <a:schemeClr val="accent1"/>
+          </a:fillRef>
+          <a:effectRef idx="2">
+            <a:schemeClr val="accent1"/>
+          </a:effectRef>
+          <a:fontRef idx="minor">
+            <a:schemeClr val="tx1"/>
+          </a:fontRef>
+        </p:style>
+      </p:cxnSp>
+      <p:cxnSp>
+        <p:nvCxnSpPr>
+          <p:cNvPr id="19" name="직선 화살표 연결선 18">
+            <a:extLst>
+              <a:ext uri="{FF2B5EF4-FFF2-40B4-BE49-F238E27FC236}">
+                <a16:creationId xmlns:a16="http://schemas.microsoft.com/office/drawing/2014/main" id="{7A1694DE-C290-A877-91EB-29BD2A1321CA}"/>
+              </a:ext>
+            </a:extLst>
+          </p:cNvPr>
+          <p:cNvCxnSpPr>
+            <a:cxnSpLocks/>
+            <a:stCxn id="5" idx="3"/>
+            <a:endCxn id="7" idx="1"/>
+          </p:cNvCxnSpPr>
+          <p:nvPr/>
+        </p:nvCxnSpPr>
+        <p:spPr>
+          <a:xfrm>
+            <a:off x="6336030" y="1691640"/>
+            <a:ext cx="883920" cy="0"/>
+          </a:xfrm>
+          <a:prstGeom prst="straightConnector1">
+            <a:avLst/>
+          </a:prstGeom>
+          <a:ln>
+            <a:headEnd type="triangle"/>
+            <a:tailEnd type="triangle"/>
+          </a:ln>
+        </p:spPr>
+        <p:style>
+          <a:lnRef idx="3">
+            <a:schemeClr val="accent1"/>
+          </a:lnRef>
+          <a:fillRef idx="0">
+            <a:schemeClr val="accent1"/>
+          </a:fillRef>
+          <a:effectRef idx="2">
+            <a:schemeClr val="accent1"/>
+          </a:effectRef>
+          <a:fontRef idx="minor">
+            <a:schemeClr val="tx1"/>
+          </a:fontRef>
+        </p:style>
+      </p:cxnSp>
+      <p:cxnSp>
+        <p:nvCxnSpPr>
+          <p:cNvPr id="22" name="직선 화살표 연결선 21">
+            <a:extLst>
+              <a:ext uri="{FF2B5EF4-FFF2-40B4-BE49-F238E27FC236}">
+                <a16:creationId xmlns:a16="http://schemas.microsoft.com/office/drawing/2014/main" id="{0E2736E6-1798-332D-F244-83AB34F706F2}"/>
+              </a:ext>
+            </a:extLst>
+          </p:cNvPr>
+          <p:cNvCxnSpPr>
+            <a:cxnSpLocks/>
+            <a:stCxn id="7" idx="3"/>
+            <a:endCxn id="8" idx="2"/>
+          </p:cNvCxnSpPr>
+          <p:nvPr/>
+        </p:nvCxnSpPr>
+        <p:spPr>
+          <a:xfrm>
+            <a:off x="8488680" y="1691640"/>
+            <a:ext cx="1354455" cy="0"/>
+          </a:xfrm>
+          <a:prstGeom prst="straightConnector1">
+            <a:avLst/>
+          </a:prstGeom>
+          <a:ln>
+            <a:headEnd type="triangle"/>
+            <a:tailEnd type="triangle"/>
+          </a:ln>
+        </p:spPr>
+        <p:style>
+          <a:lnRef idx="3">
+            <a:schemeClr val="accent1"/>
+          </a:lnRef>
+          <a:fillRef idx="0">
+            <a:schemeClr val="accent1"/>
+          </a:fillRef>
+          <a:effectRef idx="2">
+            <a:schemeClr val="accent1"/>
+          </a:effectRef>
+          <a:fontRef idx="minor">
+            <a:schemeClr val="tx1"/>
+          </a:fontRef>
+        </p:style>
+      </p:cxnSp>
+      <p:sp>
+        <p:nvSpPr>
+          <p:cNvPr id="25" name="TextBox 24">
+            <a:extLst>
+              <a:ext uri="{FF2B5EF4-FFF2-40B4-BE49-F238E27FC236}">
+                <a16:creationId xmlns:a16="http://schemas.microsoft.com/office/drawing/2014/main" id="{96ED8F99-D409-DB2A-0DF4-877DA4B69244}"/>
+              </a:ext>
+            </a:extLst>
+          </p:cNvPr>
+          <p:cNvSpPr txBox="1"/>
+          <p:nvPr/>
+        </p:nvSpPr>
+        <p:spPr>
+          <a:xfrm>
+            <a:off x="2695109" y="2462540"/>
+            <a:ext cx="663872" cy="261610"/>
+          </a:xfrm>
+          <a:prstGeom prst="rect">
+            <a:avLst/>
+          </a:prstGeom>
+        </p:spPr>
+        <p:style>
+          <a:lnRef idx="2">
+            <a:schemeClr val="accent1"/>
+          </a:lnRef>
+          <a:fillRef idx="1">
+            <a:schemeClr val="lt1"/>
+          </a:fillRef>
+          <a:effectRef idx="0">
+            <a:schemeClr val="accent1"/>
+          </a:effectRef>
+          <a:fontRef idx="minor">
+            <a:schemeClr val="dk1"/>
+          </a:fontRef>
+        </p:style>
+        <p:txBody>
+          <a:bodyPr wrap="square" rtlCol="0">
+            <a:spAutoFit/>
+          </a:bodyPr>
+          <a:lstStyle/>
+          <a:p>
+            <a:pPr algn="ctr"/>
+            <a:r>
+              <a:rPr kumimoji="1" lang="en-US" altLang="ko-KR" sz="1100" dirty="0"/>
+              <a:t>call</a:t>
+            </a:r>
+            <a:endParaRPr kumimoji="1" lang="ko-Kore-KR" altLang="en-US" sz="1100" dirty="0"/>
+          </a:p>
+        </p:txBody>
+      </p:sp>
+      <p:sp>
+        <p:nvSpPr>
+          <p:cNvPr id="26" name="TextBox 25">
+            <a:extLst>
+              <a:ext uri="{FF2B5EF4-FFF2-40B4-BE49-F238E27FC236}">
+                <a16:creationId xmlns:a16="http://schemas.microsoft.com/office/drawing/2014/main" id="{CA4D68BE-7891-C65E-D8F8-006F43D5FCE2}"/>
+              </a:ext>
+            </a:extLst>
+          </p:cNvPr>
+          <p:cNvSpPr txBox="1"/>
+          <p:nvPr/>
+        </p:nvSpPr>
+        <p:spPr>
+          <a:xfrm>
+            <a:off x="5369729" y="2462540"/>
+            <a:ext cx="663872" cy="261610"/>
+          </a:xfrm>
+          <a:prstGeom prst="rect">
+            <a:avLst/>
+          </a:prstGeom>
+        </p:spPr>
+        <p:style>
+          <a:lnRef idx="2">
+            <a:schemeClr val="accent1"/>
+          </a:lnRef>
+          <a:fillRef idx="1">
+            <a:schemeClr val="lt1"/>
+          </a:fillRef>
+          <a:effectRef idx="0">
+            <a:schemeClr val="accent1"/>
+          </a:effectRef>
+          <a:fontRef idx="minor">
+            <a:schemeClr val="dk1"/>
+          </a:fontRef>
+        </p:style>
+        <p:txBody>
+          <a:bodyPr wrap="square" rtlCol="0">
+            <a:spAutoFit/>
+          </a:bodyPr>
+          <a:lstStyle/>
+          <a:p>
+            <a:pPr algn="ctr"/>
+            <a:r>
+              <a:rPr kumimoji="1" lang="en-US" altLang="ko-KR" sz="1100" dirty="0"/>
+              <a:t>call</a:t>
+            </a:r>
+            <a:endParaRPr kumimoji="1" lang="ko-Kore-KR" altLang="en-US" sz="1100" dirty="0"/>
+          </a:p>
+        </p:txBody>
+      </p:sp>
+      <p:sp>
+        <p:nvSpPr>
+          <p:cNvPr id="28" name="TextBox 27">
+            <a:extLst>
+              <a:ext uri="{FF2B5EF4-FFF2-40B4-BE49-F238E27FC236}">
+                <a16:creationId xmlns:a16="http://schemas.microsoft.com/office/drawing/2014/main" id="{69A7FA66-C2EB-EB0D-E821-D31CD1161308}"/>
+              </a:ext>
+            </a:extLst>
+          </p:cNvPr>
+          <p:cNvSpPr txBox="1"/>
+          <p:nvPr/>
+        </p:nvSpPr>
+        <p:spPr>
+          <a:xfrm>
+            <a:off x="8833971" y="1560835"/>
+            <a:ext cx="663872" cy="261610"/>
+          </a:xfrm>
+          <a:prstGeom prst="rect">
+            <a:avLst/>
+          </a:prstGeom>
+        </p:spPr>
+        <p:style>
+          <a:lnRef idx="2">
+            <a:schemeClr val="accent1"/>
+          </a:lnRef>
+          <a:fillRef idx="1">
+            <a:schemeClr val="lt1"/>
+          </a:fillRef>
+          <a:effectRef idx="0">
+            <a:schemeClr val="accent1"/>
+          </a:effectRef>
+          <a:fontRef idx="minor">
+            <a:schemeClr val="dk1"/>
+          </a:fontRef>
+        </p:style>
+        <p:txBody>
+          <a:bodyPr wrap="square" rtlCol="0">
+            <a:spAutoFit/>
+          </a:bodyPr>
+          <a:lstStyle/>
+          <a:p>
+            <a:pPr algn="ctr"/>
+            <a:r>
+              <a:rPr kumimoji="1" lang="en-US" altLang="ko-Kore-KR" sz="1100" dirty="0"/>
+              <a:t>I/O</a:t>
+            </a:r>
+            <a:endParaRPr kumimoji="1" lang="ko-Kore-KR" altLang="en-US" sz="1100" dirty="0"/>
+          </a:p>
+        </p:txBody>
+      </p:sp>
+      <p:cxnSp>
+        <p:nvCxnSpPr>
+          <p:cNvPr id="29" name="직선 연결선[R] 28">
+            <a:extLst>
+              <a:ext uri="{FF2B5EF4-FFF2-40B4-BE49-F238E27FC236}">
+                <a16:creationId xmlns:a16="http://schemas.microsoft.com/office/drawing/2014/main" id="{2923B234-B407-5DFC-65D9-A3938BD9C60B}"/>
+              </a:ext>
+            </a:extLst>
+          </p:cNvPr>
+          <p:cNvCxnSpPr>
+            <a:cxnSpLocks/>
+          </p:cNvCxnSpPr>
+          <p:nvPr/>
+        </p:nvCxnSpPr>
+        <p:spPr>
+          <a:xfrm>
+            <a:off x="4345057" y="-27359"/>
+            <a:ext cx="0" cy="6912717"/>
+          </a:xfrm>
+          <a:prstGeom prst="line">
+            <a:avLst/>
+          </a:prstGeom>
+          <a:ln>
+            <a:solidFill>
+              <a:srgbClr val="FDA9F7"/>
+            </a:solidFill>
+          </a:ln>
+        </p:spPr>
+        <p:style>
+          <a:lnRef idx="3">
+            <a:schemeClr val="accent1"/>
+          </a:lnRef>
+          <a:fillRef idx="0">
+            <a:schemeClr val="accent1"/>
+          </a:fillRef>
+          <a:effectRef idx="2">
+            <a:schemeClr val="accent1"/>
+          </a:effectRef>
+          <a:fontRef idx="minor">
+            <a:schemeClr val="tx1"/>
+          </a:fontRef>
+        </p:style>
+      </p:cxnSp>
+      <p:sp>
+        <p:nvSpPr>
+          <p:cNvPr id="30" name="TextBox 29">
+            <a:extLst>
+              <a:ext uri="{FF2B5EF4-FFF2-40B4-BE49-F238E27FC236}">
+                <a16:creationId xmlns:a16="http://schemas.microsoft.com/office/drawing/2014/main" id="{E915B938-699C-70E6-54C9-22E0AAF7251E}"/>
+              </a:ext>
+            </a:extLst>
+          </p:cNvPr>
+          <p:cNvSpPr txBox="1"/>
+          <p:nvPr/>
+        </p:nvSpPr>
+        <p:spPr>
+          <a:xfrm>
+            <a:off x="2420498" y="213360"/>
+            <a:ext cx="1213094" cy="261610"/>
+          </a:xfrm>
+          <a:prstGeom prst="rect">
+            <a:avLst/>
+          </a:prstGeom>
+          <a:ln>
+            <a:solidFill>
+              <a:srgbClr val="FDA9F7"/>
+            </a:solidFill>
+          </a:ln>
+        </p:spPr>
+        <p:style>
+          <a:lnRef idx="2">
+            <a:schemeClr val="accent3"/>
+          </a:lnRef>
+          <a:fillRef idx="1">
+            <a:schemeClr val="lt1"/>
+          </a:fillRef>
+          <a:effectRef idx="0">
+            <a:schemeClr val="accent3"/>
+          </a:effectRef>
+          <a:fontRef idx="minor">
+            <a:schemeClr val="dk1"/>
+          </a:fontRef>
+        </p:style>
+        <p:txBody>
+          <a:bodyPr wrap="square" rtlCol="0">
+            <a:spAutoFit/>
+          </a:bodyPr>
+          <a:lstStyle/>
+          <a:p>
+            <a:pPr algn="ctr"/>
+            <a:r>
+              <a:rPr kumimoji="1" lang="en-US" altLang="ko-Kore-KR" sz="1100" b="1" dirty="0"/>
+              <a:t>Local</a:t>
+            </a:r>
+            <a:endParaRPr kumimoji="1" lang="ko-Kore-KR" altLang="en-US" sz="1100" b="1" dirty="0"/>
+          </a:p>
+        </p:txBody>
+      </p:sp>
+      <p:sp>
+        <p:nvSpPr>
+          <p:cNvPr id="31" name="TextBox 30">
+            <a:extLst>
+              <a:ext uri="{FF2B5EF4-FFF2-40B4-BE49-F238E27FC236}">
+                <a16:creationId xmlns:a16="http://schemas.microsoft.com/office/drawing/2014/main" id="{0295B73F-91AF-A1C4-F571-943BB6B202E0}"/>
+              </a:ext>
+            </a:extLst>
+          </p:cNvPr>
+          <p:cNvSpPr txBox="1"/>
+          <p:nvPr/>
+        </p:nvSpPr>
+        <p:spPr>
+          <a:xfrm>
+            <a:off x="5095118" y="213360"/>
+            <a:ext cx="1213094" cy="261610"/>
+          </a:xfrm>
+          <a:prstGeom prst="rect">
+            <a:avLst/>
+          </a:prstGeom>
+          <a:ln>
+            <a:solidFill>
+              <a:srgbClr val="FDA9F7"/>
+            </a:solidFill>
+          </a:ln>
+        </p:spPr>
+        <p:style>
+          <a:lnRef idx="2">
+            <a:schemeClr val="accent3"/>
+          </a:lnRef>
+          <a:fillRef idx="1">
+            <a:schemeClr val="lt1"/>
+          </a:fillRef>
+          <a:effectRef idx="0">
+            <a:schemeClr val="accent3"/>
+          </a:effectRef>
+          <a:fontRef idx="minor">
+            <a:schemeClr val="dk1"/>
+          </a:fontRef>
+        </p:style>
+        <p:txBody>
+          <a:bodyPr wrap="square" rtlCol="0">
+            <a:spAutoFit/>
+          </a:bodyPr>
+          <a:lstStyle/>
+          <a:p>
+            <a:pPr algn="ctr"/>
+            <a:r>
+              <a:rPr kumimoji="1" lang="en-US" altLang="ko-Kore-KR" sz="1100" b="1" dirty="0"/>
+              <a:t>Remote</a:t>
+            </a:r>
+            <a:endParaRPr kumimoji="1" lang="ko-Kore-KR" altLang="en-US" sz="1100" b="1" dirty="0"/>
+          </a:p>
+        </p:txBody>
+      </p:sp>
+      <p:sp>
+        <p:nvSpPr>
+          <p:cNvPr id="27" name="TextBox 26">
+            <a:extLst>
+              <a:ext uri="{FF2B5EF4-FFF2-40B4-BE49-F238E27FC236}">
+                <a16:creationId xmlns:a16="http://schemas.microsoft.com/office/drawing/2014/main" id="{2B6BA474-95D0-DE34-87A1-0F733B69E989}"/>
+              </a:ext>
+            </a:extLst>
+          </p:cNvPr>
+          <p:cNvSpPr txBox="1"/>
+          <p:nvPr/>
+        </p:nvSpPr>
+        <p:spPr>
+          <a:xfrm>
+            <a:off x="3952408" y="3484885"/>
+            <a:ext cx="813902" cy="261610"/>
+          </a:xfrm>
+          <a:prstGeom prst="rect">
+            <a:avLst/>
+          </a:prstGeom>
+        </p:spPr>
+        <p:style>
+          <a:lnRef idx="2">
+            <a:schemeClr val="accent1"/>
+          </a:lnRef>
+          <a:fillRef idx="1">
+            <a:schemeClr val="lt1"/>
+          </a:fillRef>
+          <a:effectRef idx="0">
+            <a:schemeClr val="accent1"/>
+          </a:effectRef>
+          <a:fontRef idx="minor">
+            <a:schemeClr val="dk1"/>
+          </a:fontRef>
+        </p:style>
+        <p:txBody>
+          <a:bodyPr wrap="square" rtlCol="0">
+            <a:spAutoFit/>
+          </a:bodyPr>
+          <a:lstStyle/>
+          <a:p>
+            <a:pPr algn="ctr"/>
+            <a:r>
+              <a:rPr kumimoji="1" lang="ko-KR" altLang="en-US" sz="1100" dirty="0"/>
+              <a:t>요청</a:t>
+            </a:r>
+            <a:r>
+              <a:rPr kumimoji="1" lang="en-US" altLang="ko-KR" sz="1100" dirty="0"/>
+              <a:t>/</a:t>
+            </a:r>
+            <a:r>
+              <a:rPr kumimoji="1" lang="ko-KR" altLang="en-US" sz="1100" dirty="0"/>
+              <a:t>응답</a:t>
+            </a:r>
+            <a:endParaRPr kumimoji="1" lang="ko-Kore-KR" altLang="en-US" sz="1100" dirty="0"/>
+          </a:p>
+        </p:txBody>
+      </p:sp>
     </p:spTree>
     <p:extLst>
       <p:ext uri="{BB962C8B-B14F-4D97-AF65-F5344CB8AC3E}">
@@ -49052,10 +50063,1181 @@
           <a:chExt cx="0" cy="0"/>
         </a:xfrm>
       </p:grpSpPr>
+      <p:sp>
+        <p:nvSpPr>
+          <p:cNvPr id="2" name="직사각형 1">
+            <a:extLst>
+              <a:ext uri="{FF2B5EF4-FFF2-40B4-BE49-F238E27FC236}">
+                <a16:creationId xmlns:a16="http://schemas.microsoft.com/office/drawing/2014/main" id="{176B3AB1-20D9-5C20-CD2B-655559425DD9}"/>
+              </a:ext>
+            </a:extLst>
+          </p:cNvPr>
+          <p:cNvSpPr/>
+          <p:nvPr/>
+        </p:nvSpPr>
+        <p:spPr>
+          <a:xfrm>
+            <a:off x="228600" y="640080"/>
+            <a:ext cx="1268730" cy="891540"/>
+          </a:xfrm>
+          <a:prstGeom prst="rect">
+            <a:avLst/>
+          </a:prstGeom>
+        </p:spPr>
+        <p:style>
+          <a:lnRef idx="2">
+            <a:schemeClr val="accent1">
+              <a:shade val="50000"/>
+            </a:schemeClr>
+          </a:lnRef>
+          <a:fillRef idx="1">
+            <a:schemeClr val="accent1"/>
+          </a:fillRef>
+          <a:effectRef idx="0">
+            <a:schemeClr val="accent1"/>
+          </a:effectRef>
+          <a:fontRef idx="minor">
+            <a:schemeClr val="lt1"/>
+          </a:fontRef>
+        </p:style>
+        <p:txBody>
+          <a:bodyPr rtlCol="0" anchor="ctr"/>
+          <a:lstStyle/>
+          <a:p>
+            <a:pPr algn="ctr"/>
+            <a:r>
+              <a:rPr kumimoji="1" lang="en-US" altLang="ko-Kore-KR" dirty="0"/>
+              <a:t>Client</a:t>
+            </a:r>
+          </a:p>
+          <a:p>
+            <a:pPr algn="ctr"/>
+            <a:r>
+              <a:rPr kumimoji="1" lang="en-US" altLang="ko-Kore-KR" dirty="0"/>
+              <a:t>App</a:t>
+            </a:r>
+            <a:endParaRPr kumimoji="1" lang="ko-Kore-KR" altLang="en-US" dirty="0"/>
+          </a:p>
+        </p:txBody>
+      </p:sp>
+      <p:sp>
+        <p:nvSpPr>
+          <p:cNvPr id="3" name="직사각형 2">
+            <a:extLst>
+              <a:ext uri="{FF2B5EF4-FFF2-40B4-BE49-F238E27FC236}">
+                <a16:creationId xmlns:a16="http://schemas.microsoft.com/office/drawing/2014/main" id="{2A70D3A1-A50B-7D85-0D16-3F63B6937B31}"/>
+              </a:ext>
+            </a:extLst>
+          </p:cNvPr>
+          <p:cNvSpPr/>
+          <p:nvPr/>
+        </p:nvSpPr>
+        <p:spPr>
+          <a:xfrm>
+            <a:off x="2381250" y="640080"/>
+            <a:ext cx="1268730" cy="891540"/>
+          </a:xfrm>
+          <a:prstGeom prst="rect">
+            <a:avLst/>
+          </a:prstGeom>
+        </p:spPr>
+        <p:style>
+          <a:lnRef idx="2">
+            <a:schemeClr val="accent1">
+              <a:shade val="50000"/>
+            </a:schemeClr>
+          </a:lnRef>
+          <a:fillRef idx="1">
+            <a:schemeClr val="accent1"/>
+          </a:fillRef>
+          <a:effectRef idx="0">
+            <a:schemeClr val="accent1"/>
+          </a:effectRef>
+          <a:fontRef idx="minor">
+            <a:schemeClr val="lt1"/>
+          </a:fontRef>
+        </p:style>
+        <p:txBody>
+          <a:bodyPr rtlCol="0" anchor="ctr"/>
+          <a:lstStyle/>
+          <a:p>
+            <a:pPr algn="ctr"/>
+            <a:r>
+              <a:rPr kumimoji="1" lang="en-US" altLang="ko-Kore-KR" dirty="0"/>
+              <a:t>Board</a:t>
+            </a:r>
+          </a:p>
+          <a:p>
+            <a:pPr algn="ctr"/>
+            <a:r>
+              <a:rPr kumimoji="1" lang="en-US" altLang="ko-Kore-KR" dirty="0"/>
+              <a:t>Handler</a:t>
+            </a:r>
+            <a:endParaRPr kumimoji="1" lang="ko-Kore-KR" altLang="en-US" dirty="0"/>
+          </a:p>
+        </p:txBody>
+      </p:sp>
+      <p:sp>
+        <p:nvSpPr>
+          <p:cNvPr id="4" name="직사각형 3">
+            <a:extLst>
+              <a:ext uri="{FF2B5EF4-FFF2-40B4-BE49-F238E27FC236}">
+                <a16:creationId xmlns:a16="http://schemas.microsoft.com/office/drawing/2014/main" id="{15A839A3-4E12-5E9C-D70C-1FB9D4CCC452}"/>
+              </a:ext>
+            </a:extLst>
+          </p:cNvPr>
+          <p:cNvSpPr/>
+          <p:nvPr/>
+        </p:nvSpPr>
+        <p:spPr>
+          <a:xfrm>
+            <a:off x="2381250" y="2564130"/>
+            <a:ext cx="1268730" cy="891540"/>
+          </a:xfrm>
+          <a:prstGeom prst="rect">
+            <a:avLst/>
+          </a:prstGeom>
+        </p:spPr>
+        <p:style>
+          <a:lnRef idx="2">
+            <a:schemeClr val="accent1">
+              <a:shade val="50000"/>
+            </a:schemeClr>
+          </a:lnRef>
+          <a:fillRef idx="1">
+            <a:schemeClr val="accent1"/>
+          </a:fillRef>
+          <a:effectRef idx="0">
+            <a:schemeClr val="accent1"/>
+          </a:effectRef>
+          <a:fontRef idx="minor">
+            <a:schemeClr val="lt1"/>
+          </a:fontRef>
+        </p:style>
+        <p:txBody>
+          <a:bodyPr rtlCol="0" anchor="ctr"/>
+          <a:lstStyle/>
+          <a:p>
+            <a:pPr algn="ctr"/>
+            <a:r>
+              <a:rPr kumimoji="1" lang="en-US" altLang="ko-Kore-KR" dirty="0"/>
+              <a:t>MariaDB</a:t>
+            </a:r>
+          </a:p>
+          <a:p>
+            <a:pPr algn="ctr"/>
+            <a:r>
+              <a:rPr kumimoji="1" lang="en-US" altLang="ko-Kore-KR" dirty="0" err="1"/>
+              <a:t>BoardDao</a:t>
+            </a:r>
+            <a:endParaRPr kumimoji="1" lang="ko-Kore-KR" altLang="en-US" dirty="0"/>
+          </a:p>
+        </p:txBody>
+      </p:sp>
+      <p:cxnSp>
+        <p:nvCxnSpPr>
+          <p:cNvPr id="10" name="직선 화살표 연결선 9">
+            <a:extLst>
+              <a:ext uri="{FF2B5EF4-FFF2-40B4-BE49-F238E27FC236}">
+                <a16:creationId xmlns:a16="http://schemas.microsoft.com/office/drawing/2014/main" id="{422DCF71-B611-AE58-3C08-A7AA16E32601}"/>
+              </a:ext>
+            </a:extLst>
+          </p:cNvPr>
+          <p:cNvCxnSpPr>
+            <a:stCxn id="2" idx="3"/>
+            <a:endCxn id="3" idx="1"/>
+          </p:cNvCxnSpPr>
+          <p:nvPr/>
+        </p:nvCxnSpPr>
+        <p:spPr>
+          <a:xfrm>
+            <a:off x="1497330" y="1085850"/>
+            <a:ext cx="883920" cy="0"/>
+          </a:xfrm>
+          <a:prstGeom prst="straightConnector1">
+            <a:avLst/>
+          </a:prstGeom>
+          <a:ln>
+            <a:tailEnd type="triangle"/>
+          </a:ln>
+        </p:spPr>
+        <p:style>
+          <a:lnRef idx="3">
+            <a:schemeClr val="accent1"/>
+          </a:lnRef>
+          <a:fillRef idx="0">
+            <a:schemeClr val="accent1"/>
+          </a:fillRef>
+          <a:effectRef idx="2">
+            <a:schemeClr val="accent1"/>
+          </a:effectRef>
+          <a:fontRef idx="minor">
+            <a:schemeClr val="tx1"/>
+          </a:fontRef>
+        </p:style>
+      </p:cxnSp>
+      <p:cxnSp>
+        <p:nvCxnSpPr>
+          <p:cNvPr id="11" name="직선 화살표 연결선 10">
+            <a:extLst>
+              <a:ext uri="{FF2B5EF4-FFF2-40B4-BE49-F238E27FC236}">
+                <a16:creationId xmlns:a16="http://schemas.microsoft.com/office/drawing/2014/main" id="{318C1708-A403-A4AD-D27E-59E9D58F62FA}"/>
+              </a:ext>
+            </a:extLst>
+          </p:cNvPr>
+          <p:cNvCxnSpPr>
+            <a:cxnSpLocks/>
+            <a:stCxn id="3" idx="2"/>
+            <a:endCxn id="4" idx="0"/>
+          </p:cNvCxnSpPr>
+          <p:nvPr/>
+        </p:nvCxnSpPr>
+        <p:spPr>
+          <a:xfrm>
+            <a:off x="3015615" y="1531620"/>
+            <a:ext cx="0" cy="1032510"/>
+          </a:xfrm>
+          <a:prstGeom prst="straightConnector1">
+            <a:avLst/>
+          </a:prstGeom>
+          <a:ln>
+            <a:tailEnd type="triangle"/>
+          </a:ln>
+        </p:spPr>
+        <p:style>
+          <a:lnRef idx="3">
+            <a:schemeClr val="accent1"/>
+          </a:lnRef>
+          <a:fillRef idx="0">
+            <a:schemeClr val="accent1"/>
+          </a:fillRef>
+          <a:effectRef idx="2">
+            <a:schemeClr val="accent1"/>
+          </a:effectRef>
+          <a:fontRef idx="minor">
+            <a:schemeClr val="tx1"/>
+          </a:fontRef>
+        </p:style>
+      </p:cxnSp>
+      <p:cxnSp>
+        <p:nvCxnSpPr>
+          <p:cNvPr id="18" name="직선 화살표 연결선 17">
+            <a:extLst>
+              <a:ext uri="{FF2B5EF4-FFF2-40B4-BE49-F238E27FC236}">
+                <a16:creationId xmlns:a16="http://schemas.microsoft.com/office/drawing/2014/main" id="{AF8008B2-1B4C-9FAD-AEB9-DE5DE97F2FA5}"/>
+              </a:ext>
+            </a:extLst>
+          </p:cNvPr>
+          <p:cNvCxnSpPr>
+            <a:cxnSpLocks/>
+            <a:stCxn id="9" idx="3"/>
+            <a:endCxn id="17" idx="2"/>
+          </p:cNvCxnSpPr>
+          <p:nvPr/>
+        </p:nvCxnSpPr>
+        <p:spPr>
+          <a:xfrm>
+            <a:off x="3649980" y="4933950"/>
+            <a:ext cx="2033102" cy="0"/>
+          </a:xfrm>
+          <a:prstGeom prst="straightConnector1">
+            <a:avLst/>
+          </a:prstGeom>
+          <a:ln>
+            <a:headEnd type="triangle"/>
+            <a:tailEnd type="triangle"/>
+          </a:ln>
+        </p:spPr>
+        <p:style>
+          <a:lnRef idx="3">
+            <a:schemeClr val="accent1"/>
+          </a:lnRef>
+          <a:fillRef idx="0">
+            <a:schemeClr val="accent1"/>
+          </a:fillRef>
+          <a:effectRef idx="2">
+            <a:schemeClr val="accent1"/>
+          </a:effectRef>
+          <a:fontRef idx="minor">
+            <a:schemeClr val="tx1"/>
+          </a:fontRef>
+        </p:style>
+      </p:cxnSp>
+      <p:cxnSp>
+        <p:nvCxnSpPr>
+          <p:cNvPr id="22" name="직선 화살표 연결선 21">
+            <a:extLst>
+              <a:ext uri="{FF2B5EF4-FFF2-40B4-BE49-F238E27FC236}">
+                <a16:creationId xmlns:a16="http://schemas.microsoft.com/office/drawing/2014/main" id="{0E2736E6-1798-332D-F244-83AB34F706F2}"/>
+              </a:ext>
+            </a:extLst>
+          </p:cNvPr>
+          <p:cNvCxnSpPr>
+            <a:cxnSpLocks/>
+            <a:stCxn id="33" idx="4"/>
+            <a:endCxn id="43" idx="1"/>
+          </p:cNvCxnSpPr>
+          <p:nvPr/>
+        </p:nvCxnSpPr>
+        <p:spPr>
+          <a:xfrm flipV="1">
+            <a:off x="9601200" y="4933949"/>
+            <a:ext cx="1251247" cy="1"/>
+          </a:xfrm>
+          <a:prstGeom prst="straightConnector1">
+            <a:avLst/>
+          </a:prstGeom>
+          <a:ln>
+            <a:headEnd type="triangle"/>
+            <a:tailEnd type="triangle"/>
+          </a:ln>
+        </p:spPr>
+        <p:style>
+          <a:lnRef idx="3">
+            <a:schemeClr val="accent1"/>
+          </a:lnRef>
+          <a:fillRef idx="0">
+            <a:schemeClr val="accent1"/>
+          </a:fillRef>
+          <a:effectRef idx="2">
+            <a:schemeClr val="accent1"/>
+          </a:effectRef>
+          <a:fontRef idx="minor">
+            <a:schemeClr val="tx1"/>
+          </a:fontRef>
+        </p:style>
+      </p:cxnSp>
+      <p:sp>
+        <p:nvSpPr>
+          <p:cNvPr id="28" name="TextBox 27">
+            <a:extLst>
+              <a:ext uri="{FF2B5EF4-FFF2-40B4-BE49-F238E27FC236}">
+                <a16:creationId xmlns:a16="http://schemas.microsoft.com/office/drawing/2014/main" id="{69A7FA66-C2EB-EB0D-E821-D31CD1161308}"/>
+              </a:ext>
+            </a:extLst>
+          </p:cNvPr>
+          <p:cNvSpPr txBox="1"/>
+          <p:nvPr/>
+        </p:nvSpPr>
+        <p:spPr>
+          <a:xfrm>
+            <a:off x="9946491" y="4803145"/>
+            <a:ext cx="663872" cy="261610"/>
+          </a:xfrm>
+          <a:prstGeom prst="rect">
+            <a:avLst/>
+          </a:prstGeom>
+        </p:spPr>
+        <p:style>
+          <a:lnRef idx="2">
+            <a:schemeClr val="accent1"/>
+          </a:lnRef>
+          <a:fillRef idx="1">
+            <a:schemeClr val="lt1"/>
+          </a:fillRef>
+          <a:effectRef idx="0">
+            <a:schemeClr val="accent1"/>
+          </a:effectRef>
+          <a:fontRef idx="minor">
+            <a:schemeClr val="dk1"/>
+          </a:fontRef>
+        </p:style>
+        <p:txBody>
+          <a:bodyPr wrap="square" rtlCol="0">
+            <a:spAutoFit/>
+          </a:bodyPr>
+          <a:lstStyle/>
+          <a:p>
+            <a:pPr algn="ctr"/>
+            <a:r>
+              <a:rPr kumimoji="1" lang="en-US" altLang="ko-Kore-KR" sz="1100" dirty="0"/>
+              <a:t>I/O</a:t>
+            </a:r>
+            <a:endParaRPr kumimoji="1" lang="ko-Kore-KR" altLang="en-US" sz="1100" dirty="0"/>
+          </a:p>
+        </p:txBody>
+      </p:sp>
+      <p:cxnSp>
+        <p:nvCxnSpPr>
+          <p:cNvPr id="29" name="직선 연결선[R] 28">
+            <a:extLst>
+              <a:ext uri="{FF2B5EF4-FFF2-40B4-BE49-F238E27FC236}">
+                <a16:creationId xmlns:a16="http://schemas.microsoft.com/office/drawing/2014/main" id="{2923B234-B407-5DFC-65D9-A3938BD9C60B}"/>
+              </a:ext>
+            </a:extLst>
+          </p:cNvPr>
+          <p:cNvCxnSpPr>
+            <a:cxnSpLocks/>
+          </p:cNvCxnSpPr>
+          <p:nvPr/>
+        </p:nvCxnSpPr>
+        <p:spPr>
+          <a:xfrm>
+            <a:off x="4677961" y="-27359"/>
+            <a:ext cx="0" cy="6912717"/>
+          </a:xfrm>
+          <a:prstGeom prst="line">
+            <a:avLst/>
+          </a:prstGeom>
+          <a:ln>
+            <a:solidFill>
+              <a:srgbClr val="FDA9F7"/>
+            </a:solidFill>
+          </a:ln>
+        </p:spPr>
+        <p:style>
+          <a:lnRef idx="3">
+            <a:schemeClr val="accent1"/>
+          </a:lnRef>
+          <a:fillRef idx="0">
+            <a:schemeClr val="accent1"/>
+          </a:fillRef>
+          <a:effectRef idx="2">
+            <a:schemeClr val="accent1"/>
+          </a:effectRef>
+          <a:fontRef idx="minor">
+            <a:schemeClr val="tx1"/>
+          </a:fontRef>
+        </p:style>
+      </p:cxnSp>
+      <p:sp>
+        <p:nvSpPr>
+          <p:cNvPr id="30" name="TextBox 29">
+            <a:extLst>
+              <a:ext uri="{FF2B5EF4-FFF2-40B4-BE49-F238E27FC236}">
+                <a16:creationId xmlns:a16="http://schemas.microsoft.com/office/drawing/2014/main" id="{E915B938-699C-70E6-54C9-22E0AAF7251E}"/>
+              </a:ext>
+            </a:extLst>
+          </p:cNvPr>
+          <p:cNvSpPr txBox="1"/>
+          <p:nvPr/>
+        </p:nvSpPr>
+        <p:spPr>
+          <a:xfrm>
+            <a:off x="2420498" y="213360"/>
+            <a:ext cx="1213094" cy="261610"/>
+          </a:xfrm>
+          <a:prstGeom prst="rect">
+            <a:avLst/>
+          </a:prstGeom>
+          <a:ln>
+            <a:solidFill>
+              <a:srgbClr val="FDA9F7"/>
+            </a:solidFill>
+          </a:ln>
+        </p:spPr>
+        <p:style>
+          <a:lnRef idx="2">
+            <a:schemeClr val="accent3"/>
+          </a:lnRef>
+          <a:fillRef idx="1">
+            <a:schemeClr val="lt1"/>
+          </a:fillRef>
+          <a:effectRef idx="0">
+            <a:schemeClr val="accent3"/>
+          </a:effectRef>
+          <a:fontRef idx="minor">
+            <a:schemeClr val="dk1"/>
+          </a:fontRef>
+        </p:style>
+        <p:txBody>
+          <a:bodyPr wrap="square" rtlCol="0">
+            <a:spAutoFit/>
+          </a:bodyPr>
+          <a:lstStyle/>
+          <a:p>
+            <a:pPr algn="ctr"/>
+            <a:r>
+              <a:rPr kumimoji="1" lang="en-US" altLang="ko-Kore-KR" sz="1100" b="1" dirty="0"/>
+              <a:t>Local</a:t>
+            </a:r>
+            <a:endParaRPr kumimoji="1" lang="ko-Kore-KR" altLang="en-US" sz="1100" b="1" dirty="0"/>
+          </a:p>
+        </p:txBody>
+      </p:sp>
+      <p:sp>
+        <p:nvSpPr>
+          <p:cNvPr id="31" name="TextBox 30">
+            <a:extLst>
+              <a:ext uri="{FF2B5EF4-FFF2-40B4-BE49-F238E27FC236}">
+                <a16:creationId xmlns:a16="http://schemas.microsoft.com/office/drawing/2014/main" id="{0295B73F-91AF-A1C4-F571-943BB6B202E0}"/>
+              </a:ext>
+            </a:extLst>
+          </p:cNvPr>
+          <p:cNvSpPr txBox="1"/>
+          <p:nvPr/>
+        </p:nvSpPr>
+        <p:spPr>
+          <a:xfrm>
+            <a:off x="5428022" y="213360"/>
+            <a:ext cx="1213094" cy="261610"/>
+          </a:xfrm>
+          <a:prstGeom prst="rect">
+            <a:avLst/>
+          </a:prstGeom>
+          <a:ln>
+            <a:solidFill>
+              <a:srgbClr val="FDA9F7"/>
+            </a:solidFill>
+          </a:ln>
+        </p:spPr>
+        <p:style>
+          <a:lnRef idx="2">
+            <a:schemeClr val="accent3"/>
+          </a:lnRef>
+          <a:fillRef idx="1">
+            <a:schemeClr val="lt1"/>
+          </a:fillRef>
+          <a:effectRef idx="0">
+            <a:schemeClr val="accent3"/>
+          </a:effectRef>
+          <a:fontRef idx="minor">
+            <a:schemeClr val="dk1"/>
+          </a:fontRef>
+        </p:style>
+        <p:txBody>
+          <a:bodyPr wrap="square" rtlCol="0">
+            <a:spAutoFit/>
+          </a:bodyPr>
+          <a:lstStyle/>
+          <a:p>
+            <a:pPr algn="ctr"/>
+            <a:r>
+              <a:rPr kumimoji="1" lang="en-US" altLang="ko-Kore-KR" sz="1100" b="1" dirty="0"/>
+              <a:t>Remote</a:t>
+            </a:r>
+            <a:endParaRPr kumimoji="1" lang="ko-Kore-KR" altLang="en-US" sz="1100" b="1" dirty="0"/>
+          </a:p>
+        </p:txBody>
+      </p:sp>
+      <p:sp>
+        <p:nvSpPr>
+          <p:cNvPr id="27" name="TextBox 26">
+            <a:extLst>
+              <a:ext uri="{FF2B5EF4-FFF2-40B4-BE49-F238E27FC236}">
+                <a16:creationId xmlns:a16="http://schemas.microsoft.com/office/drawing/2014/main" id="{2B6BA474-95D0-DE34-87A1-0F733B69E989}"/>
+              </a:ext>
+            </a:extLst>
+          </p:cNvPr>
+          <p:cNvSpPr txBox="1"/>
+          <p:nvPr/>
+        </p:nvSpPr>
+        <p:spPr>
+          <a:xfrm>
+            <a:off x="4259580" y="4803144"/>
+            <a:ext cx="813902" cy="261610"/>
+          </a:xfrm>
+          <a:prstGeom prst="rect">
+            <a:avLst/>
+          </a:prstGeom>
+        </p:spPr>
+        <p:style>
+          <a:lnRef idx="2">
+            <a:schemeClr val="accent1"/>
+          </a:lnRef>
+          <a:fillRef idx="1">
+            <a:schemeClr val="lt1"/>
+          </a:fillRef>
+          <a:effectRef idx="0">
+            <a:schemeClr val="accent1"/>
+          </a:effectRef>
+          <a:fontRef idx="minor">
+            <a:schemeClr val="dk1"/>
+          </a:fontRef>
+        </p:style>
+        <p:txBody>
+          <a:bodyPr wrap="square" rtlCol="0">
+            <a:spAutoFit/>
+          </a:bodyPr>
+          <a:lstStyle/>
+          <a:p>
+            <a:pPr algn="ctr"/>
+            <a:r>
+              <a:rPr kumimoji="1" lang="ko-KR" altLang="en-US" sz="1100" dirty="0"/>
+              <a:t>요청</a:t>
+            </a:r>
+            <a:r>
+              <a:rPr kumimoji="1" lang="en-US" altLang="ko-KR" sz="1100" dirty="0"/>
+              <a:t>/</a:t>
+            </a:r>
+            <a:r>
+              <a:rPr kumimoji="1" lang="ko-KR" altLang="en-US" sz="1100" dirty="0"/>
+              <a:t>응답</a:t>
+            </a:r>
+            <a:endParaRPr kumimoji="1" lang="ko-Kore-KR" altLang="en-US" sz="1100" dirty="0"/>
+          </a:p>
+        </p:txBody>
+      </p:sp>
+      <p:sp>
+        <p:nvSpPr>
+          <p:cNvPr id="9" name="직사각형 8">
+            <a:extLst>
+              <a:ext uri="{FF2B5EF4-FFF2-40B4-BE49-F238E27FC236}">
+                <a16:creationId xmlns:a16="http://schemas.microsoft.com/office/drawing/2014/main" id="{038C6981-7DCC-B83B-3296-25621CA3093B}"/>
+              </a:ext>
+            </a:extLst>
+          </p:cNvPr>
+          <p:cNvSpPr/>
+          <p:nvPr/>
+        </p:nvSpPr>
+        <p:spPr>
+          <a:xfrm>
+            <a:off x="2381250" y="4488180"/>
+            <a:ext cx="1268730" cy="891540"/>
+          </a:xfrm>
+          <a:prstGeom prst="rect">
+            <a:avLst/>
+          </a:prstGeom>
+        </p:spPr>
+        <p:style>
+          <a:lnRef idx="2">
+            <a:schemeClr val="accent1">
+              <a:shade val="50000"/>
+            </a:schemeClr>
+          </a:lnRef>
+          <a:fillRef idx="1">
+            <a:schemeClr val="accent1"/>
+          </a:fillRef>
+          <a:effectRef idx="0">
+            <a:schemeClr val="accent1"/>
+          </a:effectRef>
+          <a:fontRef idx="minor">
+            <a:schemeClr val="lt1"/>
+          </a:fontRef>
+        </p:style>
+        <p:txBody>
+          <a:bodyPr rtlCol="0" anchor="ctr"/>
+          <a:lstStyle/>
+          <a:p>
+            <a:pPr algn="ctr"/>
+            <a:r>
+              <a:rPr kumimoji="1" lang="en-US" altLang="ko-Kore-KR" dirty="0"/>
+              <a:t>JDBC</a:t>
+            </a:r>
+          </a:p>
+          <a:p>
+            <a:pPr algn="ctr"/>
+            <a:r>
+              <a:rPr kumimoji="1" lang="en-US" altLang="ko-Kore-KR" dirty="0"/>
+              <a:t>API</a:t>
+            </a:r>
+            <a:endParaRPr kumimoji="1" lang="ko-Kore-KR" altLang="en-US" dirty="0"/>
+          </a:p>
+        </p:txBody>
+      </p:sp>
+      <p:cxnSp>
+        <p:nvCxnSpPr>
+          <p:cNvPr id="12" name="직선 화살표 연결선 11">
+            <a:extLst>
+              <a:ext uri="{FF2B5EF4-FFF2-40B4-BE49-F238E27FC236}">
+                <a16:creationId xmlns:a16="http://schemas.microsoft.com/office/drawing/2014/main" id="{2EA19013-C699-36A5-4DDF-EFF57A9FC8AA}"/>
+              </a:ext>
+            </a:extLst>
+          </p:cNvPr>
+          <p:cNvCxnSpPr>
+            <a:cxnSpLocks/>
+            <a:stCxn id="4" idx="2"/>
+            <a:endCxn id="9" idx="0"/>
+          </p:cNvCxnSpPr>
+          <p:nvPr/>
+        </p:nvCxnSpPr>
+        <p:spPr>
+          <a:xfrm>
+            <a:off x="3015615" y="3455670"/>
+            <a:ext cx="0" cy="1032510"/>
+          </a:xfrm>
+          <a:prstGeom prst="straightConnector1">
+            <a:avLst/>
+          </a:prstGeom>
+          <a:ln>
+            <a:tailEnd type="triangle"/>
+          </a:ln>
+        </p:spPr>
+        <p:style>
+          <a:lnRef idx="3">
+            <a:schemeClr val="accent1"/>
+          </a:lnRef>
+          <a:fillRef idx="0">
+            <a:schemeClr val="accent1"/>
+          </a:fillRef>
+          <a:effectRef idx="2">
+            <a:schemeClr val="accent1"/>
+          </a:effectRef>
+          <a:fontRef idx="minor">
+            <a:schemeClr val="tx1"/>
+          </a:fontRef>
+        </p:style>
+      </p:cxnSp>
+      <p:sp>
+        <p:nvSpPr>
+          <p:cNvPr id="17" name="타원 16">
+            <a:extLst>
+              <a:ext uri="{FF2B5EF4-FFF2-40B4-BE49-F238E27FC236}">
+                <a16:creationId xmlns:a16="http://schemas.microsoft.com/office/drawing/2014/main" id="{A9B17E47-F8B0-1A64-B3FD-2ADF32566203}"/>
+              </a:ext>
+            </a:extLst>
+          </p:cNvPr>
+          <p:cNvSpPr/>
+          <p:nvPr/>
+        </p:nvSpPr>
+        <p:spPr>
+          <a:xfrm>
+            <a:off x="5683082" y="4598205"/>
+            <a:ext cx="1323153" cy="671489"/>
+          </a:xfrm>
+          <a:prstGeom prst="ellipse">
+            <a:avLst/>
+          </a:prstGeom>
+        </p:spPr>
+        <p:style>
+          <a:lnRef idx="2">
+            <a:schemeClr val="accent1">
+              <a:shade val="50000"/>
+            </a:schemeClr>
+          </a:lnRef>
+          <a:fillRef idx="1">
+            <a:schemeClr val="accent1"/>
+          </a:fillRef>
+          <a:effectRef idx="0">
+            <a:schemeClr val="accent1"/>
+          </a:effectRef>
+          <a:fontRef idx="minor">
+            <a:schemeClr val="lt1"/>
+          </a:fontRef>
+        </p:style>
+        <p:txBody>
+          <a:bodyPr rtlCol="0" anchor="ctr"/>
+          <a:lstStyle/>
+          <a:p>
+            <a:pPr algn="ctr"/>
+            <a:r>
+              <a:rPr kumimoji="1" lang="en-US" altLang="ko-Kore-KR" dirty="0"/>
+              <a:t>Thread</a:t>
+            </a:r>
+            <a:endParaRPr kumimoji="1" lang="ko-Kore-KR" altLang="en-US" dirty="0"/>
+          </a:p>
+        </p:txBody>
+      </p:sp>
+      <p:sp>
+        <p:nvSpPr>
+          <p:cNvPr id="23" name="모서리가 둥근 직사각형 22">
+            <a:extLst>
+              <a:ext uri="{FF2B5EF4-FFF2-40B4-BE49-F238E27FC236}">
+                <a16:creationId xmlns:a16="http://schemas.microsoft.com/office/drawing/2014/main" id="{4EC57E45-4D5B-C620-52DD-CEFAB41ADDA6}"/>
+              </a:ext>
+            </a:extLst>
+          </p:cNvPr>
+          <p:cNvSpPr/>
+          <p:nvPr/>
+        </p:nvSpPr>
+        <p:spPr>
+          <a:xfrm>
+            <a:off x="3909959" y="5305473"/>
+            <a:ext cx="1513144" cy="411009"/>
+          </a:xfrm>
+          <a:prstGeom prst="roundRect">
+            <a:avLst/>
+          </a:prstGeom>
+        </p:spPr>
+        <p:style>
+          <a:lnRef idx="3">
+            <a:schemeClr val="lt1"/>
+          </a:lnRef>
+          <a:fillRef idx="1">
+            <a:schemeClr val="accent2"/>
+          </a:fillRef>
+          <a:effectRef idx="1">
+            <a:schemeClr val="accent2"/>
+          </a:effectRef>
+          <a:fontRef idx="minor">
+            <a:schemeClr val="lt1"/>
+          </a:fontRef>
+        </p:style>
+        <p:txBody>
+          <a:bodyPr rtlCol="0" anchor="ctr"/>
+          <a:lstStyle/>
+          <a:p>
+            <a:pPr algn="ctr"/>
+            <a:r>
+              <a:rPr kumimoji="1" lang="en-US" altLang="ko-KR" sz="900" dirty="0"/>
+              <a:t>DBMS </a:t>
+            </a:r>
+            <a:r>
+              <a:rPr kumimoji="1" lang="ko-KR" altLang="en-US" sz="900" dirty="0"/>
+              <a:t>전용 프로토콜</a:t>
+            </a:r>
+            <a:endParaRPr kumimoji="1" lang="en-US" altLang="ko-KR" sz="900" dirty="0"/>
+          </a:p>
+          <a:p>
+            <a:pPr algn="ctr"/>
+            <a:r>
+              <a:rPr kumimoji="1" lang="ko-KR" altLang="en-US" sz="900" dirty="0"/>
+              <a:t>통신</a:t>
+            </a:r>
+            <a:endParaRPr kumimoji="1" lang="ko-Kore-KR" altLang="en-US" sz="900" dirty="0"/>
+          </a:p>
+        </p:txBody>
+      </p:sp>
+      <p:sp>
+        <p:nvSpPr>
+          <p:cNvPr id="33" name="원통[C] 32">
+            <a:extLst>
+              <a:ext uri="{FF2B5EF4-FFF2-40B4-BE49-F238E27FC236}">
+                <a16:creationId xmlns:a16="http://schemas.microsoft.com/office/drawing/2014/main" id="{7D6B490D-BE1F-C7CF-78EE-E87B677EA568}"/>
+              </a:ext>
+            </a:extLst>
+          </p:cNvPr>
+          <p:cNvSpPr/>
+          <p:nvPr/>
+        </p:nvSpPr>
+        <p:spPr>
+          <a:xfrm>
+            <a:off x="8175789" y="4598205"/>
+            <a:ext cx="1425411" cy="671489"/>
+          </a:xfrm>
+          <a:prstGeom prst="can">
+            <a:avLst/>
+          </a:prstGeom>
+        </p:spPr>
+        <p:style>
+          <a:lnRef idx="2">
+            <a:schemeClr val="accent1">
+              <a:shade val="50000"/>
+            </a:schemeClr>
+          </a:lnRef>
+          <a:fillRef idx="1">
+            <a:schemeClr val="accent1"/>
+          </a:fillRef>
+          <a:effectRef idx="0">
+            <a:schemeClr val="accent1"/>
+          </a:effectRef>
+          <a:fontRef idx="minor">
+            <a:schemeClr val="lt1"/>
+          </a:fontRef>
+        </p:style>
+        <p:txBody>
+          <a:bodyPr rtlCol="0" anchor="ctr"/>
+          <a:lstStyle/>
+          <a:p>
+            <a:pPr algn="ctr"/>
+            <a:r>
+              <a:rPr kumimoji="1" lang="en-US" altLang="ko-Kore-KR" dirty="0"/>
+              <a:t>DBMS</a:t>
+            </a:r>
+            <a:endParaRPr kumimoji="1" lang="ko-Kore-KR" altLang="en-US" dirty="0"/>
+          </a:p>
+        </p:txBody>
+      </p:sp>
+      <p:sp>
+        <p:nvSpPr>
+          <p:cNvPr id="34" name="TextBox 33">
+            <a:extLst>
+              <a:ext uri="{FF2B5EF4-FFF2-40B4-BE49-F238E27FC236}">
+                <a16:creationId xmlns:a16="http://schemas.microsoft.com/office/drawing/2014/main" id="{B29064D1-57AB-FB83-4E47-3E167766B8D0}"/>
+              </a:ext>
+            </a:extLst>
+          </p:cNvPr>
+          <p:cNvSpPr txBox="1"/>
+          <p:nvPr/>
+        </p:nvSpPr>
+        <p:spPr>
+          <a:xfrm>
+            <a:off x="8406180" y="4436137"/>
+            <a:ext cx="964627" cy="261594"/>
+          </a:xfrm>
+          <a:prstGeom prst="rect">
+            <a:avLst/>
+          </a:prstGeom>
+        </p:spPr>
+        <p:style>
+          <a:lnRef idx="2">
+            <a:schemeClr val="accent1"/>
+          </a:lnRef>
+          <a:fillRef idx="1">
+            <a:schemeClr val="lt1"/>
+          </a:fillRef>
+          <a:effectRef idx="0">
+            <a:schemeClr val="accent1"/>
+          </a:effectRef>
+          <a:fontRef idx="minor">
+            <a:schemeClr val="dk1"/>
+          </a:fontRef>
+        </p:style>
+        <p:txBody>
+          <a:bodyPr wrap="square" rtlCol="0">
+            <a:spAutoFit/>
+          </a:bodyPr>
+          <a:lstStyle/>
+          <a:p>
+            <a:pPr algn="ctr"/>
+            <a:r>
+              <a:rPr kumimoji="1" lang="en-US" altLang="ko-Kore-KR" sz="1100" dirty="0" err="1"/>
+              <a:t>mariaDB</a:t>
+            </a:r>
+            <a:endParaRPr kumimoji="1" lang="ko-Kore-KR" altLang="en-US" sz="1100" dirty="0"/>
+          </a:p>
+        </p:txBody>
+      </p:sp>
+      <p:cxnSp>
+        <p:nvCxnSpPr>
+          <p:cNvPr id="35" name="직선 화살표 연결선 34">
+            <a:extLst>
+              <a:ext uri="{FF2B5EF4-FFF2-40B4-BE49-F238E27FC236}">
+                <a16:creationId xmlns:a16="http://schemas.microsoft.com/office/drawing/2014/main" id="{3DCFE061-BF95-A580-C77D-AB23449D07C1}"/>
+              </a:ext>
+            </a:extLst>
+          </p:cNvPr>
+          <p:cNvCxnSpPr>
+            <a:cxnSpLocks/>
+            <a:stCxn id="33" idx="2"/>
+            <a:endCxn id="17" idx="6"/>
+          </p:cNvCxnSpPr>
+          <p:nvPr/>
+        </p:nvCxnSpPr>
+        <p:spPr>
+          <a:xfrm flipH="1">
+            <a:off x="7006235" y="4933950"/>
+            <a:ext cx="1169554" cy="0"/>
+          </a:xfrm>
+          <a:prstGeom prst="straightConnector1">
+            <a:avLst/>
+          </a:prstGeom>
+          <a:ln>
+            <a:tailEnd type="triangle"/>
+          </a:ln>
+        </p:spPr>
+        <p:style>
+          <a:lnRef idx="3">
+            <a:schemeClr val="accent1"/>
+          </a:lnRef>
+          <a:fillRef idx="0">
+            <a:schemeClr val="accent1"/>
+          </a:fillRef>
+          <a:effectRef idx="2">
+            <a:schemeClr val="accent1"/>
+          </a:effectRef>
+          <a:fontRef idx="minor">
+            <a:schemeClr val="tx1"/>
+          </a:fontRef>
+        </p:style>
+      </p:cxnSp>
+      <p:sp>
+        <p:nvSpPr>
+          <p:cNvPr id="39" name="내부 저장소 38">
+            <a:extLst>
+              <a:ext uri="{FF2B5EF4-FFF2-40B4-BE49-F238E27FC236}">
+                <a16:creationId xmlns:a16="http://schemas.microsoft.com/office/drawing/2014/main" id="{C297A309-08F6-3E79-4630-C0B5164DF900}"/>
+              </a:ext>
+            </a:extLst>
+          </p:cNvPr>
+          <p:cNvSpPr/>
+          <p:nvPr/>
+        </p:nvSpPr>
+        <p:spPr>
+          <a:xfrm>
+            <a:off x="8066729" y="6269861"/>
+            <a:ext cx="1643528" cy="535728"/>
+          </a:xfrm>
+          <a:prstGeom prst="flowChartInternalStorage">
+            <a:avLst/>
+          </a:prstGeom>
+        </p:spPr>
+        <p:style>
+          <a:lnRef idx="2">
+            <a:schemeClr val="accent1">
+              <a:shade val="50000"/>
+            </a:schemeClr>
+          </a:lnRef>
+          <a:fillRef idx="1">
+            <a:schemeClr val="accent1"/>
+          </a:fillRef>
+          <a:effectRef idx="0">
+            <a:schemeClr val="accent1"/>
+          </a:effectRef>
+          <a:fontRef idx="minor">
+            <a:schemeClr val="lt1"/>
+          </a:fontRef>
+        </p:style>
+        <p:txBody>
+          <a:bodyPr rtlCol="0" anchor="ctr"/>
+          <a:lstStyle/>
+          <a:p>
+            <a:pPr algn="ctr"/>
+            <a:r>
+              <a:rPr kumimoji="1" lang="en-US" altLang="ko-Kore-KR" dirty="0"/>
+              <a:t>Tables</a:t>
+            </a:r>
+            <a:endParaRPr kumimoji="1" lang="ko-Kore-KR" altLang="en-US" dirty="0"/>
+          </a:p>
+        </p:txBody>
+      </p:sp>
+      <p:cxnSp>
+        <p:nvCxnSpPr>
+          <p:cNvPr id="40" name="직선 화살표 연결선 39">
+            <a:extLst>
+              <a:ext uri="{FF2B5EF4-FFF2-40B4-BE49-F238E27FC236}">
+                <a16:creationId xmlns:a16="http://schemas.microsoft.com/office/drawing/2014/main" id="{01824481-9025-F1AA-3498-FF7DA65C9758}"/>
+              </a:ext>
+            </a:extLst>
+          </p:cNvPr>
+          <p:cNvCxnSpPr>
+            <a:cxnSpLocks/>
+            <a:stCxn id="33" idx="3"/>
+            <a:endCxn id="39" idx="0"/>
+          </p:cNvCxnSpPr>
+          <p:nvPr/>
+        </p:nvCxnSpPr>
+        <p:spPr>
+          <a:xfrm flipH="1">
+            <a:off x="8888493" y="5269694"/>
+            <a:ext cx="2" cy="1000167"/>
+          </a:xfrm>
+          <a:prstGeom prst="straightConnector1">
+            <a:avLst/>
+          </a:prstGeom>
+          <a:ln>
+            <a:tailEnd type="triangle"/>
+          </a:ln>
+        </p:spPr>
+        <p:style>
+          <a:lnRef idx="3">
+            <a:schemeClr val="accent1"/>
+          </a:lnRef>
+          <a:fillRef idx="0">
+            <a:schemeClr val="accent1"/>
+          </a:fillRef>
+          <a:effectRef idx="2">
+            <a:schemeClr val="accent1"/>
+          </a:effectRef>
+          <a:fontRef idx="minor">
+            <a:schemeClr val="tx1"/>
+          </a:fontRef>
+        </p:style>
+      </p:cxnSp>
+      <p:sp>
+        <p:nvSpPr>
+          <p:cNvPr id="43" name="다중 문서 42">
+            <a:extLst>
+              <a:ext uri="{FF2B5EF4-FFF2-40B4-BE49-F238E27FC236}">
+                <a16:creationId xmlns:a16="http://schemas.microsoft.com/office/drawing/2014/main" id="{50C1F55F-131A-3DCD-F8B2-B8C4A10146CB}"/>
+              </a:ext>
+            </a:extLst>
+          </p:cNvPr>
+          <p:cNvSpPr/>
+          <p:nvPr/>
+        </p:nvSpPr>
+        <p:spPr>
+          <a:xfrm>
+            <a:off x="10852447" y="4513408"/>
+            <a:ext cx="1062990" cy="841081"/>
+          </a:xfrm>
+          <a:prstGeom prst="flowChartMultidocument">
+            <a:avLst/>
+          </a:prstGeom>
+        </p:spPr>
+        <p:style>
+          <a:lnRef idx="2">
+            <a:schemeClr val="accent1">
+              <a:shade val="50000"/>
+            </a:schemeClr>
+          </a:lnRef>
+          <a:fillRef idx="1">
+            <a:schemeClr val="accent1"/>
+          </a:fillRef>
+          <a:effectRef idx="0">
+            <a:schemeClr val="accent1"/>
+          </a:effectRef>
+          <a:fontRef idx="minor">
+            <a:schemeClr val="lt1"/>
+          </a:fontRef>
+        </p:style>
+        <p:txBody>
+          <a:bodyPr rtlCol="0" anchor="ctr"/>
+          <a:lstStyle/>
+          <a:p>
+            <a:pPr algn="ctr"/>
+            <a:r>
+              <a:rPr kumimoji="1" lang="en-US" altLang="ko-Kore-KR" dirty="0"/>
+              <a:t>Files</a:t>
+            </a:r>
+            <a:endParaRPr kumimoji="1" lang="ko-Kore-KR" altLang="en-US" dirty="0"/>
+          </a:p>
+        </p:txBody>
+      </p:sp>
+      <p:sp>
+        <p:nvSpPr>
+          <p:cNvPr id="48" name="TextBox 47">
+            <a:extLst>
+              <a:ext uri="{FF2B5EF4-FFF2-40B4-BE49-F238E27FC236}">
+                <a16:creationId xmlns:a16="http://schemas.microsoft.com/office/drawing/2014/main" id="{572B480A-86AE-E8FF-566A-5309CEF4223C}"/>
+              </a:ext>
+            </a:extLst>
+          </p:cNvPr>
+          <p:cNvSpPr txBox="1"/>
+          <p:nvPr/>
+        </p:nvSpPr>
+        <p:spPr>
+          <a:xfrm>
+            <a:off x="9056569" y="5361598"/>
+            <a:ext cx="813902" cy="769441"/>
+          </a:xfrm>
+          <a:prstGeom prst="rect">
+            <a:avLst/>
+          </a:prstGeom>
+        </p:spPr>
+        <p:style>
+          <a:lnRef idx="2">
+            <a:schemeClr val="accent1"/>
+          </a:lnRef>
+          <a:fillRef idx="1">
+            <a:schemeClr val="lt1"/>
+          </a:fillRef>
+          <a:effectRef idx="0">
+            <a:schemeClr val="accent1"/>
+          </a:effectRef>
+          <a:fontRef idx="minor">
+            <a:schemeClr val="dk1"/>
+          </a:fontRef>
+        </p:style>
+        <p:txBody>
+          <a:bodyPr wrap="square" rtlCol="0">
+            <a:spAutoFit/>
+          </a:bodyPr>
+          <a:lstStyle/>
+          <a:p>
+            <a:pPr algn="ctr"/>
+            <a:r>
+              <a:rPr kumimoji="1" lang="en-US" altLang="ko-Kore-KR" sz="1100" dirty="0"/>
+              <a:t>Select</a:t>
+            </a:r>
+          </a:p>
+          <a:p>
+            <a:pPr algn="ctr"/>
+            <a:r>
+              <a:rPr kumimoji="1" lang="en-US" altLang="ko-Kore-KR" sz="1100" dirty="0"/>
+              <a:t>Insert</a:t>
+            </a:r>
+          </a:p>
+          <a:p>
+            <a:pPr algn="ctr"/>
+            <a:r>
+              <a:rPr kumimoji="1" lang="en-US" altLang="ko-Kore-KR" sz="1100" dirty="0"/>
+              <a:t>Update</a:t>
+            </a:r>
+          </a:p>
+          <a:p>
+            <a:pPr algn="ctr"/>
+            <a:r>
+              <a:rPr kumimoji="1" lang="en-US" altLang="ko-Kore-KR" sz="1100" dirty="0"/>
+              <a:t>Delete</a:t>
+            </a:r>
+          </a:p>
+        </p:txBody>
+      </p:sp>
     </p:spTree>
     <p:extLst>
       <p:ext uri="{BB962C8B-B14F-4D97-AF65-F5344CB8AC3E}">
-        <p14:creationId xmlns:p14="http://schemas.microsoft.com/office/powerpoint/2010/main" val="1913576828"/>
+        <p14:creationId xmlns:p14="http://schemas.microsoft.com/office/powerpoint/2010/main" val="3167740884"/>
       </p:ext>
     </p:extLst>
   </p:cSld>
@@ -50209,6 +52391,3739 @@
           <a:chExt cx="0" cy="0"/>
         </a:xfrm>
       </p:grpSpPr>
+      <p:graphicFrame>
+        <p:nvGraphicFramePr>
+          <p:cNvPr id="2" name="표 2">
+            <a:extLst>
+              <a:ext uri="{FF2B5EF4-FFF2-40B4-BE49-F238E27FC236}">
+                <a16:creationId xmlns:a16="http://schemas.microsoft.com/office/drawing/2014/main" id="{C33E8EAB-21FF-5784-F89F-D43D5B21F5FA}"/>
+              </a:ext>
+            </a:extLst>
+          </p:cNvPr>
+          <p:cNvGraphicFramePr>
+            <a:graphicFrameLocks noGrp="1"/>
+          </p:cNvGraphicFramePr>
+          <p:nvPr>
+            <p:extLst>
+              <p:ext uri="{D42A27DB-BD31-4B8C-83A1-F6EECF244321}">
+                <p14:modId xmlns:p14="http://schemas.microsoft.com/office/powerpoint/2010/main" val="1674610400"/>
+              </p:ext>
+            </p:extLst>
+          </p:nvPr>
+        </p:nvGraphicFramePr>
+        <p:xfrm>
+          <a:off x="798625" y="1208764"/>
+          <a:ext cx="1859515" cy="2615315"/>
+        </p:xfrm>
+        <a:graphic>
+          <a:graphicData uri="http://schemas.openxmlformats.org/drawingml/2006/table">
+            <a:tbl>
+              <a:tblPr firstRow="1" bandRow="1">
+                <a:tableStyleId>{5C22544A-7EE6-4342-B048-85BDC9FD1C3A}</a:tableStyleId>
+              </a:tblPr>
+              <a:tblGrid>
+                <a:gridCol w="1859515">
+                  <a:extLst>
+                    <a:ext uri="{9D8B030D-6E8A-4147-A177-3AD203B41FA5}">
+                      <a16:colId xmlns:a16="http://schemas.microsoft.com/office/drawing/2014/main" val="1965095789"/>
+                    </a:ext>
+                  </a:extLst>
+                </a:gridCol>
+              </a:tblGrid>
+              <a:tr h="386120">
+                <a:tc>
+                  <a:txBody>
+                    <a:bodyPr/>
+                    <a:lstStyle/>
+                    <a:p>
+                      <a:pPr algn="ctr"/>
+                      <a:endParaRPr lang="ko-Kore-KR" altLang="en-US" dirty="0"/>
+                    </a:p>
+                  </a:txBody>
+                  <a:tcPr/>
+                </a:tc>
+                <a:extLst>
+                  <a:ext uri="{0D108BD9-81ED-4DB2-BD59-A6C34878D82A}">
+                    <a16:rowId xmlns:a16="http://schemas.microsoft.com/office/drawing/2014/main" val="3559688625"/>
+                  </a:ext>
+                </a:extLst>
+              </a:tr>
+              <a:tr h="2229195">
+                <a:tc>
+                  <a:txBody>
+                    <a:bodyPr/>
+                    <a:lstStyle/>
+                    <a:p>
+                      <a:pPr marL="285750" indent="-285750" algn="l">
+                        <a:buFont typeface="Arial" panose="020B0604020202020204" pitchFamily="34" charset="0"/>
+                        <a:buChar char="•"/>
+                      </a:pPr>
+                      <a:r>
+                        <a:rPr lang="en-US" altLang="ko-Kore-KR" dirty="0" err="1"/>
+                        <a:t>mno</a:t>
+                      </a:r>
+                      <a:endParaRPr lang="en-US" altLang="ko-Kore-KR" dirty="0"/>
+                    </a:p>
+                    <a:p>
+                      <a:pPr marL="285750" indent="-285750" algn="l">
+                        <a:buFont typeface="Arial" panose="020B0604020202020204" pitchFamily="34" charset="0"/>
+                        <a:buChar char="•"/>
+                      </a:pPr>
+                      <a:r>
+                        <a:rPr lang="en-US" altLang="ko-Kore-KR" dirty="0"/>
+                        <a:t>work</a:t>
+                      </a:r>
+                    </a:p>
+                    <a:p>
+                      <a:pPr marL="285750" indent="-285750" algn="l">
+                        <a:buFont typeface="Arial" panose="020B0604020202020204" pitchFamily="34" charset="0"/>
+                        <a:buChar char="•"/>
+                      </a:pPr>
+                      <a:r>
+                        <a:rPr lang="en-US" altLang="ko-Kore-KR" dirty="0" err="1"/>
+                        <a:t>acc_no</a:t>
+                      </a:r>
+                      <a:endParaRPr lang="en-US" altLang="ko-Kore-KR" dirty="0"/>
+                    </a:p>
+                    <a:p>
+                      <a:pPr marL="285750" indent="-285750" algn="l">
+                        <a:buFont typeface="Arial" panose="020B0604020202020204" pitchFamily="34" charset="0"/>
+                        <a:buChar char="•"/>
+                      </a:pPr>
+                      <a:r>
+                        <a:rPr lang="en-US" altLang="ko-Kore-KR" dirty="0"/>
+                        <a:t>bank</a:t>
+                      </a:r>
+                    </a:p>
+                  </a:txBody>
+                  <a:tcPr/>
+                </a:tc>
+                <a:extLst>
+                  <a:ext uri="{0D108BD9-81ED-4DB2-BD59-A6C34878D82A}">
+                    <a16:rowId xmlns:a16="http://schemas.microsoft.com/office/drawing/2014/main" val="3230167247"/>
+                  </a:ext>
+                </a:extLst>
+              </a:tr>
+            </a:tbl>
+          </a:graphicData>
+        </a:graphic>
+      </p:graphicFrame>
+      <p:graphicFrame>
+        <p:nvGraphicFramePr>
+          <p:cNvPr id="3" name="표 2">
+            <a:extLst>
+              <a:ext uri="{FF2B5EF4-FFF2-40B4-BE49-F238E27FC236}">
+                <a16:creationId xmlns:a16="http://schemas.microsoft.com/office/drawing/2014/main" id="{9A8E8728-3116-63CC-9C80-F1A3DED836CC}"/>
+              </a:ext>
+            </a:extLst>
+          </p:cNvPr>
+          <p:cNvGraphicFramePr>
+            <a:graphicFrameLocks noGrp="1"/>
+          </p:cNvGraphicFramePr>
+          <p:nvPr/>
+        </p:nvGraphicFramePr>
+        <p:xfrm>
+          <a:off x="4959499" y="1208764"/>
+          <a:ext cx="1859515" cy="2615315"/>
+        </p:xfrm>
+        <a:graphic>
+          <a:graphicData uri="http://schemas.openxmlformats.org/drawingml/2006/table">
+            <a:tbl>
+              <a:tblPr firstRow="1" bandRow="1">
+                <a:tableStyleId>{5C22544A-7EE6-4342-B048-85BDC9FD1C3A}</a:tableStyleId>
+              </a:tblPr>
+              <a:tblGrid>
+                <a:gridCol w="1859515">
+                  <a:extLst>
+                    <a:ext uri="{9D8B030D-6E8A-4147-A177-3AD203B41FA5}">
+                      <a16:colId xmlns:a16="http://schemas.microsoft.com/office/drawing/2014/main" val="1965095789"/>
+                    </a:ext>
+                  </a:extLst>
+                </a:gridCol>
+              </a:tblGrid>
+              <a:tr h="386120">
+                <a:tc>
+                  <a:txBody>
+                    <a:bodyPr/>
+                    <a:lstStyle/>
+                    <a:p>
+                      <a:pPr algn="ctr"/>
+                      <a:r>
+                        <a:rPr lang="en-US" altLang="ko-KR" dirty="0" err="1"/>
+                        <a:t>b</a:t>
+                      </a:r>
+                      <a:r>
+                        <a:rPr lang="en-US" altLang="ko-Kore-KR" dirty="0" err="1"/>
+                        <a:t>oard</a:t>
+                      </a:r>
+                      <a:r>
+                        <a:rPr lang="en-US" altLang="ko-KR" dirty="0" err="1"/>
+                        <a:t>_file</a:t>
+                      </a:r>
+                      <a:endParaRPr lang="ko-Kore-KR" altLang="en-US" dirty="0"/>
+                    </a:p>
+                  </a:txBody>
+                  <a:tcPr/>
+                </a:tc>
+                <a:extLst>
+                  <a:ext uri="{0D108BD9-81ED-4DB2-BD59-A6C34878D82A}">
+                    <a16:rowId xmlns:a16="http://schemas.microsoft.com/office/drawing/2014/main" val="3559688625"/>
+                  </a:ext>
+                </a:extLst>
+              </a:tr>
+              <a:tr h="2229195">
+                <a:tc>
+                  <a:txBody>
+                    <a:bodyPr/>
+                    <a:lstStyle/>
+                    <a:p>
+                      <a:pPr marL="285750" indent="-285750" algn="l">
+                        <a:buFont typeface="Arial" panose="020B0604020202020204" pitchFamily="34" charset="0"/>
+                        <a:buChar char="•"/>
+                      </a:pPr>
+                      <a:r>
+                        <a:rPr lang="en-US" altLang="ko-Kore-KR" dirty="0" err="1"/>
+                        <a:t>fno</a:t>
+                      </a:r>
+                      <a:endParaRPr lang="en-US" altLang="ko-Kore-KR" dirty="0"/>
+                    </a:p>
+                    <a:p>
+                      <a:pPr marL="285750" indent="-285750" algn="l">
+                        <a:buFont typeface="Arial" panose="020B0604020202020204" pitchFamily="34" charset="0"/>
+                        <a:buChar char="•"/>
+                      </a:pPr>
+                      <a:r>
+                        <a:rPr lang="en-US" altLang="ko-Kore-KR" dirty="0" err="1"/>
+                        <a:t>filepath</a:t>
+                      </a:r>
+                      <a:endParaRPr lang="en-US" altLang="ko-Kore-KR" dirty="0"/>
+                    </a:p>
+                    <a:p>
+                      <a:pPr marL="285750" indent="-285750" algn="l">
+                        <a:buFont typeface="Arial" panose="020B0604020202020204" pitchFamily="34" charset="0"/>
+                        <a:buChar char="•"/>
+                      </a:pPr>
+                      <a:r>
+                        <a:rPr lang="en-US" altLang="ko-Kore-KR" dirty="0" err="1"/>
+                        <a:t>bno</a:t>
+                      </a:r>
+                      <a:endParaRPr lang="en-US" altLang="ko-Kore-KR" dirty="0"/>
+                    </a:p>
+                  </a:txBody>
+                  <a:tcPr/>
+                </a:tc>
+                <a:extLst>
+                  <a:ext uri="{0D108BD9-81ED-4DB2-BD59-A6C34878D82A}">
+                    <a16:rowId xmlns:a16="http://schemas.microsoft.com/office/drawing/2014/main" val="3230167247"/>
+                  </a:ext>
+                </a:extLst>
+              </a:tr>
+            </a:tbl>
+          </a:graphicData>
+        </a:graphic>
+      </p:graphicFrame>
+      <p:cxnSp>
+        <p:nvCxnSpPr>
+          <p:cNvPr id="7" name="직선 화살표 연결선 6">
+            <a:extLst>
+              <a:ext uri="{FF2B5EF4-FFF2-40B4-BE49-F238E27FC236}">
+                <a16:creationId xmlns:a16="http://schemas.microsoft.com/office/drawing/2014/main" id="{98836ED0-1FE9-0BF9-C22E-896384905BDC}"/>
+              </a:ext>
+            </a:extLst>
+          </p:cNvPr>
+          <p:cNvCxnSpPr>
+            <a:cxnSpLocks/>
+          </p:cNvCxnSpPr>
+          <p:nvPr/>
+        </p:nvCxnSpPr>
+        <p:spPr>
+          <a:xfrm flipH="1" flipV="1">
+            <a:off x="1731264" y="1767840"/>
+            <a:ext cx="3228235" cy="613853"/>
+          </a:xfrm>
+          <a:prstGeom prst="straightConnector1">
+            <a:avLst/>
+          </a:prstGeom>
+          <a:ln>
+            <a:tailEnd type="triangle"/>
+          </a:ln>
+        </p:spPr>
+        <p:style>
+          <a:lnRef idx="3">
+            <a:schemeClr val="accent4"/>
+          </a:lnRef>
+          <a:fillRef idx="0">
+            <a:schemeClr val="accent4"/>
+          </a:fillRef>
+          <a:effectRef idx="2">
+            <a:schemeClr val="accent4"/>
+          </a:effectRef>
+          <a:fontRef idx="minor">
+            <a:schemeClr val="tx1"/>
+          </a:fontRef>
+        </p:style>
+      </p:cxnSp>
+      <p:sp>
+        <p:nvSpPr>
+          <p:cNvPr id="10" name="직사각형 9">
+            <a:extLst>
+              <a:ext uri="{FF2B5EF4-FFF2-40B4-BE49-F238E27FC236}">
+                <a16:creationId xmlns:a16="http://schemas.microsoft.com/office/drawing/2014/main" id="{383615E4-2C0A-50E2-5F2A-7EEF30855567}"/>
+              </a:ext>
+            </a:extLst>
+          </p:cNvPr>
+          <p:cNvSpPr/>
+          <p:nvPr/>
+        </p:nvSpPr>
+        <p:spPr>
+          <a:xfrm>
+            <a:off x="798625" y="3953185"/>
+            <a:ext cx="1859515" cy="404037"/>
+          </a:xfrm>
+          <a:prstGeom prst="rect">
+            <a:avLst/>
+          </a:prstGeom>
+        </p:spPr>
+        <p:style>
+          <a:lnRef idx="2">
+            <a:schemeClr val="accent1"/>
+          </a:lnRef>
+          <a:fillRef idx="1">
+            <a:schemeClr val="lt1"/>
+          </a:fillRef>
+          <a:effectRef idx="0">
+            <a:schemeClr val="accent1"/>
+          </a:effectRef>
+          <a:fontRef idx="minor">
+            <a:schemeClr val="dk1"/>
+          </a:fontRef>
+        </p:style>
+        <p:txBody>
+          <a:bodyPr rtlCol="0" anchor="ctr"/>
+          <a:lstStyle/>
+          <a:p>
+            <a:pPr algn="ctr"/>
+            <a:r>
+              <a:rPr kumimoji="1" lang="ko-KR" altLang="en-US" sz="1400" dirty="0"/>
+              <a:t>부모 테이블</a:t>
+            </a:r>
+            <a:endParaRPr kumimoji="1" lang="ko-Kore-KR" altLang="en-US" sz="1400" dirty="0"/>
+          </a:p>
+        </p:txBody>
+      </p:sp>
+      <p:sp>
+        <p:nvSpPr>
+          <p:cNvPr id="11" name="직사각형 10">
+            <a:extLst>
+              <a:ext uri="{FF2B5EF4-FFF2-40B4-BE49-F238E27FC236}">
+                <a16:creationId xmlns:a16="http://schemas.microsoft.com/office/drawing/2014/main" id="{BD092920-5F9B-AC06-7E71-9C397AD20F96}"/>
+              </a:ext>
+            </a:extLst>
+          </p:cNvPr>
+          <p:cNvSpPr/>
+          <p:nvPr/>
+        </p:nvSpPr>
+        <p:spPr>
+          <a:xfrm>
+            <a:off x="4959498" y="3949850"/>
+            <a:ext cx="1859515" cy="404037"/>
+          </a:xfrm>
+          <a:prstGeom prst="rect">
+            <a:avLst/>
+          </a:prstGeom>
+        </p:spPr>
+        <p:style>
+          <a:lnRef idx="2">
+            <a:schemeClr val="accent1"/>
+          </a:lnRef>
+          <a:fillRef idx="1">
+            <a:schemeClr val="lt1"/>
+          </a:fillRef>
+          <a:effectRef idx="0">
+            <a:schemeClr val="accent1"/>
+          </a:effectRef>
+          <a:fontRef idx="minor">
+            <a:schemeClr val="dk1"/>
+          </a:fontRef>
+        </p:style>
+        <p:txBody>
+          <a:bodyPr rtlCol="0" anchor="ctr"/>
+          <a:lstStyle/>
+          <a:p>
+            <a:pPr algn="ctr"/>
+            <a:r>
+              <a:rPr kumimoji="1" lang="ko-KR" altLang="en-US" sz="1400" dirty="0"/>
+              <a:t>자식 테이블</a:t>
+            </a:r>
+            <a:endParaRPr kumimoji="1" lang="ko-Kore-KR" altLang="en-US" sz="1400" dirty="0"/>
+          </a:p>
+        </p:txBody>
+      </p:sp>
+      <p:sp>
+        <p:nvSpPr>
+          <p:cNvPr id="12" name="직사각형 11">
+            <a:extLst>
+              <a:ext uri="{FF2B5EF4-FFF2-40B4-BE49-F238E27FC236}">
+                <a16:creationId xmlns:a16="http://schemas.microsoft.com/office/drawing/2014/main" id="{9C2B0651-D437-09AE-18CA-A31803311930}"/>
+              </a:ext>
+            </a:extLst>
+          </p:cNvPr>
+          <p:cNvSpPr/>
+          <p:nvPr/>
+        </p:nvSpPr>
+        <p:spPr>
+          <a:xfrm>
+            <a:off x="417027" y="1632096"/>
+            <a:ext cx="431211" cy="287079"/>
+          </a:xfrm>
+          <a:prstGeom prst="rect">
+            <a:avLst/>
+          </a:prstGeom>
+        </p:spPr>
+        <p:style>
+          <a:lnRef idx="3">
+            <a:schemeClr val="lt1"/>
+          </a:lnRef>
+          <a:fillRef idx="1">
+            <a:schemeClr val="accent4"/>
+          </a:fillRef>
+          <a:effectRef idx="1">
+            <a:schemeClr val="accent4"/>
+          </a:effectRef>
+          <a:fontRef idx="minor">
+            <a:schemeClr val="lt1"/>
+          </a:fontRef>
+        </p:style>
+        <p:txBody>
+          <a:bodyPr rtlCol="0" anchor="ctr"/>
+          <a:lstStyle/>
+          <a:p>
+            <a:pPr algn="ctr"/>
+            <a:r>
+              <a:rPr kumimoji="1" lang="en-US" altLang="ko-Kore-KR" sz="1400" b="1" dirty="0"/>
+              <a:t>PK</a:t>
+            </a:r>
+            <a:endParaRPr kumimoji="1" lang="ko-Kore-KR" altLang="en-US" sz="1400" b="1" dirty="0"/>
+          </a:p>
+        </p:txBody>
+      </p:sp>
+      <p:sp>
+        <p:nvSpPr>
+          <p:cNvPr id="13" name="직사각형 12">
+            <a:extLst>
+              <a:ext uri="{FF2B5EF4-FFF2-40B4-BE49-F238E27FC236}">
+                <a16:creationId xmlns:a16="http://schemas.microsoft.com/office/drawing/2014/main" id="{E63BDBF8-3C06-5210-CBA4-078F11C1169C}"/>
+              </a:ext>
+            </a:extLst>
+          </p:cNvPr>
+          <p:cNvSpPr/>
+          <p:nvPr/>
+        </p:nvSpPr>
+        <p:spPr>
+          <a:xfrm>
+            <a:off x="4600354" y="1601110"/>
+            <a:ext cx="431211" cy="287079"/>
+          </a:xfrm>
+          <a:prstGeom prst="rect">
+            <a:avLst/>
+          </a:prstGeom>
+        </p:spPr>
+        <p:style>
+          <a:lnRef idx="3">
+            <a:schemeClr val="lt1"/>
+          </a:lnRef>
+          <a:fillRef idx="1">
+            <a:schemeClr val="accent4"/>
+          </a:fillRef>
+          <a:effectRef idx="1">
+            <a:schemeClr val="accent4"/>
+          </a:effectRef>
+          <a:fontRef idx="minor">
+            <a:schemeClr val="lt1"/>
+          </a:fontRef>
+        </p:style>
+        <p:txBody>
+          <a:bodyPr rtlCol="0" anchor="ctr"/>
+          <a:lstStyle/>
+          <a:p>
+            <a:pPr algn="ctr"/>
+            <a:r>
+              <a:rPr kumimoji="1" lang="en-US" altLang="ko-Kore-KR" sz="1400" b="1" dirty="0"/>
+              <a:t>PK</a:t>
+            </a:r>
+            <a:endParaRPr kumimoji="1" lang="ko-Kore-KR" altLang="en-US" sz="1400" b="1" dirty="0"/>
+          </a:p>
+        </p:txBody>
+      </p:sp>
+      <p:sp>
+        <p:nvSpPr>
+          <p:cNvPr id="14" name="직사각형 13">
+            <a:extLst>
+              <a:ext uri="{FF2B5EF4-FFF2-40B4-BE49-F238E27FC236}">
+                <a16:creationId xmlns:a16="http://schemas.microsoft.com/office/drawing/2014/main" id="{9DE05A4F-70F3-1C6E-E3C7-22BAFC2A294A}"/>
+              </a:ext>
+            </a:extLst>
+          </p:cNvPr>
+          <p:cNvSpPr/>
+          <p:nvPr/>
+        </p:nvSpPr>
+        <p:spPr>
+          <a:xfrm>
+            <a:off x="4600354" y="2229342"/>
+            <a:ext cx="431211" cy="287079"/>
+          </a:xfrm>
+          <a:prstGeom prst="rect">
+            <a:avLst/>
+          </a:prstGeom>
+        </p:spPr>
+        <p:style>
+          <a:lnRef idx="3">
+            <a:schemeClr val="lt1"/>
+          </a:lnRef>
+          <a:fillRef idx="1">
+            <a:schemeClr val="accent4"/>
+          </a:fillRef>
+          <a:effectRef idx="1">
+            <a:schemeClr val="accent4"/>
+          </a:effectRef>
+          <a:fontRef idx="minor">
+            <a:schemeClr val="lt1"/>
+          </a:fontRef>
+        </p:style>
+        <p:txBody>
+          <a:bodyPr rtlCol="0" anchor="ctr"/>
+          <a:lstStyle/>
+          <a:p>
+            <a:pPr algn="ctr"/>
+            <a:r>
+              <a:rPr kumimoji="1" lang="en-US" altLang="ko-Kore-KR" sz="1400" b="1" dirty="0"/>
+              <a:t>FK</a:t>
+            </a:r>
+            <a:endParaRPr kumimoji="1" lang="ko-Kore-KR" altLang="en-US" sz="1400" b="1" dirty="0"/>
+          </a:p>
+        </p:txBody>
+      </p:sp>
+      <p:cxnSp>
+        <p:nvCxnSpPr>
+          <p:cNvPr id="16" name="직선 연결선[R] 15">
+            <a:extLst>
+              <a:ext uri="{FF2B5EF4-FFF2-40B4-BE49-F238E27FC236}">
+                <a16:creationId xmlns:a16="http://schemas.microsoft.com/office/drawing/2014/main" id="{742F982C-7C2A-E8B8-ADAF-3AB7827F1222}"/>
+              </a:ext>
+            </a:extLst>
+          </p:cNvPr>
+          <p:cNvCxnSpPr/>
+          <p:nvPr/>
+        </p:nvCxnSpPr>
+        <p:spPr>
+          <a:xfrm>
+            <a:off x="2658140" y="1382233"/>
+            <a:ext cx="2301358" cy="0"/>
+          </a:xfrm>
+          <a:prstGeom prst="line">
+            <a:avLst/>
+          </a:prstGeom>
+        </p:spPr>
+        <p:style>
+          <a:lnRef idx="3">
+            <a:schemeClr val="accent5"/>
+          </a:lnRef>
+          <a:fillRef idx="0">
+            <a:schemeClr val="accent5"/>
+          </a:fillRef>
+          <a:effectRef idx="2">
+            <a:schemeClr val="accent5"/>
+          </a:effectRef>
+          <a:fontRef idx="minor">
+            <a:schemeClr val="tx1"/>
+          </a:fontRef>
+        </p:style>
+      </p:cxnSp>
+      <p:cxnSp>
+        <p:nvCxnSpPr>
+          <p:cNvPr id="17" name="직선 연결선[R] 16">
+            <a:extLst>
+              <a:ext uri="{FF2B5EF4-FFF2-40B4-BE49-F238E27FC236}">
+                <a16:creationId xmlns:a16="http://schemas.microsoft.com/office/drawing/2014/main" id="{7EE15F5A-927F-C1DC-B7E1-659557EE3204}"/>
+              </a:ext>
+            </a:extLst>
+          </p:cNvPr>
+          <p:cNvCxnSpPr>
+            <a:cxnSpLocks/>
+          </p:cNvCxnSpPr>
+          <p:nvPr/>
+        </p:nvCxnSpPr>
+        <p:spPr>
+          <a:xfrm>
+            <a:off x="2746745" y="1261732"/>
+            <a:ext cx="0" cy="241002"/>
+          </a:xfrm>
+          <a:prstGeom prst="line">
+            <a:avLst/>
+          </a:prstGeom>
+        </p:spPr>
+        <p:style>
+          <a:lnRef idx="3">
+            <a:schemeClr val="accent5"/>
+          </a:lnRef>
+          <a:fillRef idx="0">
+            <a:schemeClr val="accent5"/>
+          </a:fillRef>
+          <a:effectRef idx="2">
+            <a:schemeClr val="accent5"/>
+          </a:effectRef>
+          <a:fontRef idx="minor">
+            <a:schemeClr val="tx1"/>
+          </a:fontRef>
+        </p:style>
+      </p:cxnSp>
+      <p:cxnSp>
+        <p:nvCxnSpPr>
+          <p:cNvPr id="19" name="직선 연결선[R] 18">
+            <a:extLst>
+              <a:ext uri="{FF2B5EF4-FFF2-40B4-BE49-F238E27FC236}">
+                <a16:creationId xmlns:a16="http://schemas.microsoft.com/office/drawing/2014/main" id="{CB56CD53-A47B-0DA0-52A8-7A8FAFF7A5B9}"/>
+              </a:ext>
+            </a:extLst>
+          </p:cNvPr>
+          <p:cNvCxnSpPr>
+            <a:cxnSpLocks/>
+          </p:cNvCxnSpPr>
+          <p:nvPr/>
+        </p:nvCxnSpPr>
+        <p:spPr>
+          <a:xfrm flipH="1">
+            <a:off x="4815959" y="1208764"/>
+            <a:ext cx="143539" cy="173469"/>
+          </a:xfrm>
+          <a:prstGeom prst="line">
+            <a:avLst/>
+          </a:prstGeom>
+        </p:spPr>
+        <p:style>
+          <a:lnRef idx="3">
+            <a:schemeClr val="accent5"/>
+          </a:lnRef>
+          <a:fillRef idx="0">
+            <a:schemeClr val="accent5"/>
+          </a:fillRef>
+          <a:effectRef idx="2">
+            <a:schemeClr val="accent5"/>
+          </a:effectRef>
+          <a:fontRef idx="minor">
+            <a:schemeClr val="tx1"/>
+          </a:fontRef>
+        </p:style>
+      </p:cxnSp>
+      <p:cxnSp>
+        <p:nvCxnSpPr>
+          <p:cNvPr id="21" name="직선 연결선[R] 20">
+            <a:extLst>
+              <a:ext uri="{FF2B5EF4-FFF2-40B4-BE49-F238E27FC236}">
+                <a16:creationId xmlns:a16="http://schemas.microsoft.com/office/drawing/2014/main" id="{FAD5F42D-CD17-268F-F009-658A019914B3}"/>
+              </a:ext>
+            </a:extLst>
+          </p:cNvPr>
+          <p:cNvCxnSpPr>
+            <a:cxnSpLocks/>
+          </p:cNvCxnSpPr>
+          <p:nvPr/>
+        </p:nvCxnSpPr>
+        <p:spPr>
+          <a:xfrm>
+            <a:off x="4815959" y="1380408"/>
+            <a:ext cx="152400" cy="154225"/>
+          </a:xfrm>
+          <a:prstGeom prst="line">
+            <a:avLst/>
+          </a:prstGeom>
+        </p:spPr>
+        <p:style>
+          <a:lnRef idx="3">
+            <a:schemeClr val="accent5"/>
+          </a:lnRef>
+          <a:fillRef idx="0">
+            <a:schemeClr val="accent5"/>
+          </a:fillRef>
+          <a:effectRef idx="2">
+            <a:schemeClr val="accent5"/>
+          </a:effectRef>
+          <a:fontRef idx="minor">
+            <a:schemeClr val="tx1"/>
+          </a:fontRef>
+        </p:style>
+      </p:cxnSp>
+      <p:sp>
+        <p:nvSpPr>
+          <p:cNvPr id="25" name="직사각형 24">
+            <a:extLst>
+              <a:ext uri="{FF2B5EF4-FFF2-40B4-BE49-F238E27FC236}">
+                <a16:creationId xmlns:a16="http://schemas.microsoft.com/office/drawing/2014/main" id="{DDAAE523-C18E-D5F7-F772-2B720458EC1E}"/>
+              </a:ext>
+            </a:extLst>
+          </p:cNvPr>
+          <p:cNvSpPr/>
+          <p:nvPr/>
+        </p:nvSpPr>
+        <p:spPr>
+          <a:xfrm>
+            <a:off x="2879061" y="672351"/>
+            <a:ext cx="1859515" cy="404037"/>
+          </a:xfrm>
+          <a:prstGeom prst="rect">
+            <a:avLst/>
+          </a:prstGeom>
+        </p:spPr>
+        <p:style>
+          <a:lnRef idx="2">
+            <a:schemeClr val="accent5"/>
+          </a:lnRef>
+          <a:fillRef idx="1">
+            <a:schemeClr val="lt1"/>
+          </a:fillRef>
+          <a:effectRef idx="0">
+            <a:schemeClr val="accent5"/>
+          </a:effectRef>
+          <a:fontRef idx="minor">
+            <a:schemeClr val="dk1"/>
+          </a:fontRef>
+        </p:style>
+        <p:txBody>
+          <a:bodyPr rtlCol="0" anchor="ctr"/>
+          <a:lstStyle/>
+          <a:p>
+            <a:pPr algn="ctr"/>
+            <a:r>
+              <a:rPr kumimoji="1" lang="en-US" altLang="ko-KR" dirty="0"/>
+              <a:t>1:M</a:t>
+            </a:r>
+            <a:endParaRPr kumimoji="1" lang="ko-Kore-KR" altLang="en-US" dirty="0"/>
+          </a:p>
+        </p:txBody>
+      </p:sp>
+      <p:sp>
+        <p:nvSpPr>
+          <p:cNvPr id="26" name="타원 25">
+            <a:extLst>
+              <a:ext uri="{FF2B5EF4-FFF2-40B4-BE49-F238E27FC236}">
+                <a16:creationId xmlns:a16="http://schemas.microsoft.com/office/drawing/2014/main" id="{38631A3C-C53D-B478-5C14-C44191E8CF01}"/>
+              </a:ext>
+            </a:extLst>
+          </p:cNvPr>
+          <p:cNvSpPr/>
+          <p:nvPr/>
+        </p:nvSpPr>
+        <p:spPr>
+          <a:xfrm>
+            <a:off x="4664445" y="1287053"/>
+            <a:ext cx="159488" cy="159488"/>
+          </a:xfrm>
+          <a:prstGeom prst="ellipse">
+            <a:avLst/>
+          </a:prstGeom>
+          <a:ln w="22225"/>
+        </p:spPr>
+        <p:style>
+          <a:lnRef idx="2">
+            <a:schemeClr val="accent5"/>
+          </a:lnRef>
+          <a:fillRef idx="1">
+            <a:schemeClr val="lt1"/>
+          </a:fillRef>
+          <a:effectRef idx="0">
+            <a:schemeClr val="accent5"/>
+          </a:effectRef>
+          <a:fontRef idx="minor">
+            <a:schemeClr val="dk1"/>
+          </a:fontRef>
+        </p:style>
+        <p:txBody>
+          <a:bodyPr rtlCol="0" anchor="ctr"/>
+          <a:lstStyle/>
+          <a:p>
+            <a:pPr algn="ctr"/>
+            <a:endParaRPr kumimoji="1" lang="ko-Kore-KR" altLang="en-US"/>
+          </a:p>
+        </p:txBody>
+      </p:sp>
+      <p:graphicFrame>
+        <p:nvGraphicFramePr>
+          <p:cNvPr id="27" name="표 2">
+            <a:extLst>
+              <a:ext uri="{FF2B5EF4-FFF2-40B4-BE49-F238E27FC236}">
+                <a16:creationId xmlns:a16="http://schemas.microsoft.com/office/drawing/2014/main" id="{58292299-4A9D-E1C9-C629-1D9D4E03EB98}"/>
+              </a:ext>
+            </a:extLst>
+          </p:cNvPr>
+          <p:cNvGraphicFramePr>
+            <a:graphicFrameLocks noGrp="1"/>
+          </p:cNvGraphicFramePr>
+          <p:nvPr/>
+        </p:nvGraphicFramePr>
+        <p:xfrm>
+          <a:off x="5166242" y="4774925"/>
+          <a:ext cx="1859515" cy="1110990"/>
+        </p:xfrm>
+        <a:graphic>
+          <a:graphicData uri="http://schemas.openxmlformats.org/drawingml/2006/table">
+            <a:tbl>
+              <a:tblPr firstRow="1" bandRow="1">
+                <a:tableStyleId>{5C22544A-7EE6-4342-B048-85BDC9FD1C3A}</a:tableStyleId>
+              </a:tblPr>
+              <a:tblGrid>
+                <a:gridCol w="1859515">
+                  <a:extLst>
+                    <a:ext uri="{9D8B030D-6E8A-4147-A177-3AD203B41FA5}">
+                      <a16:colId xmlns:a16="http://schemas.microsoft.com/office/drawing/2014/main" val="1965095789"/>
+                    </a:ext>
+                  </a:extLst>
+                </a:gridCol>
+              </a:tblGrid>
+              <a:tr h="129082">
+                <a:tc>
+                  <a:txBody>
+                    <a:bodyPr/>
+                    <a:lstStyle/>
+                    <a:p>
+                      <a:pPr algn="ctr"/>
+                      <a:r>
+                        <a:rPr lang="ko-KR" altLang="en-US" dirty="0"/>
+                        <a:t>테이블명</a:t>
+                      </a:r>
+                      <a:endParaRPr lang="ko-Kore-KR" altLang="en-US" dirty="0"/>
+                    </a:p>
+                  </a:txBody>
+                  <a:tcPr/>
+                </a:tc>
+                <a:extLst>
+                  <a:ext uri="{0D108BD9-81ED-4DB2-BD59-A6C34878D82A}">
+                    <a16:rowId xmlns:a16="http://schemas.microsoft.com/office/drawing/2014/main" val="3559688625"/>
+                  </a:ext>
+                </a:extLst>
+              </a:tr>
+              <a:tr h="745230">
+                <a:tc>
+                  <a:txBody>
+                    <a:bodyPr/>
+                    <a:lstStyle/>
+                    <a:p>
+                      <a:pPr marL="285750" indent="-285750" algn="l">
+                        <a:buFont typeface="Arial" panose="020B0604020202020204" pitchFamily="34" charset="0"/>
+                        <a:buChar char="•"/>
+                      </a:pPr>
+                      <a:endParaRPr lang="en-US" altLang="ko-Kore-KR" dirty="0"/>
+                    </a:p>
+                  </a:txBody>
+                  <a:tcPr/>
+                </a:tc>
+                <a:extLst>
+                  <a:ext uri="{0D108BD9-81ED-4DB2-BD59-A6C34878D82A}">
+                    <a16:rowId xmlns:a16="http://schemas.microsoft.com/office/drawing/2014/main" val="3230167247"/>
+                  </a:ext>
+                </a:extLst>
+              </a:tr>
+            </a:tbl>
+          </a:graphicData>
+        </a:graphic>
+      </p:graphicFrame>
+      <p:graphicFrame>
+        <p:nvGraphicFramePr>
+          <p:cNvPr id="28" name="표 27">
+            <a:extLst>
+              <a:ext uri="{FF2B5EF4-FFF2-40B4-BE49-F238E27FC236}">
+                <a16:creationId xmlns:a16="http://schemas.microsoft.com/office/drawing/2014/main" id="{AD263141-4F9A-0454-373E-2AFF05E4FDF4}"/>
+              </a:ext>
+            </a:extLst>
+          </p:cNvPr>
+          <p:cNvGraphicFramePr>
+            <a:graphicFrameLocks noGrp="1"/>
+          </p:cNvGraphicFramePr>
+          <p:nvPr/>
+        </p:nvGraphicFramePr>
+        <p:xfrm>
+          <a:off x="9327116" y="4774926"/>
+          <a:ext cx="1859515" cy="1137461"/>
+        </p:xfrm>
+        <a:graphic>
+          <a:graphicData uri="http://schemas.openxmlformats.org/drawingml/2006/table">
+            <a:tbl>
+              <a:tblPr firstRow="1" bandRow="1">
+                <a:tableStyleId>{5C22544A-7EE6-4342-B048-85BDC9FD1C3A}</a:tableStyleId>
+              </a:tblPr>
+              <a:tblGrid>
+                <a:gridCol w="1859515">
+                  <a:extLst>
+                    <a:ext uri="{9D8B030D-6E8A-4147-A177-3AD203B41FA5}">
+                      <a16:colId xmlns:a16="http://schemas.microsoft.com/office/drawing/2014/main" val="1965095789"/>
+                    </a:ext>
+                  </a:extLst>
+                </a:gridCol>
+              </a:tblGrid>
+              <a:tr h="339289">
+                <a:tc>
+                  <a:txBody>
+                    <a:bodyPr/>
+                    <a:lstStyle/>
+                    <a:p>
+                      <a:pPr algn="ctr"/>
+                      <a:r>
+                        <a:rPr lang="ko-KR" altLang="en-US" dirty="0"/>
+                        <a:t>테이블명</a:t>
+                      </a:r>
+                      <a:endParaRPr lang="ko-Kore-KR" altLang="en-US" dirty="0"/>
+                    </a:p>
+                  </a:txBody>
+                  <a:tcPr/>
+                </a:tc>
+                <a:extLst>
+                  <a:ext uri="{0D108BD9-81ED-4DB2-BD59-A6C34878D82A}">
+                    <a16:rowId xmlns:a16="http://schemas.microsoft.com/office/drawing/2014/main" val="3559688625"/>
+                  </a:ext>
+                </a:extLst>
+              </a:tr>
+              <a:tr h="771701">
+                <a:tc>
+                  <a:txBody>
+                    <a:bodyPr/>
+                    <a:lstStyle/>
+                    <a:p>
+                      <a:pPr marL="285750" indent="-285750" algn="l">
+                        <a:buFont typeface="Arial" panose="020B0604020202020204" pitchFamily="34" charset="0"/>
+                        <a:buChar char="•"/>
+                      </a:pPr>
+                      <a:endParaRPr lang="en-US" altLang="ko-Kore-KR" dirty="0"/>
+                    </a:p>
+                  </a:txBody>
+                  <a:tcPr/>
+                </a:tc>
+                <a:extLst>
+                  <a:ext uri="{0D108BD9-81ED-4DB2-BD59-A6C34878D82A}">
+                    <a16:rowId xmlns:a16="http://schemas.microsoft.com/office/drawing/2014/main" val="3230167247"/>
+                  </a:ext>
+                </a:extLst>
+              </a:tr>
+            </a:tbl>
+          </a:graphicData>
+        </a:graphic>
+      </p:graphicFrame>
+      <p:cxnSp>
+        <p:nvCxnSpPr>
+          <p:cNvPr id="29" name="직선 연결선[R] 28">
+            <a:extLst>
+              <a:ext uri="{FF2B5EF4-FFF2-40B4-BE49-F238E27FC236}">
+                <a16:creationId xmlns:a16="http://schemas.microsoft.com/office/drawing/2014/main" id="{C40BACC6-DA1A-0526-9044-5D86A46B41B7}"/>
+              </a:ext>
+            </a:extLst>
+          </p:cNvPr>
+          <p:cNvCxnSpPr/>
+          <p:nvPr/>
+        </p:nvCxnSpPr>
+        <p:spPr>
+          <a:xfrm>
+            <a:off x="7025757" y="4948393"/>
+            <a:ext cx="2301358" cy="0"/>
+          </a:xfrm>
+          <a:prstGeom prst="line">
+            <a:avLst/>
+          </a:prstGeom>
+        </p:spPr>
+        <p:style>
+          <a:lnRef idx="3">
+            <a:schemeClr val="accent5"/>
+          </a:lnRef>
+          <a:fillRef idx="0">
+            <a:schemeClr val="accent5"/>
+          </a:fillRef>
+          <a:effectRef idx="2">
+            <a:schemeClr val="accent5"/>
+          </a:effectRef>
+          <a:fontRef idx="minor">
+            <a:schemeClr val="tx1"/>
+          </a:fontRef>
+        </p:style>
+      </p:cxnSp>
+      <p:cxnSp>
+        <p:nvCxnSpPr>
+          <p:cNvPr id="30" name="직선 연결선[R] 29">
+            <a:extLst>
+              <a:ext uri="{FF2B5EF4-FFF2-40B4-BE49-F238E27FC236}">
+                <a16:creationId xmlns:a16="http://schemas.microsoft.com/office/drawing/2014/main" id="{A2F2ACEB-BB82-D007-2A19-9B4EB149B3DE}"/>
+              </a:ext>
+            </a:extLst>
+          </p:cNvPr>
+          <p:cNvCxnSpPr>
+            <a:cxnSpLocks/>
+          </p:cNvCxnSpPr>
+          <p:nvPr/>
+        </p:nvCxnSpPr>
+        <p:spPr>
+          <a:xfrm>
+            <a:off x="7114362" y="4827892"/>
+            <a:ext cx="0" cy="241002"/>
+          </a:xfrm>
+          <a:prstGeom prst="line">
+            <a:avLst/>
+          </a:prstGeom>
+        </p:spPr>
+        <p:style>
+          <a:lnRef idx="3">
+            <a:schemeClr val="accent5"/>
+          </a:lnRef>
+          <a:fillRef idx="0">
+            <a:schemeClr val="accent5"/>
+          </a:fillRef>
+          <a:effectRef idx="2">
+            <a:schemeClr val="accent5"/>
+          </a:effectRef>
+          <a:fontRef idx="minor">
+            <a:schemeClr val="tx1"/>
+          </a:fontRef>
+        </p:style>
+      </p:cxnSp>
+      <p:cxnSp>
+        <p:nvCxnSpPr>
+          <p:cNvPr id="31" name="직선 연결선[R] 30">
+            <a:extLst>
+              <a:ext uri="{FF2B5EF4-FFF2-40B4-BE49-F238E27FC236}">
+                <a16:creationId xmlns:a16="http://schemas.microsoft.com/office/drawing/2014/main" id="{80032229-C2AA-28BE-BA77-1834DA7D2C6D}"/>
+              </a:ext>
+            </a:extLst>
+          </p:cNvPr>
+          <p:cNvCxnSpPr>
+            <a:cxnSpLocks/>
+          </p:cNvCxnSpPr>
+          <p:nvPr/>
+        </p:nvCxnSpPr>
+        <p:spPr>
+          <a:xfrm flipH="1">
+            <a:off x="9183576" y="4774924"/>
+            <a:ext cx="143539" cy="173469"/>
+          </a:xfrm>
+          <a:prstGeom prst="line">
+            <a:avLst/>
+          </a:prstGeom>
+        </p:spPr>
+        <p:style>
+          <a:lnRef idx="3">
+            <a:schemeClr val="accent5"/>
+          </a:lnRef>
+          <a:fillRef idx="0">
+            <a:schemeClr val="accent5"/>
+          </a:fillRef>
+          <a:effectRef idx="2">
+            <a:schemeClr val="accent5"/>
+          </a:effectRef>
+          <a:fontRef idx="minor">
+            <a:schemeClr val="tx1"/>
+          </a:fontRef>
+        </p:style>
+      </p:cxnSp>
+      <p:cxnSp>
+        <p:nvCxnSpPr>
+          <p:cNvPr id="32" name="직선 연결선[R] 31">
+            <a:extLst>
+              <a:ext uri="{FF2B5EF4-FFF2-40B4-BE49-F238E27FC236}">
+                <a16:creationId xmlns:a16="http://schemas.microsoft.com/office/drawing/2014/main" id="{62A85D41-C19F-0472-90E2-A22E6BF8F390}"/>
+              </a:ext>
+            </a:extLst>
+          </p:cNvPr>
+          <p:cNvCxnSpPr>
+            <a:cxnSpLocks/>
+          </p:cNvCxnSpPr>
+          <p:nvPr/>
+        </p:nvCxnSpPr>
+        <p:spPr>
+          <a:xfrm>
+            <a:off x="9183576" y="4946568"/>
+            <a:ext cx="152400" cy="154225"/>
+          </a:xfrm>
+          <a:prstGeom prst="line">
+            <a:avLst/>
+          </a:prstGeom>
+        </p:spPr>
+        <p:style>
+          <a:lnRef idx="3">
+            <a:schemeClr val="accent5"/>
+          </a:lnRef>
+          <a:fillRef idx="0">
+            <a:schemeClr val="accent5"/>
+          </a:fillRef>
+          <a:effectRef idx="2">
+            <a:schemeClr val="accent5"/>
+          </a:effectRef>
+          <a:fontRef idx="minor">
+            <a:schemeClr val="tx1"/>
+          </a:fontRef>
+        </p:style>
+      </p:cxnSp>
+      <p:sp>
+        <p:nvSpPr>
+          <p:cNvPr id="33" name="타원 32">
+            <a:extLst>
+              <a:ext uri="{FF2B5EF4-FFF2-40B4-BE49-F238E27FC236}">
+                <a16:creationId xmlns:a16="http://schemas.microsoft.com/office/drawing/2014/main" id="{8848787D-B7D3-A072-1AD1-DF347CBEDD94}"/>
+              </a:ext>
+            </a:extLst>
+          </p:cNvPr>
+          <p:cNvSpPr/>
+          <p:nvPr/>
+        </p:nvSpPr>
+        <p:spPr>
+          <a:xfrm>
+            <a:off x="9032062" y="4853213"/>
+            <a:ext cx="159488" cy="159488"/>
+          </a:xfrm>
+          <a:prstGeom prst="ellipse">
+            <a:avLst/>
+          </a:prstGeom>
+          <a:ln w="22225"/>
+        </p:spPr>
+        <p:style>
+          <a:lnRef idx="2">
+            <a:schemeClr val="accent5"/>
+          </a:lnRef>
+          <a:fillRef idx="1">
+            <a:schemeClr val="lt1"/>
+          </a:fillRef>
+          <a:effectRef idx="0">
+            <a:schemeClr val="accent5"/>
+          </a:effectRef>
+          <a:fontRef idx="minor">
+            <a:schemeClr val="dk1"/>
+          </a:fontRef>
+        </p:style>
+        <p:txBody>
+          <a:bodyPr rtlCol="0" anchor="ctr"/>
+          <a:lstStyle/>
+          <a:p>
+            <a:pPr algn="ctr"/>
+            <a:endParaRPr kumimoji="1" lang="ko-Kore-KR" altLang="en-US"/>
+          </a:p>
+        </p:txBody>
+      </p:sp>
+    </p:spTree>
+    <p:extLst>
+      <p:ext uri="{BB962C8B-B14F-4D97-AF65-F5344CB8AC3E}">
+        <p14:creationId xmlns:p14="http://schemas.microsoft.com/office/powerpoint/2010/main" val="2168811141"/>
+      </p:ext>
+    </p:extLst>
+  </p:cSld>
+  <p:clrMapOvr>
+    <a:masterClrMapping/>
+  </p:clrMapOvr>
+</p:sld>
+</file>
+
+<file path=ppt/slides/slide41.xml><?xml version="1.0" encoding="utf-8"?>
+<p:sld xmlns:a="http://schemas.openxmlformats.org/drawingml/2006/main" xmlns:r="http://schemas.openxmlformats.org/officeDocument/2006/relationships" xmlns:p="http://schemas.openxmlformats.org/presentationml/2006/main">
+  <p:cSld>
+    <p:spTree>
+      <p:nvGrpSpPr>
+        <p:cNvPr id="1" name=""/>
+        <p:cNvGrpSpPr/>
+        <p:nvPr/>
+      </p:nvGrpSpPr>
+      <p:grpSpPr>
+        <a:xfrm>
+          <a:off x="0" y="0"/>
+          <a:ext cx="0" cy="0"/>
+          <a:chOff x="0" y="0"/>
+          <a:chExt cx="0" cy="0"/>
+        </a:xfrm>
+      </p:grpSpPr>
+      <p:graphicFrame>
+        <p:nvGraphicFramePr>
+          <p:cNvPr id="2" name="표 2">
+            <a:extLst>
+              <a:ext uri="{FF2B5EF4-FFF2-40B4-BE49-F238E27FC236}">
+                <a16:creationId xmlns:a16="http://schemas.microsoft.com/office/drawing/2014/main" id="{BAEEBC3B-3A3B-9ABA-CE75-2188373A8D84}"/>
+              </a:ext>
+            </a:extLst>
+          </p:cNvPr>
+          <p:cNvGraphicFramePr>
+            <a:graphicFrameLocks noGrp="1"/>
+          </p:cNvGraphicFramePr>
+          <p:nvPr>
+            <p:extLst>
+              <p:ext uri="{D42A27DB-BD31-4B8C-83A1-F6EECF244321}">
+                <p14:modId xmlns:p14="http://schemas.microsoft.com/office/powerpoint/2010/main" val="695288716"/>
+              </p:ext>
+            </p:extLst>
+          </p:nvPr>
+        </p:nvGraphicFramePr>
+        <p:xfrm>
+          <a:off x="0" y="1323065"/>
+          <a:ext cx="3087575" cy="1244985"/>
+        </p:xfrm>
+        <a:graphic>
+          <a:graphicData uri="http://schemas.openxmlformats.org/drawingml/2006/table">
+            <a:tbl>
+              <a:tblPr firstRow="1" bandRow="1">
+                <a:tableStyleId>{5C22544A-7EE6-4342-B048-85BDC9FD1C3A}</a:tableStyleId>
+              </a:tblPr>
+              <a:tblGrid>
+                <a:gridCol w="3087575">
+                  <a:extLst>
+                    <a:ext uri="{9D8B030D-6E8A-4147-A177-3AD203B41FA5}">
+                      <a16:colId xmlns:a16="http://schemas.microsoft.com/office/drawing/2014/main" val="1965095789"/>
+                    </a:ext>
+                  </a:extLst>
+                </a:gridCol>
+              </a:tblGrid>
+              <a:tr h="152291">
+                <a:tc>
+                  <a:txBody>
+                    <a:bodyPr/>
+                    <a:lstStyle/>
+                    <a:p>
+                      <a:pPr algn="ctr"/>
+                      <a:r>
+                        <a:rPr lang="en-US" altLang="ko-Kore-KR" dirty="0" err="1"/>
+                        <a:t>MemberHandler</a:t>
+                      </a:r>
+                      <a:endParaRPr lang="ko-Kore-KR" altLang="en-US" dirty="0"/>
+                    </a:p>
+                  </a:txBody>
+                  <a:tcPr/>
+                </a:tc>
+                <a:extLst>
+                  <a:ext uri="{0D108BD9-81ED-4DB2-BD59-A6C34878D82A}">
+                    <a16:rowId xmlns:a16="http://schemas.microsoft.com/office/drawing/2014/main" val="3559688625"/>
+                  </a:ext>
+                </a:extLst>
+              </a:tr>
+              <a:tr h="879225">
+                <a:tc>
+                  <a:txBody>
+                    <a:bodyPr/>
+                    <a:lstStyle/>
+                    <a:p>
+                      <a:pPr marL="0" indent="0" algn="l">
+                        <a:buFont typeface="Arial" panose="020B0604020202020204" pitchFamily="34" charset="0"/>
+                        <a:buNone/>
+                      </a:pPr>
+                      <a:r>
+                        <a:rPr lang="en-US" altLang="ko-Kore-KR" dirty="0" err="1"/>
+                        <a:t>MariaDBMemberDao</a:t>
+                      </a:r>
+                      <a:r>
+                        <a:rPr lang="en-US" altLang="ko-Kore-KR" dirty="0"/>
+                        <a:t> </a:t>
+                      </a:r>
+                      <a:r>
+                        <a:rPr lang="en-US" altLang="ko-Kore-KR" dirty="0" err="1"/>
+                        <a:t>dao</a:t>
+                      </a:r>
+                      <a:r>
+                        <a:rPr lang="en-US" altLang="ko-Kore-KR" dirty="0"/>
+                        <a:t>;</a:t>
+                      </a:r>
+                    </a:p>
+                  </a:txBody>
+                  <a:tcPr/>
+                </a:tc>
+                <a:extLst>
+                  <a:ext uri="{0D108BD9-81ED-4DB2-BD59-A6C34878D82A}">
+                    <a16:rowId xmlns:a16="http://schemas.microsoft.com/office/drawing/2014/main" val="3230167247"/>
+                  </a:ext>
+                </a:extLst>
+              </a:tr>
+            </a:tbl>
+          </a:graphicData>
+        </a:graphic>
+      </p:graphicFrame>
+      <p:graphicFrame>
+        <p:nvGraphicFramePr>
+          <p:cNvPr id="3" name="표 2">
+            <a:extLst>
+              <a:ext uri="{FF2B5EF4-FFF2-40B4-BE49-F238E27FC236}">
+                <a16:creationId xmlns:a16="http://schemas.microsoft.com/office/drawing/2014/main" id="{0BA5BC13-F4CC-867D-3C9B-9B722E5896FD}"/>
+              </a:ext>
+            </a:extLst>
+          </p:cNvPr>
+          <p:cNvGraphicFramePr>
+            <a:graphicFrameLocks noGrp="1"/>
+          </p:cNvGraphicFramePr>
+          <p:nvPr>
+            <p:extLst>
+              <p:ext uri="{D42A27DB-BD31-4B8C-83A1-F6EECF244321}">
+                <p14:modId xmlns:p14="http://schemas.microsoft.com/office/powerpoint/2010/main" val="3462577150"/>
+              </p:ext>
+            </p:extLst>
+          </p:nvPr>
+        </p:nvGraphicFramePr>
+        <p:xfrm>
+          <a:off x="4777740" y="928494"/>
+          <a:ext cx="2858975" cy="2034126"/>
+        </p:xfrm>
+        <a:graphic>
+          <a:graphicData uri="http://schemas.openxmlformats.org/drawingml/2006/table">
+            <a:tbl>
+              <a:tblPr firstRow="1" bandRow="1">
+                <a:tableStyleId>{5C22544A-7EE6-4342-B048-85BDC9FD1C3A}</a:tableStyleId>
+              </a:tblPr>
+              <a:tblGrid>
+                <a:gridCol w="2858975">
+                  <a:extLst>
+                    <a:ext uri="{9D8B030D-6E8A-4147-A177-3AD203B41FA5}">
+                      <a16:colId xmlns:a16="http://schemas.microsoft.com/office/drawing/2014/main" val="1965095789"/>
+                    </a:ext>
+                  </a:extLst>
+                </a:gridCol>
+              </a:tblGrid>
+              <a:tr h="288979">
+                <a:tc>
+                  <a:txBody>
+                    <a:bodyPr/>
+                    <a:lstStyle/>
+                    <a:p>
+                      <a:pPr algn="ctr"/>
+                      <a:r>
+                        <a:rPr lang="en-US" altLang="ko-Kore-KR" dirty="0" err="1"/>
+                        <a:t>MariaDBMemberDao</a:t>
+                      </a:r>
+                      <a:endParaRPr lang="ko-Kore-KR" altLang="en-US" dirty="0"/>
+                    </a:p>
+                  </a:txBody>
+                  <a:tcPr/>
+                </a:tc>
+                <a:extLst>
+                  <a:ext uri="{0D108BD9-81ED-4DB2-BD59-A6C34878D82A}">
+                    <a16:rowId xmlns:a16="http://schemas.microsoft.com/office/drawing/2014/main" val="3559688625"/>
+                  </a:ext>
+                </a:extLst>
+              </a:tr>
+              <a:tr h="1668366">
+                <a:tc>
+                  <a:txBody>
+                    <a:bodyPr/>
+                    <a:lstStyle/>
+                    <a:p>
+                      <a:pPr marL="285750" indent="-285750" algn="l">
+                        <a:buFont typeface="Arial" panose="020B0604020202020204" pitchFamily="34" charset="0"/>
+                        <a:buChar char="•"/>
+                      </a:pPr>
+                      <a:r>
+                        <a:rPr lang="en-US" altLang="ko-Kore-KR" dirty="0"/>
+                        <a:t>insert(){}</a:t>
+                      </a:r>
+                    </a:p>
+                    <a:p>
+                      <a:pPr marL="285750" indent="-285750" algn="l">
+                        <a:buFont typeface="Arial" panose="020B0604020202020204" pitchFamily="34" charset="0"/>
+                        <a:buChar char="•"/>
+                      </a:pPr>
+                      <a:r>
+                        <a:rPr lang="en-US" altLang="ko-Kore-KR" dirty="0" err="1"/>
+                        <a:t>findAll</a:t>
+                      </a:r>
+                      <a:r>
+                        <a:rPr lang="en-US" altLang="ko-Kore-KR" dirty="0"/>
+                        <a:t>(){}</a:t>
+                      </a:r>
+                    </a:p>
+                    <a:p>
+                      <a:pPr marL="285750" indent="-285750" algn="l">
+                        <a:buFont typeface="Arial" panose="020B0604020202020204" pitchFamily="34" charset="0"/>
+                        <a:buChar char="•"/>
+                      </a:pPr>
+                      <a:r>
+                        <a:rPr lang="en-US" altLang="ko-Kore-KR" dirty="0" err="1"/>
+                        <a:t>findByNo</a:t>
+                      </a:r>
+                      <a:r>
+                        <a:rPr lang="en-US" altLang="ko-Kore-KR" dirty="0"/>
+                        <a:t>(){}</a:t>
+                      </a:r>
+                    </a:p>
+                    <a:p>
+                      <a:pPr marL="285750" indent="-285750" algn="l">
+                        <a:buFont typeface="Arial" panose="020B0604020202020204" pitchFamily="34" charset="0"/>
+                        <a:buChar char="•"/>
+                      </a:pPr>
+                      <a:r>
+                        <a:rPr lang="en-US" altLang="ko-Kore-KR" dirty="0"/>
+                        <a:t>update(){}</a:t>
+                      </a:r>
+                    </a:p>
+                    <a:p>
+                      <a:pPr marL="285750" indent="-285750" algn="l">
+                        <a:buFont typeface="Arial" panose="020B0604020202020204" pitchFamily="34" charset="0"/>
+                        <a:buChar char="•"/>
+                      </a:pPr>
+                      <a:r>
+                        <a:rPr lang="en-US" altLang="ko-Kore-KR" dirty="0"/>
+                        <a:t>delete(){}</a:t>
+                      </a:r>
+                    </a:p>
+                  </a:txBody>
+                  <a:tcPr/>
+                </a:tc>
+                <a:extLst>
+                  <a:ext uri="{0D108BD9-81ED-4DB2-BD59-A6C34878D82A}">
+                    <a16:rowId xmlns:a16="http://schemas.microsoft.com/office/drawing/2014/main" val="3230167247"/>
+                  </a:ext>
+                </a:extLst>
+              </a:tr>
+            </a:tbl>
+          </a:graphicData>
+        </a:graphic>
+      </p:graphicFrame>
+      <p:cxnSp>
+        <p:nvCxnSpPr>
+          <p:cNvPr id="5" name="직선 화살표 연결선 4">
+            <a:extLst>
+              <a:ext uri="{FF2B5EF4-FFF2-40B4-BE49-F238E27FC236}">
+                <a16:creationId xmlns:a16="http://schemas.microsoft.com/office/drawing/2014/main" id="{A0CAEC9E-63A6-DB92-3876-B08CB3FAF7CD}"/>
+              </a:ext>
+            </a:extLst>
+          </p:cNvPr>
+          <p:cNvCxnSpPr>
+            <a:cxnSpLocks/>
+            <a:stCxn id="2" idx="3"/>
+            <a:endCxn id="3" idx="1"/>
+          </p:cNvCxnSpPr>
+          <p:nvPr/>
+        </p:nvCxnSpPr>
+        <p:spPr>
+          <a:xfrm>
+            <a:off x="3087575" y="1945557"/>
+            <a:ext cx="1690165" cy="0"/>
+          </a:xfrm>
+          <a:prstGeom prst="straightConnector1">
+            <a:avLst/>
+          </a:prstGeom>
+          <a:ln>
+            <a:tailEnd type="triangle"/>
+          </a:ln>
+        </p:spPr>
+        <p:style>
+          <a:lnRef idx="3">
+            <a:schemeClr val="accent1"/>
+          </a:lnRef>
+          <a:fillRef idx="0">
+            <a:schemeClr val="accent1"/>
+          </a:fillRef>
+          <a:effectRef idx="2">
+            <a:schemeClr val="accent1"/>
+          </a:effectRef>
+          <a:fontRef idx="minor">
+            <a:schemeClr val="tx1"/>
+          </a:fontRef>
+        </p:style>
+      </p:cxnSp>
+      <p:sp>
+        <p:nvSpPr>
+          <p:cNvPr id="10" name="다이아몬드 9">
+            <a:extLst>
+              <a:ext uri="{FF2B5EF4-FFF2-40B4-BE49-F238E27FC236}">
+                <a16:creationId xmlns:a16="http://schemas.microsoft.com/office/drawing/2014/main" id="{83E1BFE0-E8D8-167C-5735-59298EA9D559}"/>
+              </a:ext>
+            </a:extLst>
+          </p:cNvPr>
+          <p:cNvSpPr/>
+          <p:nvPr/>
+        </p:nvSpPr>
+        <p:spPr>
+          <a:xfrm>
+            <a:off x="3059000" y="1802682"/>
+            <a:ext cx="285750" cy="285750"/>
+          </a:xfrm>
+          <a:prstGeom prst="diamond">
+            <a:avLst/>
+          </a:prstGeom>
+        </p:spPr>
+        <p:style>
+          <a:lnRef idx="2">
+            <a:schemeClr val="accent1">
+              <a:shade val="50000"/>
+            </a:schemeClr>
+          </a:lnRef>
+          <a:fillRef idx="1">
+            <a:schemeClr val="accent1"/>
+          </a:fillRef>
+          <a:effectRef idx="0">
+            <a:schemeClr val="accent1"/>
+          </a:effectRef>
+          <a:fontRef idx="minor">
+            <a:schemeClr val="lt1"/>
+          </a:fontRef>
+        </p:style>
+        <p:txBody>
+          <a:bodyPr rtlCol="0" anchor="ctr"/>
+          <a:lstStyle/>
+          <a:p>
+            <a:pPr algn="ctr"/>
+            <a:endParaRPr kumimoji="1" lang="ko-Kore-KR" altLang="en-US"/>
+          </a:p>
+        </p:txBody>
+      </p:sp>
+      <p:sp>
+        <p:nvSpPr>
+          <p:cNvPr id="11" name="타원 10">
+            <a:extLst>
+              <a:ext uri="{FF2B5EF4-FFF2-40B4-BE49-F238E27FC236}">
+                <a16:creationId xmlns:a16="http://schemas.microsoft.com/office/drawing/2014/main" id="{A3D0B1CF-3723-C4C3-FBAD-31405D0D2724}"/>
+              </a:ext>
+            </a:extLst>
+          </p:cNvPr>
+          <p:cNvSpPr/>
+          <p:nvPr/>
+        </p:nvSpPr>
+        <p:spPr>
+          <a:xfrm>
+            <a:off x="8703515" y="1357355"/>
+            <a:ext cx="251460" cy="251460"/>
+          </a:xfrm>
+          <a:prstGeom prst="ellipse">
+            <a:avLst/>
+          </a:prstGeom>
+        </p:spPr>
+        <p:style>
+          <a:lnRef idx="2">
+            <a:schemeClr val="accent1">
+              <a:shade val="50000"/>
+            </a:schemeClr>
+          </a:lnRef>
+          <a:fillRef idx="1">
+            <a:schemeClr val="accent1"/>
+          </a:fillRef>
+          <a:effectRef idx="0">
+            <a:schemeClr val="accent1"/>
+          </a:effectRef>
+          <a:fontRef idx="minor">
+            <a:schemeClr val="lt1"/>
+          </a:fontRef>
+        </p:style>
+        <p:txBody>
+          <a:bodyPr rtlCol="0" anchor="ctr"/>
+          <a:lstStyle/>
+          <a:p>
+            <a:pPr algn="ctr"/>
+            <a:r>
+              <a:rPr kumimoji="1" lang="en-US" altLang="ko-Kore-KR" sz="1200" dirty="0"/>
+              <a:t>c</a:t>
+            </a:r>
+            <a:endParaRPr kumimoji="1" lang="ko-Kore-KR" altLang="en-US" sz="1200" dirty="0"/>
+          </a:p>
+        </p:txBody>
+      </p:sp>
+      <p:sp>
+        <p:nvSpPr>
+          <p:cNvPr id="12" name="타원 11">
+            <a:extLst>
+              <a:ext uri="{FF2B5EF4-FFF2-40B4-BE49-F238E27FC236}">
+                <a16:creationId xmlns:a16="http://schemas.microsoft.com/office/drawing/2014/main" id="{45B7C12F-925A-34BA-F1E4-21A322041333}"/>
+              </a:ext>
+            </a:extLst>
+          </p:cNvPr>
+          <p:cNvSpPr/>
+          <p:nvPr/>
+        </p:nvSpPr>
+        <p:spPr>
+          <a:xfrm>
+            <a:off x="10421825" y="1357355"/>
+            <a:ext cx="251460" cy="251460"/>
+          </a:xfrm>
+          <a:prstGeom prst="ellipse">
+            <a:avLst/>
+          </a:prstGeom>
+        </p:spPr>
+        <p:style>
+          <a:lnRef idx="2">
+            <a:schemeClr val="accent1">
+              <a:shade val="50000"/>
+            </a:schemeClr>
+          </a:lnRef>
+          <a:fillRef idx="1">
+            <a:schemeClr val="accent1"/>
+          </a:fillRef>
+          <a:effectRef idx="0">
+            <a:schemeClr val="accent1"/>
+          </a:effectRef>
+          <a:fontRef idx="minor">
+            <a:schemeClr val="lt1"/>
+          </a:fontRef>
+        </p:style>
+        <p:txBody>
+          <a:bodyPr rtlCol="0" anchor="ctr"/>
+          <a:lstStyle/>
+          <a:p>
+            <a:pPr algn="ctr"/>
+            <a:r>
+              <a:rPr kumimoji="1" lang="en-US" altLang="ko-Kore-KR" sz="1200" dirty="0"/>
+              <a:t>T</a:t>
+            </a:r>
+            <a:endParaRPr kumimoji="1" lang="ko-Kore-KR" altLang="en-US" sz="1200" dirty="0"/>
+          </a:p>
+        </p:txBody>
+      </p:sp>
+      <p:cxnSp>
+        <p:nvCxnSpPr>
+          <p:cNvPr id="14" name="직선 화살표 연결선 13">
+            <a:extLst>
+              <a:ext uri="{FF2B5EF4-FFF2-40B4-BE49-F238E27FC236}">
+                <a16:creationId xmlns:a16="http://schemas.microsoft.com/office/drawing/2014/main" id="{06D93986-C27F-34A5-28A0-8AB6135D31A2}"/>
+              </a:ext>
+            </a:extLst>
+          </p:cNvPr>
+          <p:cNvCxnSpPr>
+            <a:stCxn id="11" idx="6"/>
+            <a:endCxn id="12" idx="2"/>
+          </p:cNvCxnSpPr>
+          <p:nvPr/>
+        </p:nvCxnSpPr>
+        <p:spPr>
+          <a:xfrm>
+            <a:off x="8954975" y="1483085"/>
+            <a:ext cx="1466850" cy="0"/>
+          </a:xfrm>
+          <a:prstGeom prst="straightConnector1">
+            <a:avLst/>
+          </a:prstGeom>
+          <a:ln>
+            <a:headEnd type="triangle"/>
+            <a:tailEnd type="triangle"/>
+          </a:ln>
+        </p:spPr>
+        <p:style>
+          <a:lnRef idx="3">
+            <a:schemeClr val="accent1"/>
+          </a:lnRef>
+          <a:fillRef idx="0">
+            <a:schemeClr val="accent1"/>
+          </a:fillRef>
+          <a:effectRef idx="2">
+            <a:schemeClr val="accent1"/>
+          </a:effectRef>
+          <a:fontRef idx="minor">
+            <a:schemeClr val="tx1"/>
+          </a:fontRef>
+        </p:style>
+      </p:cxnSp>
+      <p:cxnSp>
+        <p:nvCxnSpPr>
+          <p:cNvPr id="15" name="직선 화살표 연결선 14">
+            <a:extLst>
+              <a:ext uri="{FF2B5EF4-FFF2-40B4-BE49-F238E27FC236}">
+                <a16:creationId xmlns:a16="http://schemas.microsoft.com/office/drawing/2014/main" id="{DBA03E4F-C523-2E5D-B23D-CE9F2BC2F686}"/>
+              </a:ext>
+            </a:extLst>
+          </p:cNvPr>
+          <p:cNvCxnSpPr>
+            <a:cxnSpLocks/>
+            <a:endCxn id="11" idx="2"/>
+          </p:cNvCxnSpPr>
+          <p:nvPr/>
+        </p:nvCxnSpPr>
+        <p:spPr>
+          <a:xfrm>
+            <a:off x="6096000" y="1483085"/>
+            <a:ext cx="2607515" cy="0"/>
+          </a:xfrm>
+          <a:prstGeom prst="straightConnector1">
+            <a:avLst/>
+          </a:prstGeom>
+          <a:ln>
+            <a:tailEnd type="triangle"/>
+          </a:ln>
+        </p:spPr>
+        <p:style>
+          <a:lnRef idx="3">
+            <a:schemeClr val="accent1"/>
+          </a:lnRef>
+          <a:fillRef idx="0">
+            <a:schemeClr val="accent1"/>
+          </a:fillRef>
+          <a:effectRef idx="2">
+            <a:schemeClr val="accent1"/>
+          </a:effectRef>
+          <a:fontRef idx="minor">
+            <a:schemeClr val="tx1"/>
+          </a:fontRef>
+        </p:style>
+      </p:cxnSp>
+      <p:sp>
+        <p:nvSpPr>
+          <p:cNvPr id="18" name="TextBox 17">
+            <a:extLst>
+              <a:ext uri="{FF2B5EF4-FFF2-40B4-BE49-F238E27FC236}">
+                <a16:creationId xmlns:a16="http://schemas.microsoft.com/office/drawing/2014/main" id="{DB39E11D-3B3A-4585-07AA-9A1B8899E8CC}"/>
+              </a:ext>
+            </a:extLst>
+          </p:cNvPr>
+          <p:cNvSpPr txBox="1"/>
+          <p:nvPr/>
+        </p:nvSpPr>
+        <p:spPr>
+          <a:xfrm>
+            <a:off x="9941008" y="224790"/>
+            <a:ext cx="1213094" cy="261610"/>
+          </a:xfrm>
+          <a:prstGeom prst="rect">
+            <a:avLst/>
+          </a:prstGeom>
+          <a:ln>
+            <a:solidFill>
+              <a:srgbClr val="FDA9F7"/>
+            </a:solidFill>
+          </a:ln>
+        </p:spPr>
+        <p:style>
+          <a:lnRef idx="2">
+            <a:schemeClr val="accent3"/>
+          </a:lnRef>
+          <a:fillRef idx="1">
+            <a:schemeClr val="lt1"/>
+          </a:fillRef>
+          <a:effectRef idx="0">
+            <a:schemeClr val="accent3"/>
+          </a:effectRef>
+          <a:fontRef idx="minor">
+            <a:schemeClr val="dk1"/>
+          </a:fontRef>
+        </p:style>
+        <p:txBody>
+          <a:bodyPr wrap="square" rtlCol="0">
+            <a:spAutoFit/>
+          </a:bodyPr>
+          <a:lstStyle/>
+          <a:p>
+            <a:pPr algn="ctr"/>
+            <a:r>
+              <a:rPr kumimoji="1" lang="en-US" altLang="ko-Kore-KR" sz="1100" b="1" dirty="0"/>
+              <a:t>DBMS </a:t>
+            </a:r>
+            <a:r>
+              <a:rPr kumimoji="1" lang="ko-KR" altLang="en-US" sz="1100" b="1" dirty="0"/>
+              <a:t>서버</a:t>
+            </a:r>
+            <a:endParaRPr kumimoji="1" lang="ko-Kore-KR" altLang="en-US" sz="1100" b="1" dirty="0"/>
+          </a:p>
+        </p:txBody>
+      </p:sp>
+      <p:sp>
+        <p:nvSpPr>
+          <p:cNvPr id="19" name="타원 18">
+            <a:extLst>
+              <a:ext uri="{FF2B5EF4-FFF2-40B4-BE49-F238E27FC236}">
+                <a16:creationId xmlns:a16="http://schemas.microsoft.com/office/drawing/2014/main" id="{C5247A5E-4983-7F0F-73E9-C18B6FF021F1}"/>
+              </a:ext>
+            </a:extLst>
+          </p:cNvPr>
+          <p:cNvSpPr/>
+          <p:nvPr/>
+        </p:nvSpPr>
+        <p:spPr>
+          <a:xfrm>
+            <a:off x="8703515" y="1642662"/>
+            <a:ext cx="251460" cy="251460"/>
+          </a:xfrm>
+          <a:prstGeom prst="ellipse">
+            <a:avLst/>
+          </a:prstGeom>
+        </p:spPr>
+        <p:style>
+          <a:lnRef idx="2">
+            <a:schemeClr val="accent1">
+              <a:shade val="50000"/>
+            </a:schemeClr>
+          </a:lnRef>
+          <a:fillRef idx="1">
+            <a:schemeClr val="accent1"/>
+          </a:fillRef>
+          <a:effectRef idx="0">
+            <a:schemeClr val="accent1"/>
+          </a:effectRef>
+          <a:fontRef idx="minor">
+            <a:schemeClr val="lt1"/>
+          </a:fontRef>
+        </p:style>
+        <p:txBody>
+          <a:bodyPr rtlCol="0" anchor="ctr"/>
+          <a:lstStyle/>
+          <a:p>
+            <a:pPr algn="ctr"/>
+            <a:r>
+              <a:rPr kumimoji="1" lang="en-US" altLang="ko-Kore-KR" sz="1200" dirty="0"/>
+              <a:t>c</a:t>
+            </a:r>
+            <a:endParaRPr kumimoji="1" lang="ko-Kore-KR" altLang="en-US" sz="1200" dirty="0"/>
+          </a:p>
+        </p:txBody>
+      </p:sp>
+      <p:sp>
+        <p:nvSpPr>
+          <p:cNvPr id="20" name="타원 19">
+            <a:extLst>
+              <a:ext uri="{FF2B5EF4-FFF2-40B4-BE49-F238E27FC236}">
+                <a16:creationId xmlns:a16="http://schemas.microsoft.com/office/drawing/2014/main" id="{C4595B6E-75B8-4FE0-72E1-BFFC19B86CCA}"/>
+              </a:ext>
+            </a:extLst>
+          </p:cNvPr>
+          <p:cNvSpPr/>
+          <p:nvPr/>
+        </p:nvSpPr>
+        <p:spPr>
+          <a:xfrm>
+            <a:off x="10421825" y="1642662"/>
+            <a:ext cx="251460" cy="251460"/>
+          </a:xfrm>
+          <a:prstGeom prst="ellipse">
+            <a:avLst/>
+          </a:prstGeom>
+        </p:spPr>
+        <p:style>
+          <a:lnRef idx="2">
+            <a:schemeClr val="accent1">
+              <a:shade val="50000"/>
+            </a:schemeClr>
+          </a:lnRef>
+          <a:fillRef idx="1">
+            <a:schemeClr val="accent1"/>
+          </a:fillRef>
+          <a:effectRef idx="0">
+            <a:schemeClr val="accent1"/>
+          </a:effectRef>
+          <a:fontRef idx="minor">
+            <a:schemeClr val="lt1"/>
+          </a:fontRef>
+        </p:style>
+        <p:txBody>
+          <a:bodyPr rtlCol="0" anchor="ctr"/>
+          <a:lstStyle/>
+          <a:p>
+            <a:pPr algn="ctr"/>
+            <a:r>
+              <a:rPr kumimoji="1" lang="en-US" altLang="ko-Kore-KR" sz="1200" dirty="0"/>
+              <a:t>T</a:t>
+            </a:r>
+            <a:endParaRPr kumimoji="1" lang="ko-Kore-KR" altLang="en-US" sz="1200" dirty="0"/>
+          </a:p>
+        </p:txBody>
+      </p:sp>
+      <p:cxnSp>
+        <p:nvCxnSpPr>
+          <p:cNvPr id="21" name="직선 화살표 연결선 20">
+            <a:extLst>
+              <a:ext uri="{FF2B5EF4-FFF2-40B4-BE49-F238E27FC236}">
+                <a16:creationId xmlns:a16="http://schemas.microsoft.com/office/drawing/2014/main" id="{9FF83FEF-C09A-A540-895C-0B1710DC7FCB}"/>
+              </a:ext>
+            </a:extLst>
+          </p:cNvPr>
+          <p:cNvCxnSpPr>
+            <a:stCxn id="19" idx="6"/>
+            <a:endCxn id="20" idx="2"/>
+          </p:cNvCxnSpPr>
+          <p:nvPr/>
+        </p:nvCxnSpPr>
+        <p:spPr>
+          <a:xfrm>
+            <a:off x="8954975" y="1768392"/>
+            <a:ext cx="1466850" cy="0"/>
+          </a:xfrm>
+          <a:prstGeom prst="straightConnector1">
+            <a:avLst/>
+          </a:prstGeom>
+          <a:ln>
+            <a:headEnd type="triangle"/>
+            <a:tailEnd type="triangle"/>
+          </a:ln>
+        </p:spPr>
+        <p:style>
+          <a:lnRef idx="3">
+            <a:schemeClr val="accent1"/>
+          </a:lnRef>
+          <a:fillRef idx="0">
+            <a:schemeClr val="accent1"/>
+          </a:fillRef>
+          <a:effectRef idx="2">
+            <a:schemeClr val="accent1"/>
+          </a:effectRef>
+          <a:fontRef idx="minor">
+            <a:schemeClr val="tx1"/>
+          </a:fontRef>
+        </p:style>
+      </p:cxnSp>
+      <p:cxnSp>
+        <p:nvCxnSpPr>
+          <p:cNvPr id="22" name="직선 화살표 연결선 21">
+            <a:extLst>
+              <a:ext uri="{FF2B5EF4-FFF2-40B4-BE49-F238E27FC236}">
+                <a16:creationId xmlns:a16="http://schemas.microsoft.com/office/drawing/2014/main" id="{4EA7309D-EA7E-A414-FFFD-60A4D78BB484}"/>
+              </a:ext>
+            </a:extLst>
+          </p:cNvPr>
+          <p:cNvCxnSpPr>
+            <a:cxnSpLocks/>
+            <a:endCxn id="19" idx="2"/>
+          </p:cNvCxnSpPr>
+          <p:nvPr/>
+        </p:nvCxnSpPr>
+        <p:spPr>
+          <a:xfrm>
+            <a:off x="6229350" y="1768392"/>
+            <a:ext cx="2474165" cy="0"/>
+          </a:xfrm>
+          <a:prstGeom prst="straightConnector1">
+            <a:avLst/>
+          </a:prstGeom>
+          <a:ln>
+            <a:tailEnd type="triangle"/>
+          </a:ln>
+        </p:spPr>
+        <p:style>
+          <a:lnRef idx="3">
+            <a:schemeClr val="accent1"/>
+          </a:lnRef>
+          <a:fillRef idx="0">
+            <a:schemeClr val="accent1"/>
+          </a:fillRef>
+          <a:effectRef idx="2">
+            <a:schemeClr val="accent1"/>
+          </a:effectRef>
+          <a:fontRef idx="minor">
+            <a:schemeClr val="tx1"/>
+          </a:fontRef>
+        </p:style>
+      </p:cxnSp>
+      <p:sp>
+        <p:nvSpPr>
+          <p:cNvPr id="24" name="타원 23">
+            <a:extLst>
+              <a:ext uri="{FF2B5EF4-FFF2-40B4-BE49-F238E27FC236}">
+                <a16:creationId xmlns:a16="http://schemas.microsoft.com/office/drawing/2014/main" id="{8A5E2637-691B-95FF-92B0-38E33AE72E18}"/>
+              </a:ext>
+            </a:extLst>
+          </p:cNvPr>
+          <p:cNvSpPr/>
+          <p:nvPr/>
+        </p:nvSpPr>
+        <p:spPr>
+          <a:xfrm>
+            <a:off x="8718755" y="1955082"/>
+            <a:ext cx="251460" cy="251460"/>
+          </a:xfrm>
+          <a:prstGeom prst="ellipse">
+            <a:avLst/>
+          </a:prstGeom>
+        </p:spPr>
+        <p:style>
+          <a:lnRef idx="2">
+            <a:schemeClr val="accent1">
+              <a:shade val="50000"/>
+            </a:schemeClr>
+          </a:lnRef>
+          <a:fillRef idx="1">
+            <a:schemeClr val="accent1"/>
+          </a:fillRef>
+          <a:effectRef idx="0">
+            <a:schemeClr val="accent1"/>
+          </a:effectRef>
+          <a:fontRef idx="minor">
+            <a:schemeClr val="lt1"/>
+          </a:fontRef>
+        </p:style>
+        <p:txBody>
+          <a:bodyPr rtlCol="0" anchor="ctr"/>
+          <a:lstStyle/>
+          <a:p>
+            <a:pPr algn="ctr"/>
+            <a:r>
+              <a:rPr kumimoji="1" lang="en-US" altLang="ko-Kore-KR" sz="1200" dirty="0"/>
+              <a:t>c</a:t>
+            </a:r>
+            <a:endParaRPr kumimoji="1" lang="ko-Kore-KR" altLang="en-US" sz="1200" dirty="0"/>
+          </a:p>
+        </p:txBody>
+      </p:sp>
+      <p:sp>
+        <p:nvSpPr>
+          <p:cNvPr id="25" name="타원 24">
+            <a:extLst>
+              <a:ext uri="{FF2B5EF4-FFF2-40B4-BE49-F238E27FC236}">
+                <a16:creationId xmlns:a16="http://schemas.microsoft.com/office/drawing/2014/main" id="{414E73C8-E5E8-2E72-6880-F3853B682650}"/>
+              </a:ext>
+            </a:extLst>
+          </p:cNvPr>
+          <p:cNvSpPr/>
+          <p:nvPr/>
+        </p:nvSpPr>
+        <p:spPr>
+          <a:xfrm>
+            <a:off x="10437065" y="1955082"/>
+            <a:ext cx="251460" cy="251460"/>
+          </a:xfrm>
+          <a:prstGeom prst="ellipse">
+            <a:avLst/>
+          </a:prstGeom>
+        </p:spPr>
+        <p:style>
+          <a:lnRef idx="2">
+            <a:schemeClr val="accent1">
+              <a:shade val="50000"/>
+            </a:schemeClr>
+          </a:lnRef>
+          <a:fillRef idx="1">
+            <a:schemeClr val="accent1"/>
+          </a:fillRef>
+          <a:effectRef idx="0">
+            <a:schemeClr val="accent1"/>
+          </a:effectRef>
+          <a:fontRef idx="minor">
+            <a:schemeClr val="lt1"/>
+          </a:fontRef>
+        </p:style>
+        <p:txBody>
+          <a:bodyPr rtlCol="0" anchor="ctr"/>
+          <a:lstStyle/>
+          <a:p>
+            <a:pPr algn="ctr"/>
+            <a:r>
+              <a:rPr kumimoji="1" lang="en-US" altLang="ko-Kore-KR" sz="1200" dirty="0"/>
+              <a:t>T</a:t>
+            </a:r>
+            <a:endParaRPr kumimoji="1" lang="ko-Kore-KR" altLang="en-US" sz="1200" dirty="0"/>
+          </a:p>
+        </p:txBody>
+      </p:sp>
+      <p:cxnSp>
+        <p:nvCxnSpPr>
+          <p:cNvPr id="26" name="직선 화살표 연결선 25">
+            <a:extLst>
+              <a:ext uri="{FF2B5EF4-FFF2-40B4-BE49-F238E27FC236}">
+                <a16:creationId xmlns:a16="http://schemas.microsoft.com/office/drawing/2014/main" id="{3103BE0E-C324-598B-E666-EF6D3414090D}"/>
+              </a:ext>
+            </a:extLst>
+          </p:cNvPr>
+          <p:cNvCxnSpPr>
+            <a:stCxn id="24" idx="6"/>
+            <a:endCxn id="25" idx="2"/>
+          </p:cNvCxnSpPr>
+          <p:nvPr/>
+        </p:nvCxnSpPr>
+        <p:spPr>
+          <a:xfrm>
+            <a:off x="8970215" y="2080812"/>
+            <a:ext cx="1466850" cy="0"/>
+          </a:xfrm>
+          <a:prstGeom prst="straightConnector1">
+            <a:avLst/>
+          </a:prstGeom>
+          <a:ln>
+            <a:headEnd type="triangle"/>
+            <a:tailEnd type="triangle"/>
+          </a:ln>
+        </p:spPr>
+        <p:style>
+          <a:lnRef idx="3">
+            <a:schemeClr val="accent1"/>
+          </a:lnRef>
+          <a:fillRef idx="0">
+            <a:schemeClr val="accent1"/>
+          </a:fillRef>
+          <a:effectRef idx="2">
+            <a:schemeClr val="accent1"/>
+          </a:effectRef>
+          <a:fontRef idx="minor">
+            <a:schemeClr val="tx1"/>
+          </a:fontRef>
+        </p:style>
+      </p:cxnSp>
+      <p:cxnSp>
+        <p:nvCxnSpPr>
+          <p:cNvPr id="27" name="직선 화살표 연결선 26">
+            <a:extLst>
+              <a:ext uri="{FF2B5EF4-FFF2-40B4-BE49-F238E27FC236}">
+                <a16:creationId xmlns:a16="http://schemas.microsoft.com/office/drawing/2014/main" id="{1ACFF99E-E0C2-EC32-51A2-A1C1CB277601}"/>
+              </a:ext>
+            </a:extLst>
+          </p:cNvPr>
+          <p:cNvCxnSpPr>
+            <a:cxnSpLocks/>
+            <a:endCxn id="24" idx="2"/>
+          </p:cNvCxnSpPr>
+          <p:nvPr/>
+        </p:nvCxnSpPr>
+        <p:spPr>
+          <a:xfrm>
+            <a:off x="6412230" y="2080812"/>
+            <a:ext cx="2306525" cy="0"/>
+          </a:xfrm>
+          <a:prstGeom prst="straightConnector1">
+            <a:avLst/>
+          </a:prstGeom>
+          <a:ln>
+            <a:tailEnd type="triangle"/>
+          </a:ln>
+        </p:spPr>
+        <p:style>
+          <a:lnRef idx="3">
+            <a:schemeClr val="accent1"/>
+          </a:lnRef>
+          <a:fillRef idx="0">
+            <a:schemeClr val="accent1"/>
+          </a:fillRef>
+          <a:effectRef idx="2">
+            <a:schemeClr val="accent1"/>
+          </a:effectRef>
+          <a:fontRef idx="minor">
+            <a:schemeClr val="tx1"/>
+          </a:fontRef>
+        </p:style>
+      </p:cxnSp>
+      <p:sp>
+        <p:nvSpPr>
+          <p:cNvPr id="29" name="타원 28">
+            <a:extLst>
+              <a:ext uri="{FF2B5EF4-FFF2-40B4-BE49-F238E27FC236}">
+                <a16:creationId xmlns:a16="http://schemas.microsoft.com/office/drawing/2014/main" id="{3F4EDC1B-CAE3-5553-F8D3-B3AB9BCCAD53}"/>
+              </a:ext>
+            </a:extLst>
+          </p:cNvPr>
+          <p:cNvSpPr/>
+          <p:nvPr/>
+        </p:nvSpPr>
+        <p:spPr>
+          <a:xfrm>
+            <a:off x="8718755" y="2240389"/>
+            <a:ext cx="251460" cy="251460"/>
+          </a:xfrm>
+          <a:prstGeom prst="ellipse">
+            <a:avLst/>
+          </a:prstGeom>
+        </p:spPr>
+        <p:style>
+          <a:lnRef idx="2">
+            <a:schemeClr val="accent1">
+              <a:shade val="50000"/>
+            </a:schemeClr>
+          </a:lnRef>
+          <a:fillRef idx="1">
+            <a:schemeClr val="accent1"/>
+          </a:fillRef>
+          <a:effectRef idx="0">
+            <a:schemeClr val="accent1"/>
+          </a:effectRef>
+          <a:fontRef idx="minor">
+            <a:schemeClr val="lt1"/>
+          </a:fontRef>
+        </p:style>
+        <p:txBody>
+          <a:bodyPr rtlCol="0" anchor="ctr"/>
+          <a:lstStyle/>
+          <a:p>
+            <a:pPr algn="ctr"/>
+            <a:r>
+              <a:rPr kumimoji="1" lang="en-US" altLang="ko-Kore-KR" sz="1200" dirty="0"/>
+              <a:t>c</a:t>
+            </a:r>
+            <a:endParaRPr kumimoji="1" lang="ko-Kore-KR" altLang="en-US" sz="1200" dirty="0"/>
+          </a:p>
+        </p:txBody>
+      </p:sp>
+      <p:sp>
+        <p:nvSpPr>
+          <p:cNvPr id="30" name="타원 29">
+            <a:extLst>
+              <a:ext uri="{FF2B5EF4-FFF2-40B4-BE49-F238E27FC236}">
+                <a16:creationId xmlns:a16="http://schemas.microsoft.com/office/drawing/2014/main" id="{4838FE36-9914-E3BF-0A03-B19365C09488}"/>
+              </a:ext>
+            </a:extLst>
+          </p:cNvPr>
+          <p:cNvSpPr/>
+          <p:nvPr/>
+        </p:nvSpPr>
+        <p:spPr>
+          <a:xfrm>
+            <a:off x="10437065" y="2240389"/>
+            <a:ext cx="251460" cy="251460"/>
+          </a:xfrm>
+          <a:prstGeom prst="ellipse">
+            <a:avLst/>
+          </a:prstGeom>
+        </p:spPr>
+        <p:style>
+          <a:lnRef idx="2">
+            <a:schemeClr val="accent1">
+              <a:shade val="50000"/>
+            </a:schemeClr>
+          </a:lnRef>
+          <a:fillRef idx="1">
+            <a:schemeClr val="accent1"/>
+          </a:fillRef>
+          <a:effectRef idx="0">
+            <a:schemeClr val="accent1"/>
+          </a:effectRef>
+          <a:fontRef idx="minor">
+            <a:schemeClr val="lt1"/>
+          </a:fontRef>
+        </p:style>
+        <p:txBody>
+          <a:bodyPr rtlCol="0" anchor="ctr"/>
+          <a:lstStyle/>
+          <a:p>
+            <a:pPr algn="ctr"/>
+            <a:r>
+              <a:rPr kumimoji="1" lang="en-US" altLang="ko-Kore-KR" sz="1200" dirty="0"/>
+              <a:t>T</a:t>
+            </a:r>
+            <a:endParaRPr kumimoji="1" lang="ko-Kore-KR" altLang="en-US" sz="1200" dirty="0"/>
+          </a:p>
+        </p:txBody>
+      </p:sp>
+      <p:cxnSp>
+        <p:nvCxnSpPr>
+          <p:cNvPr id="31" name="직선 화살표 연결선 30">
+            <a:extLst>
+              <a:ext uri="{FF2B5EF4-FFF2-40B4-BE49-F238E27FC236}">
+                <a16:creationId xmlns:a16="http://schemas.microsoft.com/office/drawing/2014/main" id="{E55F5F05-CDB9-9073-9320-83FE3AC7BF8B}"/>
+              </a:ext>
+            </a:extLst>
+          </p:cNvPr>
+          <p:cNvCxnSpPr>
+            <a:stCxn id="29" idx="6"/>
+            <a:endCxn id="30" idx="2"/>
+          </p:cNvCxnSpPr>
+          <p:nvPr/>
+        </p:nvCxnSpPr>
+        <p:spPr>
+          <a:xfrm>
+            <a:off x="8970215" y="2366119"/>
+            <a:ext cx="1466850" cy="0"/>
+          </a:xfrm>
+          <a:prstGeom prst="straightConnector1">
+            <a:avLst/>
+          </a:prstGeom>
+          <a:ln>
+            <a:headEnd type="triangle"/>
+            <a:tailEnd type="triangle"/>
+          </a:ln>
+        </p:spPr>
+        <p:style>
+          <a:lnRef idx="3">
+            <a:schemeClr val="accent1"/>
+          </a:lnRef>
+          <a:fillRef idx="0">
+            <a:schemeClr val="accent1"/>
+          </a:fillRef>
+          <a:effectRef idx="2">
+            <a:schemeClr val="accent1"/>
+          </a:effectRef>
+          <a:fontRef idx="minor">
+            <a:schemeClr val="tx1"/>
+          </a:fontRef>
+        </p:style>
+      </p:cxnSp>
+      <p:cxnSp>
+        <p:nvCxnSpPr>
+          <p:cNvPr id="32" name="직선 화살표 연결선 31">
+            <a:extLst>
+              <a:ext uri="{FF2B5EF4-FFF2-40B4-BE49-F238E27FC236}">
+                <a16:creationId xmlns:a16="http://schemas.microsoft.com/office/drawing/2014/main" id="{50487AC2-1369-C098-51D0-CF01BAC910D9}"/>
+              </a:ext>
+            </a:extLst>
+          </p:cNvPr>
+          <p:cNvCxnSpPr>
+            <a:cxnSpLocks/>
+            <a:endCxn id="29" idx="2"/>
+          </p:cNvCxnSpPr>
+          <p:nvPr/>
+        </p:nvCxnSpPr>
+        <p:spPr>
+          <a:xfrm>
+            <a:off x="6244590" y="2366119"/>
+            <a:ext cx="2474165" cy="0"/>
+          </a:xfrm>
+          <a:prstGeom prst="straightConnector1">
+            <a:avLst/>
+          </a:prstGeom>
+          <a:ln>
+            <a:tailEnd type="triangle"/>
+          </a:ln>
+        </p:spPr>
+        <p:style>
+          <a:lnRef idx="3">
+            <a:schemeClr val="accent1"/>
+          </a:lnRef>
+          <a:fillRef idx="0">
+            <a:schemeClr val="accent1"/>
+          </a:fillRef>
+          <a:effectRef idx="2">
+            <a:schemeClr val="accent1"/>
+          </a:effectRef>
+          <a:fontRef idx="minor">
+            <a:schemeClr val="tx1"/>
+          </a:fontRef>
+        </p:style>
+      </p:cxnSp>
+      <p:sp>
+        <p:nvSpPr>
+          <p:cNvPr id="33" name="타원 32">
+            <a:extLst>
+              <a:ext uri="{FF2B5EF4-FFF2-40B4-BE49-F238E27FC236}">
+                <a16:creationId xmlns:a16="http://schemas.microsoft.com/office/drawing/2014/main" id="{07554C56-0FA5-D28C-5D03-C3E7377C9FDF}"/>
+              </a:ext>
+            </a:extLst>
+          </p:cNvPr>
+          <p:cNvSpPr/>
+          <p:nvPr/>
+        </p:nvSpPr>
+        <p:spPr>
+          <a:xfrm>
+            <a:off x="8718755" y="2568050"/>
+            <a:ext cx="251460" cy="251460"/>
+          </a:xfrm>
+          <a:prstGeom prst="ellipse">
+            <a:avLst/>
+          </a:prstGeom>
+        </p:spPr>
+        <p:style>
+          <a:lnRef idx="2">
+            <a:schemeClr val="accent1">
+              <a:shade val="50000"/>
+            </a:schemeClr>
+          </a:lnRef>
+          <a:fillRef idx="1">
+            <a:schemeClr val="accent1"/>
+          </a:fillRef>
+          <a:effectRef idx="0">
+            <a:schemeClr val="accent1"/>
+          </a:effectRef>
+          <a:fontRef idx="minor">
+            <a:schemeClr val="lt1"/>
+          </a:fontRef>
+        </p:style>
+        <p:txBody>
+          <a:bodyPr rtlCol="0" anchor="ctr"/>
+          <a:lstStyle/>
+          <a:p>
+            <a:pPr algn="ctr"/>
+            <a:r>
+              <a:rPr kumimoji="1" lang="en-US" altLang="ko-Kore-KR" sz="1200" dirty="0"/>
+              <a:t>c</a:t>
+            </a:r>
+            <a:endParaRPr kumimoji="1" lang="ko-Kore-KR" altLang="en-US" sz="1200" dirty="0"/>
+          </a:p>
+        </p:txBody>
+      </p:sp>
+      <p:sp>
+        <p:nvSpPr>
+          <p:cNvPr id="34" name="타원 33">
+            <a:extLst>
+              <a:ext uri="{FF2B5EF4-FFF2-40B4-BE49-F238E27FC236}">
+                <a16:creationId xmlns:a16="http://schemas.microsoft.com/office/drawing/2014/main" id="{E18FCFEA-9035-9CF8-9D28-C04F48FF1499}"/>
+              </a:ext>
+            </a:extLst>
+          </p:cNvPr>
+          <p:cNvSpPr/>
+          <p:nvPr/>
+        </p:nvSpPr>
+        <p:spPr>
+          <a:xfrm>
+            <a:off x="10437065" y="2568050"/>
+            <a:ext cx="251460" cy="251460"/>
+          </a:xfrm>
+          <a:prstGeom prst="ellipse">
+            <a:avLst/>
+          </a:prstGeom>
+        </p:spPr>
+        <p:style>
+          <a:lnRef idx="2">
+            <a:schemeClr val="accent1">
+              <a:shade val="50000"/>
+            </a:schemeClr>
+          </a:lnRef>
+          <a:fillRef idx="1">
+            <a:schemeClr val="accent1"/>
+          </a:fillRef>
+          <a:effectRef idx="0">
+            <a:schemeClr val="accent1"/>
+          </a:effectRef>
+          <a:fontRef idx="minor">
+            <a:schemeClr val="lt1"/>
+          </a:fontRef>
+        </p:style>
+        <p:txBody>
+          <a:bodyPr rtlCol="0" anchor="ctr"/>
+          <a:lstStyle/>
+          <a:p>
+            <a:pPr algn="ctr"/>
+            <a:r>
+              <a:rPr kumimoji="1" lang="en-US" altLang="ko-Kore-KR" sz="1200" dirty="0"/>
+              <a:t>T</a:t>
+            </a:r>
+            <a:endParaRPr kumimoji="1" lang="ko-Kore-KR" altLang="en-US" sz="1200" dirty="0"/>
+          </a:p>
+        </p:txBody>
+      </p:sp>
+      <p:cxnSp>
+        <p:nvCxnSpPr>
+          <p:cNvPr id="35" name="직선 화살표 연결선 34">
+            <a:extLst>
+              <a:ext uri="{FF2B5EF4-FFF2-40B4-BE49-F238E27FC236}">
+                <a16:creationId xmlns:a16="http://schemas.microsoft.com/office/drawing/2014/main" id="{32655CD7-9660-C580-AF6B-96C24156E907}"/>
+              </a:ext>
+            </a:extLst>
+          </p:cNvPr>
+          <p:cNvCxnSpPr>
+            <a:stCxn id="33" idx="6"/>
+            <a:endCxn id="34" idx="2"/>
+          </p:cNvCxnSpPr>
+          <p:nvPr/>
+        </p:nvCxnSpPr>
+        <p:spPr>
+          <a:xfrm>
+            <a:off x="8970215" y="2693780"/>
+            <a:ext cx="1466850" cy="0"/>
+          </a:xfrm>
+          <a:prstGeom prst="straightConnector1">
+            <a:avLst/>
+          </a:prstGeom>
+          <a:ln>
+            <a:headEnd type="triangle"/>
+            <a:tailEnd type="triangle"/>
+          </a:ln>
+        </p:spPr>
+        <p:style>
+          <a:lnRef idx="3">
+            <a:schemeClr val="accent1"/>
+          </a:lnRef>
+          <a:fillRef idx="0">
+            <a:schemeClr val="accent1"/>
+          </a:fillRef>
+          <a:effectRef idx="2">
+            <a:schemeClr val="accent1"/>
+          </a:effectRef>
+          <a:fontRef idx="minor">
+            <a:schemeClr val="tx1"/>
+          </a:fontRef>
+        </p:style>
+      </p:cxnSp>
+      <p:cxnSp>
+        <p:nvCxnSpPr>
+          <p:cNvPr id="36" name="직선 화살표 연결선 35">
+            <a:extLst>
+              <a:ext uri="{FF2B5EF4-FFF2-40B4-BE49-F238E27FC236}">
+                <a16:creationId xmlns:a16="http://schemas.microsoft.com/office/drawing/2014/main" id="{A5021CE7-BFFA-FD6E-E676-45616408EE43}"/>
+              </a:ext>
+            </a:extLst>
+          </p:cNvPr>
+          <p:cNvCxnSpPr>
+            <a:cxnSpLocks/>
+            <a:endCxn id="33" idx="2"/>
+          </p:cNvCxnSpPr>
+          <p:nvPr/>
+        </p:nvCxnSpPr>
+        <p:spPr>
+          <a:xfrm>
+            <a:off x="6244590" y="2693780"/>
+            <a:ext cx="2474165" cy="0"/>
+          </a:xfrm>
+          <a:prstGeom prst="straightConnector1">
+            <a:avLst/>
+          </a:prstGeom>
+          <a:ln>
+            <a:tailEnd type="triangle"/>
+          </a:ln>
+        </p:spPr>
+        <p:style>
+          <a:lnRef idx="3">
+            <a:schemeClr val="accent1"/>
+          </a:lnRef>
+          <a:fillRef idx="0">
+            <a:schemeClr val="accent1"/>
+          </a:fillRef>
+          <a:effectRef idx="2">
+            <a:schemeClr val="accent1"/>
+          </a:effectRef>
+          <a:fontRef idx="minor">
+            <a:schemeClr val="tx1"/>
+          </a:fontRef>
+        </p:style>
+      </p:cxnSp>
+      <p:graphicFrame>
+        <p:nvGraphicFramePr>
+          <p:cNvPr id="41" name="표 2">
+            <a:extLst>
+              <a:ext uri="{FF2B5EF4-FFF2-40B4-BE49-F238E27FC236}">
+                <a16:creationId xmlns:a16="http://schemas.microsoft.com/office/drawing/2014/main" id="{18BC922D-C855-BAAC-9BCB-E890F384851A}"/>
+              </a:ext>
+            </a:extLst>
+          </p:cNvPr>
+          <p:cNvGraphicFramePr>
+            <a:graphicFrameLocks noGrp="1"/>
+          </p:cNvGraphicFramePr>
+          <p:nvPr>
+            <p:extLst>
+              <p:ext uri="{D42A27DB-BD31-4B8C-83A1-F6EECF244321}">
+                <p14:modId xmlns:p14="http://schemas.microsoft.com/office/powerpoint/2010/main" val="1253310522"/>
+              </p:ext>
+            </p:extLst>
+          </p:nvPr>
+        </p:nvGraphicFramePr>
+        <p:xfrm>
+          <a:off x="0" y="4229101"/>
+          <a:ext cx="3087575" cy="1244985"/>
+        </p:xfrm>
+        <a:graphic>
+          <a:graphicData uri="http://schemas.openxmlformats.org/drawingml/2006/table">
+            <a:tbl>
+              <a:tblPr firstRow="1" bandRow="1">
+                <a:tableStyleId>{5C22544A-7EE6-4342-B048-85BDC9FD1C3A}</a:tableStyleId>
+              </a:tblPr>
+              <a:tblGrid>
+                <a:gridCol w="3087575">
+                  <a:extLst>
+                    <a:ext uri="{9D8B030D-6E8A-4147-A177-3AD203B41FA5}">
+                      <a16:colId xmlns:a16="http://schemas.microsoft.com/office/drawing/2014/main" val="1965095789"/>
+                    </a:ext>
+                  </a:extLst>
+                </a:gridCol>
+              </a:tblGrid>
+              <a:tr h="152291">
+                <a:tc>
+                  <a:txBody>
+                    <a:bodyPr/>
+                    <a:lstStyle/>
+                    <a:p>
+                      <a:pPr algn="ctr"/>
+                      <a:r>
+                        <a:rPr lang="en-US" altLang="ko-Kore-KR" dirty="0" err="1"/>
+                        <a:t>BoardHandler</a:t>
+                      </a:r>
+                      <a:endParaRPr lang="ko-Kore-KR" altLang="en-US" dirty="0"/>
+                    </a:p>
+                  </a:txBody>
+                  <a:tcPr/>
+                </a:tc>
+                <a:extLst>
+                  <a:ext uri="{0D108BD9-81ED-4DB2-BD59-A6C34878D82A}">
+                    <a16:rowId xmlns:a16="http://schemas.microsoft.com/office/drawing/2014/main" val="3559688625"/>
+                  </a:ext>
+                </a:extLst>
+              </a:tr>
+              <a:tr h="879225">
+                <a:tc>
+                  <a:txBody>
+                    <a:bodyPr/>
+                    <a:lstStyle/>
+                    <a:p>
+                      <a:pPr marL="0" indent="0" algn="l">
+                        <a:buFont typeface="Arial" panose="020B0604020202020204" pitchFamily="34" charset="0"/>
+                        <a:buNone/>
+                      </a:pPr>
+                      <a:r>
+                        <a:rPr lang="en-US" altLang="ko-Kore-KR" dirty="0" err="1"/>
+                        <a:t>MariaDBBoardDao</a:t>
+                      </a:r>
+                      <a:r>
+                        <a:rPr lang="en-US" altLang="ko-Kore-KR" dirty="0"/>
+                        <a:t> </a:t>
+                      </a:r>
+                      <a:r>
+                        <a:rPr lang="en-US" altLang="ko-Kore-KR" dirty="0" err="1"/>
+                        <a:t>dao</a:t>
+                      </a:r>
+                      <a:r>
+                        <a:rPr lang="en-US" altLang="ko-Kore-KR" dirty="0"/>
+                        <a:t>;</a:t>
+                      </a:r>
+                    </a:p>
+                  </a:txBody>
+                  <a:tcPr/>
+                </a:tc>
+                <a:extLst>
+                  <a:ext uri="{0D108BD9-81ED-4DB2-BD59-A6C34878D82A}">
+                    <a16:rowId xmlns:a16="http://schemas.microsoft.com/office/drawing/2014/main" val="3230167247"/>
+                  </a:ext>
+                </a:extLst>
+              </a:tr>
+            </a:tbl>
+          </a:graphicData>
+        </a:graphic>
+      </p:graphicFrame>
+      <p:graphicFrame>
+        <p:nvGraphicFramePr>
+          <p:cNvPr id="42" name="표 41">
+            <a:extLst>
+              <a:ext uri="{FF2B5EF4-FFF2-40B4-BE49-F238E27FC236}">
+                <a16:creationId xmlns:a16="http://schemas.microsoft.com/office/drawing/2014/main" id="{71241CFD-9D97-F358-2D0E-4113030CA99B}"/>
+              </a:ext>
+            </a:extLst>
+          </p:cNvPr>
+          <p:cNvGraphicFramePr>
+            <a:graphicFrameLocks noGrp="1"/>
+          </p:cNvGraphicFramePr>
+          <p:nvPr>
+            <p:extLst>
+              <p:ext uri="{D42A27DB-BD31-4B8C-83A1-F6EECF244321}">
+                <p14:modId xmlns:p14="http://schemas.microsoft.com/office/powerpoint/2010/main" val="2513502633"/>
+              </p:ext>
+            </p:extLst>
+          </p:nvPr>
+        </p:nvGraphicFramePr>
+        <p:xfrm>
+          <a:off x="4777740" y="3834530"/>
+          <a:ext cx="2858975" cy="2034126"/>
+        </p:xfrm>
+        <a:graphic>
+          <a:graphicData uri="http://schemas.openxmlformats.org/drawingml/2006/table">
+            <a:tbl>
+              <a:tblPr firstRow="1" bandRow="1">
+                <a:tableStyleId>{5C22544A-7EE6-4342-B048-85BDC9FD1C3A}</a:tableStyleId>
+              </a:tblPr>
+              <a:tblGrid>
+                <a:gridCol w="2858975">
+                  <a:extLst>
+                    <a:ext uri="{9D8B030D-6E8A-4147-A177-3AD203B41FA5}">
+                      <a16:colId xmlns:a16="http://schemas.microsoft.com/office/drawing/2014/main" val="1965095789"/>
+                    </a:ext>
+                  </a:extLst>
+                </a:gridCol>
+              </a:tblGrid>
+              <a:tr h="288979">
+                <a:tc>
+                  <a:txBody>
+                    <a:bodyPr/>
+                    <a:lstStyle/>
+                    <a:p>
+                      <a:pPr algn="ctr"/>
+                      <a:r>
+                        <a:rPr lang="en-US" altLang="ko-Kore-KR" dirty="0" err="1"/>
+                        <a:t>MariaDBBoardDao</a:t>
+                      </a:r>
+                      <a:endParaRPr lang="ko-Kore-KR" altLang="en-US" dirty="0"/>
+                    </a:p>
+                  </a:txBody>
+                  <a:tcPr/>
+                </a:tc>
+                <a:extLst>
+                  <a:ext uri="{0D108BD9-81ED-4DB2-BD59-A6C34878D82A}">
+                    <a16:rowId xmlns:a16="http://schemas.microsoft.com/office/drawing/2014/main" val="3559688625"/>
+                  </a:ext>
+                </a:extLst>
+              </a:tr>
+              <a:tr h="1668366">
+                <a:tc>
+                  <a:txBody>
+                    <a:bodyPr/>
+                    <a:lstStyle/>
+                    <a:p>
+                      <a:pPr marL="285750" indent="-285750" algn="l">
+                        <a:buFont typeface="Arial" panose="020B0604020202020204" pitchFamily="34" charset="0"/>
+                        <a:buChar char="•"/>
+                      </a:pPr>
+                      <a:r>
+                        <a:rPr lang="en-US" altLang="ko-Kore-KR" dirty="0"/>
+                        <a:t>insert(){}</a:t>
+                      </a:r>
+                    </a:p>
+                    <a:p>
+                      <a:pPr marL="285750" indent="-285750" algn="l">
+                        <a:buFont typeface="Arial" panose="020B0604020202020204" pitchFamily="34" charset="0"/>
+                        <a:buChar char="•"/>
+                      </a:pPr>
+                      <a:r>
+                        <a:rPr lang="en-US" altLang="ko-Kore-KR" dirty="0" err="1"/>
+                        <a:t>findAll</a:t>
+                      </a:r>
+                      <a:r>
+                        <a:rPr lang="en-US" altLang="ko-Kore-KR" dirty="0"/>
+                        <a:t>(){}</a:t>
+                      </a:r>
+                    </a:p>
+                    <a:p>
+                      <a:pPr marL="285750" indent="-285750" algn="l">
+                        <a:buFont typeface="Arial" panose="020B0604020202020204" pitchFamily="34" charset="0"/>
+                        <a:buChar char="•"/>
+                      </a:pPr>
+                      <a:r>
+                        <a:rPr lang="en-US" altLang="ko-Kore-KR" dirty="0" err="1"/>
+                        <a:t>findByNo</a:t>
+                      </a:r>
+                      <a:r>
+                        <a:rPr lang="en-US" altLang="ko-Kore-KR" dirty="0"/>
+                        <a:t>(){}</a:t>
+                      </a:r>
+                    </a:p>
+                    <a:p>
+                      <a:pPr marL="285750" indent="-285750" algn="l">
+                        <a:buFont typeface="Arial" panose="020B0604020202020204" pitchFamily="34" charset="0"/>
+                        <a:buChar char="•"/>
+                      </a:pPr>
+                      <a:r>
+                        <a:rPr lang="en-US" altLang="ko-Kore-KR" dirty="0"/>
+                        <a:t>update(){}</a:t>
+                      </a:r>
+                    </a:p>
+                    <a:p>
+                      <a:pPr marL="285750" indent="-285750" algn="l">
+                        <a:buFont typeface="Arial" panose="020B0604020202020204" pitchFamily="34" charset="0"/>
+                        <a:buChar char="•"/>
+                      </a:pPr>
+                      <a:r>
+                        <a:rPr lang="en-US" altLang="ko-Kore-KR" dirty="0"/>
+                        <a:t>delete(){}</a:t>
+                      </a:r>
+                    </a:p>
+                  </a:txBody>
+                  <a:tcPr/>
+                </a:tc>
+                <a:extLst>
+                  <a:ext uri="{0D108BD9-81ED-4DB2-BD59-A6C34878D82A}">
+                    <a16:rowId xmlns:a16="http://schemas.microsoft.com/office/drawing/2014/main" val="3230167247"/>
+                  </a:ext>
+                </a:extLst>
+              </a:tr>
+            </a:tbl>
+          </a:graphicData>
+        </a:graphic>
+      </p:graphicFrame>
+      <p:cxnSp>
+        <p:nvCxnSpPr>
+          <p:cNvPr id="43" name="직선 화살표 연결선 42">
+            <a:extLst>
+              <a:ext uri="{FF2B5EF4-FFF2-40B4-BE49-F238E27FC236}">
+                <a16:creationId xmlns:a16="http://schemas.microsoft.com/office/drawing/2014/main" id="{718B8B38-E28A-08C7-DF22-F4A8E45C48EB}"/>
+              </a:ext>
+            </a:extLst>
+          </p:cNvPr>
+          <p:cNvCxnSpPr>
+            <a:cxnSpLocks/>
+            <a:stCxn id="41" idx="3"/>
+            <a:endCxn id="42" idx="1"/>
+          </p:cNvCxnSpPr>
+          <p:nvPr/>
+        </p:nvCxnSpPr>
+        <p:spPr>
+          <a:xfrm>
+            <a:off x="3087575" y="4851593"/>
+            <a:ext cx="1690165" cy="0"/>
+          </a:xfrm>
+          <a:prstGeom prst="straightConnector1">
+            <a:avLst/>
+          </a:prstGeom>
+          <a:ln>
+            <a:tailEnd type="triangle"/>
+          </a:ln>
+        </p:spPr>
+        <p:style>
+          <a:lnRef idx="3">
+            <a:schemeClr val="accent1"/>
+          </a:lnRef>
+          <a:fillRef idx="0">
+            <a:schemeClr val="accent1"/>
+          </a:fillRef>
+          <a:effectRef idx="2">
+            <a:schemeClr val="accent1"/>
+          </a:effectRef>
+          <a:fontRef idx="minor">
+            <a:schemeClr val="tx1"/>
+          </a:fontRef>
+        </p:style>
+      </p:cxnSp>
+      <p:sp>
+        <p:nvSpPr>
+          <p:cNvPr id="44" name="다이아몬드 43">
+            <a:extLst>
+              <a:ext uri="{FF2B5EF4-FFF2-40B4-BE49-F238E27FC236}">
+                <a16:creationId xmlns:a16="http://schemas.microsoft.com/office/drawing/2014/main" id="{98A35D2B-69BD-A9E9-4D72-3BF514446B1C}"/>
+              </a:ext>
+            </a:extLst>
+          </p:cNvPr>
+          <p:cNvSpPr/>
+          <p:nvPr/>
+        </p:nvSpPr>
+        <p:spPr>
+          <a:xfrm>
+            <a:off x="3059000" y="4708718"/>
+            <a:ext cx="285750" cy="285750"/>
+          </a:xfrm>
+          <a:prstGeom prst="diamond">
+            <a:avLst/>
+          </a:prstGeom>
+        </p:spPr>
+        <p:style>
+          <a:lnRef idx="2">
+            <a:schemeClr val="accent1">
+              <a:shade val="50000"/>
+            </a:schemeClr>
+          </a:lnRef>
+          <a:fillRef idx="1">
+            <a:schemeClr val="accent1"/>
+          </a:fillRef>
+          <a:effectRef idx="0">
+            <a:schemeClr val="accent1"/>
+          </a:effectRef>
+          <a:fontRef idx="minor">
+            <a:schemeClr val="lt1"/>
+          </a:fontRef>
+        </p:style>
+        <p:txBody>
+          <a:bodyPr rtlCol="0" anchor="ctr"/>
+          <a:lstStyle/>
+          <a:p>
+            <a:pPr algn="ctr"/>
+            <a:endParaRPr kumimoji="1" lang="ko-Kore-KR" altLang="en-US"/>
+          </a:p>
+        </p:txBody>
+      </p:sp>
+      <p:sp>
+        <p:nvSpPr>
+          <p:cNvPr id="45" name="타원 44">
+            <a:extLst>
+              <a:ext uri="{FF2B5EF4-FFF2-40B4-BE49-F238E27FC236}">
+                <a16:creationId xmlns:a16="http://schemas.microsoft.com/office/drawing/2014/main" id="{50FA87C5-28D6-42BC-C897-708800D5F9FB}"/>
+              </a:ext>
+            </a:extLst>
+          </p:cNvPr>
+          <p:cNvSpPr/>
+          <p:nvPr/>
+        </p:nvSpPr>
+        <p:spPr>
+          <a:xfrm>
+            <a:off x="8703515" y="4263391"/>
+            <a:ext cx="251460" cy="251460"/>
+          </a:xfrm>
+          <a:prstGeom prst="ellipse">
+            <a:avLst/>
+          </a:prstGeom>
+        </p:spPr>
+        <p:style>
+          <a:lnRef idx="2">
+            <a:schemeClr val="accent1">
+              <a:shade val="50000"/>
+            </a:schemeClr>
+          </a:lnRef>
+          <a:fillRef idx="1">
+            <a:schemeClr val="accent1"/>
+          </a:fillRef>
+          <a:effectRef idx="0">
+            <a:schemeClr val="accent1"/>
+          </a:effectRef>
+          <a:fontRef idx="minor">
+            <a:schemeClr val="lt1"/>
+          </a:fontRef>
+        </p:style>
+        <p:txBody>
+          <a:bodyPr rtlCol="0" anchor="ctr"/>
+          <a:lstStyle/>
+          <a:p>
+            <a:pPr algn="ctr"/>
+            <a:r>
+              <a:rPr kumimoji="1" lang="en-US" altLang="ko-Kore-KR" sz="1200" dirty="0"/>
+              <a:t>c</a:t>
+            </a:r>
+            <a:endParaRPr kumimoji="1" lang="ko-Kore-KR" altLang="en-US" sz="1200" dirty="0"/>
+          </a:p>
+        </p:txBody>
+      </p:sp>
+      <p:sp>
+        <p:nvSpPr>
+          <p:cNvPr id="46" name="타원 45">
+            <a:extLst>
+              <a:ext uri="{FF2B5EF4-FFF2-40B4-BE49-F238E27FC236}">
+                <a16:creationId xmlns:a16="http://schemas.microsoft.com/office/drawing/2014/main" id="{272A2FC7-A737-D802-0756-6AE503D766D7}"/>
+              </a:ext>
+            </a:extLst>
+          </p:cNvPr>
+          <p:cNvSpPr/>
+          <p:nvPr/>
+        </p:nvSpPr>
+        <p:spPr>
+          <a:xfrm>
+            <a:off x="10421825" y="4263391"/>
+            <a:ext cx="251460" cy="251460"/>
+          </a:xfrm>
+          <a:prstGeom prst="ellipse">
+            <a:avLst/>
+          </a:prstGeom>
+        </p:spPr>
+        <p:style>
+          <a:lnRef idx="2">
+            <a:schemeClr val="accent1">
+              <a:shade val="50000"/>
+            </a:schemeClr>
+          </a:lnRef>
+          <a:fillRef idx="1">
+            <a:schemeClr val="accent1"/>
+          </a:fillRef>
+          <a:effectRef idx="0">
+            <a:schemeClr val="accent1"/>
+          </a:effectRef>
+          <a:fontRef idx="minor">
+            <a:schemeClr val="lt1"/>
+          </a:fontRef>
+        </p:style>
+        <p:txBody>
+          <a:bodyPr rtlCol="0" anchor="ctr"/>
+          <a:lstStyle/>
+          <a:p>
+            <a:pPr algn="ctr"/>
+            <a:r>
+              <a:rPr kumimoji="1" lang="en-US" altLang="ko-Kore-KR" sz="1200" dirty="0"/>
+              <a:t>T</a:t>
+            </a:r>
+            <a:endParaRPr kumimoji="1" lang="ko-Kore-KR" altLang="en-US" sz="1200" dirty="0"/>
+          </a:p>
+        </p:txBody>
+      </p:sp>
+      <p:cxnSp>
+        <p:nvCxnSpPr>
+          <p:cNvPr id="47" name="직선 화살표 연결선 46">
+            <a:extLst>
+              <a:ext uri="{FF2B5EF4-FFF2-40B4-BE49-F238E27FC236}">
+                <a16:creationId xmlns:a16="http://schemas.microsoft.com/office/drawing/2014/main" id="{8DB94FB9-0CEA-E851-39FA-82B90DCCAC4B}"/>
+              </a:ext>
+            </a:extLst>
+          </p:cNvPr>
+          <p:cNvCxnSpPr>
+            <a:stCxn id="45" idx="6"/>
+            <a:endCxn id="46" idx="2"/>
+          </p:cNvCxnSpPr>
+          <p:nvPr/>
+        </p:nvCxnSpPr>
+        <p:spPr>
+          <a:xfrm>
+            <a:off x="8954975" y="4389121"/>
+            <a:ext cx="1466850" cy="0"/>
+          </a:xfrm>
+          <a:prstGeom prst="straightConnector1">
+            <a:avLst/>
+          </a:prstGeom>
+          <a:ln>
+            <a:headEnd type="triangle"/>
+            <a:tailEnd type="triangle"/>
+          </a:ln>
+        </p:spPr>
+        <p:style>
+          <a:lnRef idx="3">
+            <a:schemeClr val="accent1"/>
+          </a:lnRef>
+          <a:fillRef idx="0">
+            <a:schemeClr val="accent1"/>
+          </a:fillRef>
+          <a:effectRef idx="2">
+            <a:schemeClr val="accent1"/>
+          </a:effectRef>
+          <a:fontRef idx="minor">
+            <a:schemeClr val="tx1"/>
+          </a:fontRef>
+        </p:style>
+      </p:cxnSp>
+      <p:cxnSp>
+        <p:nvCxnSpPr>
+          <p:cNvPr id="48" name="직선 화살표 연결선 47">
+            <a:extLst>
+              <a:ext uri="{FF2B5EF4-FFF2-40B4-BE49-F238E27FC236}">
+                <a16:creationId xmlns:a16="http://schemas.microsoft.com/office/drawing/2014/main" id="{0C6CE998-2204-0460-ADED-376FA487DAC6}"/>
+              </a:ext>
+            </a:extLst>
+          </p:cNvPr>
+          <p:cNvCxnSpPr>
+            <a:cxnSpLocks/>
+            <a:endCxn id="45" idx="2"/>
+          </p:cNvCxnSpPr>
+          <p:nvPr/>
+        </p:nvCxnSpPr>
+        <p:spPr>
+          <a:xfrm>
+            <a:off x="6096000" y="4389121"/>
+            <a:ext cx="2607515" cy="0"/>
+          </a:xfrm>
+          <a:prstGeom prst="straightConnector1">
+            <a:avLst/>
+          </a:prstGeom>
+          <a:ln>
+            <a:tailEnd type="triangle"/>
+          </a:ln>
+        </p:spPr>
+        <p:style>
+          <a:lnRef idx="3">
+            <a:schemeClr val="accent1"/>
+          </a:lnRef>
+          <a:fillRef idx="0">
+            <a:schemeClr val="accent1"/>
+          </a:fillRef>
+          <a:effectRef idx="2">
+            <a:schemeClr val="accent1"/>
+          </a:effectRef>
+          <a:fontRef idx="minor">
+            <a:schemeClr val="tx1"/>
+          </a:fontRef>
+        </p:style>
+      </p:cxnSp>
+      <p:sp>
+        <p:nvSpPr>
+          <p:cNvPr id="49" name="타원 48">
+            <a:extLst>
+              <a:ext uri="{FF2B5EF4-FFF2-40B4-BE49-F238E27FC236}">
+                <a16:creationId xmlns:a16="http://schemas.microsoft.com/office/drawing/2014/main" id="{CB737D26-02C4-E36A-1652-A9AC774EFF4A}"/>
+              </a:ext>
+            </a:extLst>
+          </p:cNvPr>
+          <p:cNvSpPr/>
+          <p:nvPr/>
+        </p:nvSpPr>
+        <p:spPr>
+          <a:xfrm>
+            <a:off x="8703515" y="4548698"/>
+            <a:ext cx="251460" cy="251460"/>
+          </a:xfrm>
+          <a:prstGeom prst="ellipse">
+            <a:avLst/>
+          </a:prstGeom>
+        </p:spPr>
+        <p:style>
+          <a:lnRef idx="2">
+            <a:schemeClr val="accent1">
+              <a:shade val="50000"/>
+            </a:schemeClr>
+          </a:lnRef>
+          <a:fillRef idx="1">
+            <a:schemeClr val="accent1"/>
+          </a:fillRef>
+          <a:effectRef idx="0">
+            <a:schemeClr val="accent1"/>
+          </a:effectRef>
+          <a:fontRef idx="minor">
+            <a:schemeClr val="lt1"/>
+          </a:fontRef>
+        </p:style>
+        <p:txBody>
+          <a:bodyPr rtlCol="0" anchor="ctr"/>
+          <a:lstStyle/>
+          <a:p>
+            <a:pPr algn="ctr"/>
+            <a:r>
+              <a:rPr kumimoji="1" lang="en-US" altLang="ko-Kore-KR" sz="1200" dirty="0"/>
+              <a:t>c</a:t>
+            </a:r>
+            <a:endParaRPr kumimoji="1" lang="ko-Kore-KR" altLang="en-US" sz="1200" dirty="0"/>
+          </a:p>
+        </p:txBody>
+      </p:sp>
+      <p:sp>
+        <p:nvSpPr>
+          <p:cNvPr id="50" name="타원 49">
+            <a:extLst>
+              <a:ext uri="{FF2B5EF4-FFF2-40B4-BE49-F238E27FC236}">
+                <a16:creationId xmlns:a16="http://schemas.microsoft.com/office/drawing/2014/main" id="{F868C94B-59EE-EA10-78EF-B0B143D42CFF}"/>
+              </a:ext>
+            </a:extLst>
+          </p:cNvPr>
+          <p:cNvSpPr/>
+          <p:nvPr/>
+        </p:nvSpPr>
+        <p:spPr>
+          <a:xfrm>
+            <a:off x="10421825" y="4548698"/>
+            <a:ext cx="251460" cy="251460"/>
+          </a:xfrm>
+          <a:prstGeom prst="ellipse">
+            <a:avLst/>
+          </a:prstGeom>
+        </p:spPr>
+        <p:style>
+          <a:lnRef idx="2">
+            <a:schemeClr val="accent1">
+              <a:shade val="50000"/>
+            </a:schemeClr>
+          </a:lnRef>
+          <a:fillRef idx="1">
+            <a:schemeClr val="accent1"/>
+          </a:fillRef>
+          <a:effectRef idx="0">
+            <a:schemeClr val="accent1"/>
+          </a:effectRef>
+          <a:fontRef idx="minor">
+            <a:schemeClr val="lt1"/>
+          </a:fontRef>
+        </p:style>
+        <p:txBody>
+          <a:bodyPr rtlCol="0" anchor="ctr"/>
+          <a:lstStyle/>
+          <a:p>
+            <a:pPr algn="ctr"/>
+            <a:r>
+              <a:rPr kumimoji="1" lang="en-US" altLang="ko-Kore-KR" sz="1200" dirty="0"/>
+              <a:t>T</a:t>
+            </a:r>
+            <a:endParaRPr kumimoji="1" lang="ko-Kore-KR" altLang="en-US" sz="1200" dirty="0"/>
+          </a:p>
+        </p:txBody>
+      </p:sp>
+      <p:cxnSp>
+        <p:nvCxnSpPr>
+          <p:cNvPr id="51" name="직선 화살표 연결선 50">
+            <a:extLst>
+              <a:ext uri="{FF2B5EF4-FFF2-40B4-BE49-F238E27FC236}">
+                <a16:creationId xmlns:a16="http://schemas.microsoft.com/office/drawing/2014/main" id="{52E5B5FD-BBF6-7297-0BCB-9C266D1A2C12}"/>
+              </a:ext>
+            </a:extLst>
+          </p:cNvPr>
+          <p:cNvCxnSpPr>
+            <a:stCxn id="49" idx="6"/>
+            <a:endCxn id="50" idx="2"/>
+          </p:cNvCxnSpPr>
+          <p:nvPr/>
+        </p:nvCxnSpPr>
+        <p:spPr>
+          <a:xfrm>
+            <a:off x="8954975" y="4674428"/>
+            <a:ext cx="1466850" cy="0"/>
+          </a:xfrm>
+          <a:prstGeom prst="straightConnector1">
+            <a:avLst/>
+          </a:prstGeom>
+          <a:ln>
+            <a:headEnd type="triangle"/>
+            <a:tailEnd type="triangle"/>
+          </a:ln>
+        </p:spPr>
+        <p:style>
+          <a:lnRef idx="3">
+            <a:schemeClr val="accent1"/>
+          </a:lnRef>
+          <a:fillRef idx="0">
+            <a:schemeClr val="accent1"/>
+          </a:fillRef>
+          <a:effectRef idx="2">
+            <a:schemeClr val="accent1"/>
+          </a:effectRef>
+          <a:fontRef idx="minor">
+            <a:schemeClr val="tx1"/>
+          </a:fontRef>
+        </p:style>
+      </p:cxnSp>
+      <p:cxnSp>
+        <p:nvCxnSpPr>
+          <p:cNvPr id="52" name="직선 화살표 연결선 51">
+            <a:extLst>
+              <a:ext uri="{FF2B5EF4-FFF2-40B4-BE49-F238E27FC236}">
+                <a16:creationId xmlns:a16="http://schemas.microsoft.com/office/drawing/2014/main" id="{DCD07F25-B480-A4FD-2B7F-93A160B7A48F}"/>
+              </a:ext>
+            </a:extLst>
+          </p:cNvPr>
+          <p:cNvCxnSpPr>
+            <a:cxnSpLocks/>
+            <a:endCxn id="49" idx="2"/>
+          </p:cNvCxnSpPr>
+          <p:nvPr/>
+        </p:nvCxnSpPr>
+        <p:spPr>
+          <a:xfrm>
+            <a:off x="6229350" y="4674428"/>
+            <a:ext cx="2474165" cy="0"/>
+          </a:xfrm>
+          <a:prstGeom prst="straightConnector1">
+            <a:avLst/>
+          </a:prstGeom>
+          <a:ln>
+            <a:tailEnd type="triangle"/>
+          </a:ln>
+        </p:spPr>
+        <p:style>
+          <a:lnRef idx="3">
+            <a:schemeClr val="accent1"/>
+          </a:lnRef>
+          <a:fillRef idx="0">
+            <a:schemeClr val="accent1"/>
+          </a:fillRef>
+          <a:effectRef idx="2">
+            <a:schemeClr val="accent1"/>
+          </a:effectRef>
+          <a:fontRef idx="minor">
+            <a:schemeClr val="tx1"/>
+          </a:fontRef>
+        </p:style>
+      </p:cxnSp>
+      <p:sp>
+        <p:nvSpPr>
+          <p:cNvPr id="53" name="타원 52">
+            <a:extLst>
+              <a:ext uri="{FF2B5EF4-FFF2-40B4-BE49-F238E27FC236}">
+                <a16:creationId xmlns:a16="http://schemas.microsoft.com/office/drawing/2014/main" id="{FA9E6805-4380-013F-B9B4-0584575CB34A}"/>
+              </a:ext>
+            </a:extLst>
+          </p:cNvPr>
+          <p:cNvSpPr/>
+          <p:nvPr/>
+        </p:nvSpPr>
+        <p:spPr>
+          <a:xfrm>
+            <a:off x="8718755" y="4861118"/>
+            <a:ext cx="251460" cy="251460"/>
+          </a:xfrm>
+          <a:prstGeom prst="ellipse">
+            <a:avLst/>
+          </a:prstGeom>
+        </p:spPr>
+        <p:style>
+          <a:lnRef idx="2">
+            <a:schemeClr val="accent1">
+              <a:shade val="50000"/>
+            </a:schemeClr>
+          </a:lnRef>
+          <a:fillRef idx="1">
+            <a:schemeClr val="accent1"/>
+          </a:fillRef>
+          <a:effectRef idx="0">
+            <a:schemeClr val="accent1"/>
+          </a:effectRef>
+          <a:fontRef idx="minor">
+            <a:schemeClr val="lt1"/>
+          </a:fontRef>
+        </p:style>
+        <p:txBody>
+          <a:bodyPr rtlCol="0" anchor="ctr"/>
+          <a:lstStyle/>
+          <a:p>
+            <a:pPr algn="ctr"/>
+            <a:r>
+              <a:rPr kumimoji="1" lang="en-US" altLang="ko-Kore-KR" sz="1200" dirty="0"/>
+              <a:t>c</a:t>
+            </a:r>
+            <a:endParaRPr kumimoji="1" lang="ko-Kore-KR" altLang="en-US" sz="1200" dirty="0"/>
+          </a:p>
+        </p:txBody>
+      </p:sp>
+      <p:sp>
+        <p:nvSpPr>
+          <p:cNvPr id="54" name="타원 53">
+            <a:extLst>
+              <a:ext uri="{FF2B5EF4-FFF2-40B4-BE49-F238E27FC236}">
+                <a16:creationId xmlns:a16="http://schemas.microsoft.com/office/drawing/2014/main" id="{BA317BCB-4965-3AD9-1112-90AFFB1DED00}"/>
+              </a:ext>
+            </a:extLst>
+          </p:cNvPr>
+          <p:cNvSpPr/>
+          <p:nvPr/>
+        </p:nvSpPr>
+        <p:spPr>
+          <a:xfrm>
+            <a:off x="10437065" y="4861118"/>
+            <a:ext cx="251460" cy="251460"/>
+          </a:xfrm>
+          <a:prstGeom prst="ellipse">
+            <a:avLst/>
+          </a:prstGeom>
+        </p:spPr>
+        <p:style>
+          <a:lnRef idx="2">
+            <a:schemeClr val="accent1">
+              <a:shade val="50000"/>
+            </a:schemeClr>
+          </a:lnRef>
+          <a:fillRef idx="1">
+            <a:schemeClr val="accent1"/>
+          </a:fillRef>
+          <a:effectRef idx="0">
+            <a:schemeClr val="accent1"/>
+          </a:effectRef>
+          <a:fontRef idx="minor">
+            <a:schemeClr val="lt1"/>
+          </a:fontRef>
+        </p:style>
+        <p:txBody>
+          <a:bodyPr rtlCol="0" anchor="ctr"/>
+          <a:lstStyle/>
+          <a:p>
+            <a:pPr algn="ctr"/>
+            <a:r>
+              <a:rPr kumimoji="1" lang="en-US" altLang="ko-Kore-KR" sz="1200" dirty="0"/>
+              <a:t>T</a:t>
+            </a:r>
+            <a:endParaRPr kumimoji="1" lang="ko-Kore-KR" altLang="en-US" sz="1200" dirty="0"/>
+          </a:p>
+        </p:txBody>
+      </p:sp>
+      <p:cxnSp>
+        <p:nvCxnSpPr>
+          <p:cNvPr id="55" name="직선 화살표 연결선 54">
+            <a:extLst>
+              <a:ext uri="{FF2B5EF4-FFF2-40B4-BE49-F238E27FC236}">
+                <a16:creationId xmlns:a16="http://schemas.microsoft.com/office/drawing/2014/main" id="{E614DEE3-48E8-697C-E7C3-8B2BE490B3ED}"/>
+              </a:ext>
+            </a:extLst>
+          </p:cNvPr>
+          <p:cNvCxnSpPr>
+            <a:stCxn id="53" idx="6"/>
+            <a:endCxn id="54" idx="2"/>
+          </p:cNvCxnSpPr>
+          <p:nvPr/>
+        </p:nvCxnSpPr>
+        <p:spPr>
+          <a:xfrm>
+            <a:off x="8970215" y="4986848"/>
+            <a:ext cx="1466850" cy="0"/>
+          </a:xfrm>
+          <a:prstGeom prst="straightConnector1">
+            <a:avLst/>
+          </a:prstGeom>
+          <a:ln>
+            <a:headEnd type="triangle"/>
+            <a:tailEnd type="triangle"/>
+          </a:ln>
+        </p:spPr>
+        <p:style>
+          <a:lnRef idx="3">
+            <a:schemeClr val="accent1"/>
+          </a:lnRef>
+          <a:fillRef idx="0">
+            <a:schemeClr val="accent1"/>
+          </a:fillRef>
+          <a:effectRef idx="2">
+            <a:schemeClr val="accent1"/>
+          </a:effectRef>
+          <a:fontRef idx="minor">
+            <a:schemeClr val="tx1"/>
+          </a:fontRef>
+        </p:style>
+      </p:cxnSp>
+      <p:cxnSp>
+        <p:nvCxnSpPr>
+          <p:cNvPr id="56" name="직선 화살표 연결선 55">
+            <a:extLst>
+              <a:ext uri="{FF2B5EF4-FFF2-40B4-BE49-F238E27FC236}">
+                <a16:creationId xmlns:a16="http://schemas.microsoft.com/office/drawing/2014/main" id="{0F73FD88-78A2-3B8F-F1D2-BADADB0CB2C0}"/>
+              </a:ext>
+            </a:extLst>
+          </p:cNvPr>
+          <p:cNvCxnSpPr>
+            <a:cxnSpLocks/>
+            <a:endCxn id="53" idx="2"/>
+          </p:cNvCxnSpPr>
+          <p:nvPr/>
+        </p:nvCxnSpPr>
+        <p:spPr>
+          <a:xfrm>
+            <a:off x="6412230" y="4986848"/>
+            <a:ext cx="2306525" cy="0"/>
+          </a:xfrm>
+          <a:prstGeom prst="straightConnector1">
+            <a:avLst/>
+          </a:prstGeom>
+          <a:ln>
+            <a:tailEnd type="triangle"/>
+          </a:ln>
+        </p:spPr>
+        <p:style>
+          <a:lnRef idx="3">
+            <a:schemeClr val="accent1"/>
+          </a:lnRef>
+          <a:fillRef idx="0">
+            <a:schemeClr val="accent1"/>
+          </a:fillRef>
+          <a:effectRef idx="2">
+            <a:schemeClr val="accent1"/>
+          </a:effectRef>
+          <a:fontRef idx="minor">
+            <a:schemeClr val="tx1"/>
+          </a:fontRef>
+        </p:style>
+      </p:cxnSp>
+      <p:sp>
+        <p:nvSpPr>
+          <p:cNvPr id="57" name="타원 56">
+            <a:extLst>
+              <a:ext uri="{FF2B5EF4-FFF2-40B4-BE49-F238E27FC236}">
+                <a16:creationId xmlns:a16="http://schemas.microsoft.com/office/drawing/2014/main" id="{D5D75ED2-9FB5-6D36-D236-619CC6333A2A}"/>
+              </a:ext>
+            </a:extLst>
+          </p:cNvPr>
+          <p:cNvSpPr/>
+          <p:nvPr/>
+        </p:nvSpPr>
+        <p:spPr>
+          <a:xfrm>
+            <a:off x="8718755" y="5146425"/>
+            <a:ext cx="251460" cy="251460"/>
+          </a:xfrm>
+          <a:prstGeom prst="ellipse">
+            <a:avLst/>
+          </a:prstGeom>
+        </p:spPr>
+        <p:style>
+          <a:lnRef idx="2">
+            <a:schemeClr val="accent1">
+              <a:shade val="50000"/>
+            </a:schemeClr>
+          </a:lnRef>
+          <a:fillRef idx="1">
+            <a:schemeClr val="accent1"/>
+          </a:fillRef>
+          <a:effectRef idx="0">
+            <a:schemeClr val="accent1"/>
+          </a:effectRef>
+          <a:fontRef idx="minor">
+            <a:schemeClr val="lt1"/>
+          </a:fontRef>
+        </p:style>
+        <p:txBody>
+          <a:bodyPr rtlCol="0" anchor="ctr"/>
+          <a:lstStyle/>
+          <a:p>
+            <a:pPr algn="ctr"/>
+            <a:r>
+              <a:rPr kumimoji="1" lang="en-US" altLang="ko-Kore-KR" sz="1200" dirty="0"/>
+              <a:t>c</a:t>
+            </a:r>
+            <a:endParaRPr kumimoji="1" lang="ko-Kore-KR" altLang="en-US" sz="1200" dirty="0"/>
+          </a:p>
+        </p:txBody>
+      </p:sp>
+      <p:sp>
+        <p:nvSpPr>
+          <p:cNvPr id="58" name="타원 57">
+            <a:extLst>
+              <a:ext uri="{FF2B5EF4-FFF2-40B4-BE49-F238E27FC236}">
+                <a16:creationId xmlns:a16="http://schemas.microsoft.com/office/drawing/2014/main" id="{52DBC8D0-9E9F-A2BF-DFAD-C87AB0FF7E9F}"/>
+              </a:ext>
+            </a:extLst>
+          </p:cNvPr>
+          <p:cNvSpPr/>
+          <p:nvPr/>
+        </p:nvSpPr>
+        <p:spPr>
+          <a:xfrm>
+            <a:off x="10437065" y="5146425"/>
+            <a:ext cx="251460" cy="251460"/>
+          </a:xfrm>
+          <a:prstGeom prst="ellipse">
+            <a:avLst/>
+          </a:prstGeom>
+        </p:spPr>
+        <p:style>
+          <a:lnRef idx="2">
+            <a:schemeClr val="accent1">
+              <a:shade val="50000"/>
+            </a:schemeClr>
+          </a:lnRef>
+          <a:fillRef idx="1">
+            <a:schemeClr val="accent1"/>
+          </a:fillRef>
+          <a:effectRef idx="0">
+            <a:schemeClr val="accent1"/>
+          </a:effectRef>
+          <a:fontRef idx="minor">
+            <a:schemeClr val="lt1"/>
+          </a:fontRef>
+        </p:style>
+        <p:txBody>
+          <a:bodyPr rtlCol="0" anchor="ctr"/>
+          <a:lstStyle/>
+          <a:p>
+            <a:pPr algn="ctr"/>
+            <a:r>
+              <a:rPr kumimoji="1" lang="en-US" altLang="ko-Kore-KR" sz="1200" dirty="0"/>
+              <a:t>T</a:t>
+            </a:r>
+            <a:endParaRPr kumimoji="1" lang="ko-Kore-KR" altLang="en-US" sz="1200" dirty="0"/>
+          </a:p>
+        </p:txBody>
+      </p:sp>
+      <p:cxnSp>
+        <p:nvCxnSpPr>
+          <p:cNvPr id="59" name="직선 화살표 연결선 58">
+            <a:extLst>
+              <a:ext uri="{FF2B5EF4-FFF2-40B4-BE49-F238E27FC236}">
+                <a16:creationId xmlns:a16="http://schemas.microsoft.com/office/drawing/2014/main" id="{53FA19A6-8AD5-F4BC-0E10-F9AA1DE8A707}"/>
+              </a:ext>
+            </a:extLst>
+          </p:cNvPr>
+          <p:cNvCxnSpPr>
+            <a:stCxn id="57" idx="6"/>
+            <a:endCxn id="58" idx="2"/>
+          </p:cNvCxnSpPr>
+          <p:nvPr/>
+        </p:nvCxnSpPr>
+        <p:spPr>
+          <a:xfrm>
+            <a:off x="8970215" y="5272155"/>
+            <a:ext cx="1466850" cy="0"/>
+          </a:xfrm>
+          <a:prstGeom prst="straightConnector1">
+            <a:avLst/>
+          </a:prstGeom>
+          <a:ln>
+            <a:headEnd type="triangle"/>
+            <a:tailEnd type="triangle"/>
+          </a:ln>
+        </p:spPr>
+        <p:style>
+          <a:lnRef idx="3">
+            <a:schemeClr val="accent1"/>
+          </a:lnRef>
+          <a:fillRef idx="0">
+            <a:schemeClr val="accent1"/>
+          </a:fillRef>
+          <a:effectRef idx="2">
+            <a:schemeClr val="accent1"/>
+          </a:effectRef>
+          <a:fontRef idx="minor">
+            <a:schemeClr val="tx1"/>
+          </a:fontRef>
+        </p:style>
+      </p:cxnSp>
+      <p:cxnSp>
+        <p:nvCxnSpPr>
+          <p:cNvPr id="60" name="직선 화살표 연결선 59">
+            <a:extLst>
+              <a:ext uri="{FF2B5EF4-FFF2-40B4-BE49-F238E27FC236}">
+                <a16:creationId xmlns:a16="http://schemas.microsoft.com/office/drawing/2014/main" id="{C21049BA-4160-3B97-8036-8C55F5221B0C}"/>
+              </a:ext>
+            </a:extLst>
+          </p:cNvPr>
+          <p:cNvCxnSpPr>
+            <a:cxnSpLocks/>
+            <a:endCxn id="57" idx="2"/>
+          </p:cNvCxnSpPr>
+          <p:nvPr/>
+        </p:nvCxnSpPr>
+        <p:spPr>
+          <a:xfrm>
+            <a:off x="6244590" y="5272155"/>
+            <a:ext cx="2474165" cy="0"/>
+          </a:xfrm>
+          <a:prstGeom prst="straightConnector1">
+            <a:avLst/>
+          </a:prstGeom>
+          <a:ln>
+            <a:tailEnd type="triangle"/>
+          </a:ln>
+        </p:spPr>
+        <p:style>
+          <a:lnRef idx="3">
+            <a:schemeClr val="accent1"/>
+          </a:lnRef>
+          <a:fillRef idx="0">
+            <a:schemeClr val="accent1"/>
+          </a:fillRef>
+          <a:effectRef idx="2">
+            <a:schemeClr val="accent1"/>
+          </a:effectRef>
+          <a:fontRef idx="minor">
+            <a:schemeClr val="tx1"/>
+          </a:fontRef>
+        </p:style>
+      </p:cxnSp>
+      <p:sp>
+        <p:nvSpPr>
+          <p:cNvPr id="61" name="타원 60">
+            <a:extLst>
+              <a:ext uri="{FF2B5EF4-FFF2-40B4-BE49-F238E27FC236}">
+                <a16:creationId xmlns:a16="http://schemas.microsoft.com/office/drawing/2014/main" id="{950C87FE-61F0-BABA-84A6-F5B9101099F4}"/>
+              </a:ext>
+            </a:extLst>
+          </p:cNvPr>
+          <p:cNvSpPr/>
+          <p:nvPr/>
+        </p:nvSpPr>
+        <p:spPr>
+          <a:xfrm>
+            <a:off x="8718755" y="5474086"/>
+            <a:ext cx="251460" cy="251460"/>
+          </a:xfrm>
+          <a:prstGeom prst="ellipse">
+            <a:avLst/>
+          </a:prstGeom>
+        </p:spPr>
+        <p:style>
+          <a:lnRef idx="2">
+            <a:schemeClr val="accent1">
+              <a:shade val="50000"/>
+            </a:schemeClr>
+          </a:lnRef>
+          <a:fillRef idx="1">
+            <a:schemeClr val="accent1"/>
+          </a:fillRef>
+          <a:effectRef idx="0">
+            <a:schemeClr val="accent1"/>
+          </a:effectRef>
+          <a:fontRef idx="minor">
+            <a:schemeClr val="lt1"/>
+          </a:fontRef>
+        </p:style>
+        <p:txBody>
+          <a:bodyPr rtlCol="0" anchor="ctr"/>
+          <a:lstStyle/>
+          <a:p>
+            <a:pPr algn="ctr"/>
+            <a:r>
+              <a:rPr kumimoji="1" lang="en-US" altLang="ko-Kore-KR" sz="1200" dirty="0"/>
+              <a:t>c</a:t>
+            </a:r>
+            <a:endParaRPr kumimoji="1" lang="ko-Kore-KR" altLang="en-US" sz="1200" dirty="0"/>
+          </a:p>
+        </p:txBody>
+      </p:sp>
+      <p:sp>
+        <p:nvSpPr>
+          <p:cNvPr id="62" name="타원 61">
+            <a:extLst>
+              <a:ext uri="{FF2B5EF4-FFF2-40B4-BE49-F238E27FC236}">
+                <a16:creationId xmlns:a16="http://schemas.microsoft.com/office/drawing/2014/main" id="{650CA9E4-A4CC-28B3-13F9-2329F8EBFD34}"/>
+              </a:ext>
+            </a:extLst>
+          </p:cNvPr>
+          <p:cNvSpPr/>
+          <p:nvPr/>
+        </p:nvSpPr>
+        <p:spPr>
+          <a:xfrm>
+            <a:off x="10437065" y="5474086"/>
+            <a:ext cx="251460" cy="251460"/>
+          </a:xfrm>
+          <a:prstGeom prst="ellipse">
+            <a:avLst/>
+          </a:prstGeom>
+        </p:spPr>
+        <p:style>
+          <a:lnRef idx="2">
+            <a:schemeClr val="accent1">
+              <a:shade val="50000"/>
+            </a:schemeClr>
+          </a:lnRef>
+          <a:fillRef idx="1">
+            <a:schemeClr val="accent1"/>
+          </a:fillRef>
+          <a:effectRef idx="0">
+            <a:schemeClr val="accent1"/>
+          </a:effectRef>
+          <a:fontRef idx="minor">
+            <a:schemeClr val="lt1"/>
+          </a:fontRef>
+        </p:style>
+        <p:txBody>
+          <a:bodyPr rtlCol="0" anchor="ctr"/>
+          <a:lstStyle/>
+          <a:p>
+            <a:pPr algn="ctr"/>
+            <a:r>
+              <a:rPr kumimoji="1" lang="en-US" altLang="ko-Kore-KR" sz="1200" dirty="0"/>
+              <a:t>T</a:t>
+            </a:r>
+            <a:endParaRPr kumimoji="1" lang="ko-Kore-KR" altLang="en-US" sz="1200" dirty="0"/>
+          </a:p>
+        </p:txBody>
+      </p:sp>
+      <p:cxnSp>
+        <p:nvCxnSpPr>
+          <p:cNvPr id="63" name="직선 화살표 연결선 62">
+            <a:extLst>
+              <a:ext uri="{FF2B5EF4-FFF2-40B4-BE49-F238E27FC236}">
+                <a16:creationId xmlns:a16="http://schemas.microsoft.com/office/drawing/2014/main" id="{37EDD3A6-3BE4-CDAE-EAD6-08F167AF9A2D}"/>
+              </a:ext>
+            </a:extLst>
+          </p:cNvPr>
+          <p:cNvCxnSpPr>
+            <a:stCxn id="61" idx="6"/>
+            <a:endCxn id="62" idx="2"/>
+          </p:cNvCxnSpPr>
+          <p:nvPr/>
+        </p:nvCxnSpPr>
+        <p:spPr>
+          <a:xfrm>
+            <a:off x="8970215" y="5599816"/>
+            <a:ext cx="1466850" cy="0"/>
+          </a:xfrm>
+          <a:prstGeom prst="straightConnector1">
+            <a:avLst/>
+          </a:prstGeom>
+          <a:ln>
+            <a:headEnd type="triangle"/>
+            <a:tailEnd type="triangle"/>
+          </a:ln>
+        </p:spPr>
+        <p:style>
+          <a:lnRef idx="3">
+            <a:schemeClr val="accent1"/>
+          </a:lnRef>
+          <a:fillRef idx="0">
+            <a:schemeClr val="accent1"/>
+          </a:fillRef>
+          <a:effectRef idx="2">
+            <a:schemeClr val="accent1"/>
+          </a:effectRef>
+          <a:fontRef idx="minor">
+            <a:schemeClr val="tx1"/>
+          </a:fontRef>
+        </p:style>
+      </p:cxnSp>
+      <p:cxnSp>
+        <p:nvCxnSpPr>
+          <p:cNvPr id="64" name="직선 화살표 연결선 63">
+            <a:extLst>
+              <a:ext uri="{FF2B5EF4-FFF2-40B4-BE49-F238E27FC236}">
+                <a16:creationId xmlns:a16="http://schemas.microsoft.com/office/drawing/2014/main" id="{6E28F693-6FB0-A1A7-1836-BF2A9FFA93EF}"/>
+              </a:ext>
+            </a:extLst>
+          </p:cNvPr>
+          <p:cNvCxnSpPr>
+            <a:cxnSpLocks/>
+            <a:endCxn id="61" idx="2"/>
+          </p:cNvCxnSpPr>
+          <p:nvPr/>
+        </p:nvCxnSpPr>
+        <p:spPr>
+          <a:xfrm>
+            <a:off x="6244590" y="5599816"/>
+            <a:ext cx="2474165" cy="0"/>
+          </a:xfrm>
+          <a:prstGeom prst="straightConnector1">
+            <a:avLst/>
+          </a:prstGeom>
+          <a:ln>
+            <a:tailEnd type="triangle"/>
+          </a:ln>
+        </p:spPr>
+        <p:style>
+          <a:lnRef idx="3">
+            <a:schemeClr val="accent1"/>
+          </a:lnRef>
+          <a:fillRef idx="0">
+            <a:schemeClr val="accent1"/>
+          </a:fillRef>
+          <a:effectRef idx="2">
+            <a:schemeClr val="accent1"/>
+          </a:effectRef>
+          <a:fontRef idx="minor">
+            <a:schemeClr val="tx1"/>
+          </a:fontRef>
+        </p:style>
+      </p:cxnSp>
+    </p:spTree>
+    <p:extLst>
+      <p:ext uri="{BB962C8B-B14F-4D97-AF65-F5344CB8AC3E}">
+        <p14:creationId xmlns:p14="http://schemas.microsoft.com/office/powerpoint/2010/main" val="1913576828"/>
+      </p:ext>
+    </p:extLst>
+  </p:cSld>
+  <p:clrMapOvr>
+    <a:masterClrMapping/>
+  </p:clrMapOvr>
+</p:sld>
+</file>
+
+<file path=ppt/slides/slide42.xml><?xml version="1.0" encoding="utf-8"?>
+<p:sld xmlns:a="http://schemas.openxmlformats.org/drawingml/2006/main" xmlns:r="http://schemas.openxmlformats.org/officeDocument/2006/relationships" xmlns:p="http://schemas.openxmlformats.org/presentationml/2006/main">
+  <p:cSld>
+    <p:spTree>
+      <p:nvGrpSpPr>
+        <p:cNvPr id="1" name=""/>
+        <p:cNvGrpSpPr/>
+        <p:nvPr/>
+      </p:nvGrpSpPr>
+      <p:grpSpPr>
+        <a:xfrm>
+          <a:off x="0" y="0"/>
+          <a:ext cx="0" cy="0"/>
+          <a:chOff x="0" y="0"/>
+          <a:chExt cx="0" cy="0"/>
+        </a:xfrm>
+      </p:grpSpPr>
     </p:spTree>
     <p:extLst>
       <p:ext uri="{BB962C8B-B14F-4D97-AF65-F5344CB8AC3E}">
@@ -50222,7 +56137,7 @@
 </p:sld>
 </file>
 
-<file path=ppt/slides/slide41.xml><?xml version="1.0" encoding="utf-8"?>
+<file path=ppt/slides/slide43.xml><?xml version="1.0" encoding="utf-8"?>
 <p:sld xmlns:a="http://schemas.openxmlformats.org/drawingml/2006/main" xmlns:r="http://schemas.openxmlformats.org/officeDocument/2006/relationships" xmlns:p="http://schemas.openxmlformats.org/presentationml/2006/main">
   <p:cSld>
     <p:spTree>
@@ -50252,7 +56167,7 @@
 </p:sld>
 </file>
 
-<file path=ppt/slides/slide42.xml><?xml version="1.0" encoding="utf-8"?>
+<file path=ppt/slides/slide44.xml><?xml version="1.0" encoding="utf-8"?>
 <p:sld xmlns:a="http://schemas.openxmlformats.org/drawingml/2006/main" xmlns:r="http://schemas.openxmlformats.org/officeDocument/2006/relationships" xmlns:p="http://schemas.openxmlformats.org/presentationml/2006/main">
   <p:cSld>
     <p:spTree>
@@ -50282,7 +56197,7 @@
 </p:sld>
 </file>
 
-<file path=ppt/slides/slide43.xml><?xml version="1.0" encoding="utf-8"?>
+<file path=ppt/slides/slide45.xml><?xml version="1.0" encoding="utf-8"?>
 <p:sld xmlns:a="http://schemas.openxmlformats.org/drawingml/2006/main" xmlns:r="http://schemas.openxmlformats.org/officeDocument/2006/relationships" xmlns:p="http://schemas.openxmlformats.org/presentationml/2006/main">
   <p:cSld>
     <p:spTree>
@@ -50312,7 +56227,7 @@
 </p:sld>
 </file>
 
-<file path=ppt/slides/slide44.xml><?xml version="1.0" encoding="utf-8"?>
+<file path=ppt/slides/slide46.xml><?xml version="1.0" encoding="utf-8"?>
 <p:sld xmlns:a="http://schemas.openxmlformats.org/drawingml/2006/main" xmlns:r="http://schemas.openxmlformats.org/officeDocument/2006/relationships" xmlns:p="http://schemas.openxmlformats.org/presentationml/2006/main">
   <p:cSld>
     <p:spTree>
@@ -50342,7 +56257,7 @@
 </p:sld>
 </file>
 
-<file path=ppt/slides/slide45.xml><?xml version="1.0" encoding="utf-8"?>
+<file path=ppt/slides/slide47.xml><?xml version="1.0" encoding="utf-8"?>
 <p:sld xmlns:a="http://schemas.openxmlformats.org/drawingml/2006/main" xmlns:r="http://schemas.openxmlformats.org/officeDocument/2006/relationships" xmlns:p="http://schemas.openxmlformats.org/presentationml/2006/main">
   <p:cSld>
     <p:spTree>
@@ -50372,7 +56287,7 @@
 </p:sld>
 </file>
 
-<file path=ppt/slides/slide46.xml><?xml version="1.0" encoding="utf-8"?>
+<file path=ppt/slides/slide48.xml><?xml version="1.0" encoding="utf-8"?>
 <p:sld xmlns:a="http://schemas.openxmlformats.org/drawingml/2006/main" xmlns:r="http://schemas.openxmlformats.org/officeDocument/2006/relationships" xmlns:p="http://schemas.openxmlformats.org/presentationml/2006/main">
   <p:cSld>
     <p:spTree>
@@ -50402,7 +56317,7 @@
 </p:sld>
 </file>
 
-<file path=ppt/slides/slide47.xml><?xml version="1.0" encoding="utf-8"?>
+<file path=ppt/slides/slide49.xml><?xml version="1.0" encoding="utf-8"?>
 <p:sld xmlns:a="http://schemas.openxmlformats.org/drawingml/2006/main" xmlns:r="http://schemas.openxmlformats.org/officeDocument/2006/relationships" xmlns:p="http://schemas.openxmlformats.org/presentationml/2006/main">
   <p:cSld>
     <p:spTree>
@@ -50423,66 +56338,6 @@
     <p:extLst>
       <p:ext uri="{BB962C8B-B14F-4D97-AF65-F5344CB8AC3E}">
         <p14:creationId xmlns:p14="http://schemas.microsoft.com/office/powerpoint/2010/main" val="558197416"/>
-      </p:ext>
-    </p:extLst>
-  </p:cSld>
-  <p:clrMapOvr>
-    <a:masterClrMapping/>
-  </p:clrMapOvr>
-</p:sld>
-</file>
-
-<file path=ppt/slides/slide48.xml><?xml version="1.0" encoding="utf-8"?>
-<p:sld xmlns:a="http://schemas.openxmlformats.org/drawingml/2006/main" xmlns:r="http://schemas.openxmlformats.org/officeDocument/2006/relationships" xmlns:p="http://schemas.openxmlformats.org/presentationml/2006/main">
-  <p:cSld>
-    <p:spTree>
-      <p:nvGrpSpPr>
-        <p:cNvPr id="1" name=""/>
-        <p:cNvGrpSpPr/>
-        <p:nvPr/>
-      </p:nvGrpSpPr>
-      <p:grpSpPr>
-        <a:xfrm>
-          <a:off x="0" y="0"/>
-          <a:ext cx="0" cy="0"/>
-          <a:chOff x="0" y="0"/>
-          <a:chExt cx="0" cy="0"/>
-        </a:xfrm>
-      </p:grpSpPr>
-    </p:spTree>
-    <p:extLst>
-      <p:ext uri="{BB962C8B-B14F-4D97-AF65-F5344CB8AC3E}">
-        <p14:creationId xmlns:p14="http://schemas.microsoft.com/office/powerpoint/2010/main" val="4066365308"/>
-      </p:ext>
-    </p:extLst>
-  </p:cSld>
-  <p:clrMapOvr>
-    <a:masterClrMapping/>
-  </p:clrMapOvr>
-</p:sld>
-</file>
-
-<file path=ppt/slides/slide49.xml><?xml version="1.0" encoding="utf-8"?>
-<p:sld xmlns:a="http://schemas.openxmlformats.org/drawingml/2006/main" xmlns:r="http://schemas.openxmlformats.org/officeDocument/2006/relationships" xmlns:p="http://schemas.openxmlformats.org/presentationml/2006/main">
-  <p:cSld>
-    <p:spTree>
-      <p:nvGrpSpPr>
-        <p:cNvPr id="1" name=""/>
-        <p:cNvGrpSpPr/>
-        <p:nvPr/>
-      </p:nvGrpSpPr>
-      <p:grpSpPr>
-        <a:xfrm>
-          <a:off x="0" y="0"/>
-          <a:ext cx="0" cy="0"/>
-          <a:chOff x="0" y="0"/>
-          <a:chExt cx="0" cy="0"/>
-        </a:xfrm>
-      </p:grpSpPr>
-    </p:spTree>
-    <p:extLst>
-      <p:ext uri="{BB962C8B-B14F-4D97-AF65-F5344CB8AC3E}">
-        <p14:creationId xmlns:p14="http://schemas.microsoft.com/office/powerpoint/2010/main" val="3523135999"/>
       </p:ext>
     </p:extLst>
   </p:cSld>
@@ -51077,7 +56932,7 @@
     </p:spTree>
     <p:extLst>
       <p:ext uri="{BB962C8B-B14F-4D97-AF65-F5344CB8AC3E}">
-        <p14:creationId xmlns:p14="http://schemas.microsoft.com/office/powerpoint/2010/main" val="3491279388"/>
+        <p14:creationId xmlns:p14="http://schemas.microsoft.com/office/powerpoint/2010/main" val="4066365308"/>
       </p:ext>
     </p:extLst>
   </p:cSld>
@@ -51107,7 +56962,7 @@
     </p:spTree>
     <p:extLst>
       <p:ext uri="{BB962C8B-B14F-4D97-AF65-F5344CB8AC3E}">
-        <p14:creationId xmlns:p14="http://schemas.microsoft.com/office/powerpoint/2010/main" val="1442108686"/>
+        <p14:creationId xmlns:p14="http://schemas.microsoft.com/office/powerpoint/2010/main" val="3523135999"/>
       </p:ext>
     </p:extLst>
   </p:cSld>
@@ -51137,7 +56992,7 @@
     </p:spTree>
     <p:extLst>
       <p:ext uri="{BB962C8B-B14F-4D97-AF65-F5344CB8AC3E}">
-        <p14:creationId xmlns:p14="http://schemas.microsoft.com/office/powerpoint/2010/main" val="1620877337"/>
+        <p14:creationId xmlns:p14="http://schemas.microsoft.com/office/powerpoint/2010/main" val="3491279388"/>
       </p:ext>
     </p:extLst>
   </p:cSld>
@@ -51167,7 +57022,7 @@
     </p:spTree>
     <p:extLst>
       <p:ext uri="{BB962C8B-B14F-4D97-AF65-F5344CB8AC3E}">
-        <p14:creationId xmlns:p14="http://schemas.microsoft.com/office/powerpoint/2010/main" val="2112818761"/>
+        <p14:creationId xmlns:p14="http://schemas.microsoft.com/office/powerpoint/2010/main" val="1442108686"/>
       </p:ext>
     </p:extLst>
   </p:cSld>
@@ -51197,7 +57052,7 @@
     </p:spTree>
     <p:extLst>
       <p:ext uri="{BB962C8B-B14F-4D97-AF65-F5344CB8AC3E}">
-        <p14:creationId xmlns:p14="http://schemas.microsoft.com/office/powerpoint/2010/main" val="4164900616"/>
+        <p14:creationId xmlns:p14="http://schemas.microsoft.com/office/powerpoint/2010/main" val="1620877337"/>
       </p:ext>
     </p:extLst>
   </p:cSld>
@@ -51227,7 +57082,7 @@
     </p:spTree>
     <p:extLst>
       <p:ext uri="{BB962C8B-B14F-4D97-AF65-F5344CB8AC3E}">
-        <p14:creationId xmlns:p14="http://schemas.microsoft.com/office/powerpoint/2010/main" val="65338143"/>
+        <p14:creationId xmlns:p14="http://schemas.microsoft.com/office/powerpoint/2010/main" val="2112818761"/>
       </p:ext>
     </p:extLst>
   </p:cSld>
@@ -51257,7 +57112,7 @@
     </p:spTree>
     <p:extLst>
       <p:ext uri="{BB962C8B-B14F-4D97-AF65-F5344CB8AC3E}">
-        <p14:creationId xmlns:p14="http://schemas.microsoft.com/office/powerpoint/2010/main" val="4119523944"/>
+        <p14:creationId xmlns:p14="http://schemas.microsoft.com/office/powerpoint/2010/main" val="4164900616"/>
       </p:ext>
     </p:extLst>
   </p:cSld>
@@ -51287,7 +57142,7 @@
     </p:spTree>
     <p:extLst>
       <p:ext uri="{BB962C8B-B14F-4D97-AF65-F5344CB8AC3E}">
-        <p14:creationId xmlns:p14="http://schemas.microsoft.com/office/powerpoint/2010/main" val="2076722482"/>
+        <p14:creationId xmlns:p14="http://schemas.microsoft.com/office/powerpoint/2010/main" val="65338143"/>
       </p:ext>
     </p:extLst>
   </p:cSld>
@@ -51317,7 +57172,7 @@
     </p:spTree>
     <p:extLst>
       <p:ext uri="{BB962C8B-B14F-4D97-AF65-F5344CB8AC3E}">
-        <p14:creationId xmlns:p14="http://schemas.microsoft.com/office/powerpoint/2010/main" val="1895797962"/>
+        <p14:creationId xmlns:p14="http://schemas.microsoft.com/office/powerpoint/2010/main" val="4119523944"/>
       </p:ext>
     </p:extLst>
   </p:cSld>
@@ -51347,7 +57202,7 @@
     </p:spTree>
     <p:extLst>
       <p:ext uri="{BB962C8B-B14F-4D97-AF65-F5344CB8AC3E}">
-        <p14:creationId xmlns:p14="http://schemas.microsoft.com/office/powerpoint/2010/main" val="1480486148"/>
+        <p14:creationId xmlns:p14="http://schemas.microsoft.com/office/powerpoint/2010/main" val="2076722482"/>
       </p:ext>
     </p:extLst>
   </p:cSld>
@@ -52235,7 +58090,7 @@
     </p:spTree>
     <p:extLst>
       <p:ext uri="{BB962C8B-B14F-4D97-AF65-F5344CB8AC3E}">
-        <p14:creationId xmlns:p14="http://schemas.microsoft.com/office/powerpoint/2010/main" val="2183829537"/>
+        <p14:creationId xmlns:p14="http://schemas.microsoft.com/office/powerpoint/2010/main" val="1895797962"/>
       </p:ext>
     </p:extLst>
   </p:cSld>
@@ -52265,6 +58120,66 @@
     </p:spTree>
     <p:extLst>
       <p:ext uri="{BB962C8B-B14F-4D97-AF65-F5344CB8AC3E}">
+        <p14:creationId xmlns:p14="http://schemas.microsoft.com/office/powerpoint/2010/main" val="1480486148"/>
+      </p:ext>
+    </p:extLst>
+  </p:cSld>
+  <p:clrMapOvr>
+    <a:masterClrMapping/>
+  </p:clrMapOvr>
+</p:sld>
+</file>
+
+<file path=ppt/slides/slide62.xml><?xml version="1.0" encoding="utf-8"?>
+<p:sld xmlns:a="http://schemas.openxmlformats.org/drawingml/2006/main" xmlns:r="http://schemas.openxmlformats.org/officeDocument/2006/relationships" xmlns:p="http://schemas.openxmlformats.org/presentationml/2006/main">
+  <p:cSld>
+    <p:spTree>
+      <p:nvGrpSpPr>
+        <p:cNvPr id="1" name=""/>
+        <p:cNvGrpSpPr/>
+        <p:nvPr/>
+      </p:nvGrpSpPr>
+      <p:grpSpPr>
+        <a:xfrm>
+          <a:off x="0" y="0"/>
+          <a:ext cx="0" cy="0"/>
+          <a:chOff x="0" y="0"/>
+          <a:chExt cx="0" cy="0"/>
+        </a:xfrm>
+      </p:grpSpPr>
+    </p:spTree>
+    <p:extLst>
+      <p:ext uri="{BB962C8B-B14F-4D97-AF65-F5344CB8AC3E}">
+        <p14:creationId xmlns:p14="http://schemas.microsoft.com/office/powerpoint/2010/main" val="2183829537"/>
+      </p:ext>
+    </p:extLst>
+  </p:cSld>
+  <p:clrMapOvr>
+    <a:masterClrMapping/>
+  </p:clrMapOvr>
+</p:sld>
+</file>
+
+<file path=ppt/slides/slide63.xml><?xml version="1.0" encoding="utf-8"?>
+<p:sld xmlns:a="http://schemas.openxmlformats.org/drawingml/2006/main" xmlns:r="http://schemas.openxmlformats.org/officeDocument/2006/relationships" xmlns:p="http://schemas.openxmlformats.org/presentationml/2006/main">
+  <p:cSld>
+    <p:spTree>
+      <p:nvGrpSpPr>
+        <p:cNvPr id="1" name=""/>
+        <p:cNvGrpSpPr/>
+        <p:nvPr/>
+      </p:nvGrpSpPr>
+      <p:grpSpPr>
+        <a:xfrm>
+          <a:off x="0" y="0"/>
+          <a:ext cx="0" cy="0"/>
+          <a:chOff x="0" y="0"/>
+          <a:chExt cx="0" cy="0"/>
+        </a:xfrm>
+      </p:grpSpPr>
+    </p:spTree>
+    <p:extLst>
+      <p:ext uri="{BB962C8B-B14F-4D97-AF65-F5344CB8AC3E}">
         <p14:creationId xmlns:p14="http://schemas.microsoft.com/office/powerpoint/2010/main" val="2510022451"/>
       </p:ext>
     </p:extLst>
@@ -52275,7 +58190,7 @@
 </p:sld>
 </file>
 
-<file path=ppt/slides/slide62.xml><?xml version="1.0" encoding="utf-8"?>
+<file path=ppt/slides/slide64.xml><?xml version="1.0" encoding="utf-8"?>
 <p:sld xmlns:a="http://schemas.openxmlformats.org/drawingml/2006/main" xmlns:r="http://schemas.openxmlformats.org/officeDocument/2006/relationships" xmlns:p="http://schemas.openxmlformats.org/presentationml/2006/main">
   <p:cSld>
     <p:spTree>
